--- a/presentation/wedi_wade.pptx
+++ b/presentation/wedi_wade.pptx
@@ -13,8 +13,13 @@
     <p:sldId id="260" r:id="rId7"/>
     <p:sldId id="261" r:id="rId8"/>
     <p:sldId id="263" r:id="rId9"/>
-    <p:sldId id="262" r:id="rId10"/>
-    <p:sldId id="266" r:id="rId11"/>
+    <p:sldId id="267" r:id="rId10"/>
+    <p:sldId id="268" r:id="rId11"/>
+    <p:sldId id="262" r:id="rId12"/>
+    <p:sldId id="269" r:id="rId13"/>
+    <p:sldId id="266" r:id="rId14"/>
+    <p:sldId id="270" r:id="rId15"/>
+    <p:sldId id="271" r:id="rId16"/>
   </p:sldIdLst>
   <p:sldSz cx="9144000" cy="6858000" type="screen4x3"/>
   <p:notesSz cx="6858000" cy="9144000"/>
@@ -114,6 +119,6785 @@
     </a:lvl9pPr>
   </p:defaultTextStyle>
 </p:presentation>
+</file>
+
+<file path=ppt/diagrams/colors1.xml><?xml version="1.0" encoding="utf-8"?>
+<dgm:colorsDef xmlns:dgm="http://schemas.openxmlformats.org/drawingml/2006/diagram" xmlns:a="http://schemas.openxmlformats.org/drawingml/2006/main" uniqueId="urn:microsoft.com/office/officeart/2005/8/colors/accent1_2">
+  <dgm:title val=""/>
+  <dgm:desc val=""/>
+  <dgm:catLst>
+    <dgm:cat type="accent1" pri="11200"/>
+  </dgm:catLst>
+  <dgm:styleLbl name="node0">
+    <dgm:fillClrLst meth="repeat">
+      <a:schemeClr val="accent1"/>
+    </dgm:fillClrLst>
+    <dgm:linClrLst meth="repeat">
+      <a:schemeClr val="lt1"/>
+    </dgm:linClrLst>
+    <dgm:effectClrLst/>
+    <dgm:txLinClrLst/>
+    <dgm:txFillClrLst/>
+    <dgm:txEffectClrLst/>
+  </dgm:styleLbl>
+  <dgm:styleLbl name="alignNode1">
+    <dgm:fillClrLst meth="repeat">
+      <a:schemeClr val="accent1"/>
+    </dgm:fillClrLst>
+    <dgm:linClrLst meth="repeat">
+      <a:schemeClr val="accent1"/>
+    </dgm:linClrLst>
+    <dgm:effectClrLst/>
+    <dgm:txLinClrLst/>
+    <dgm:txFillClrLst/>
+    <dgm:txEffectClrLst/>
+  </dgm:styleLbl>
+  <dgm:styleLbl name="node1">
+    <dgm:fillClrLst meth="repeat">
+      <a:schemeClr val="accent1"/>
+    </dgm:fillClrLst>
+    <dgm:linClrLst meth="repeat">
+      <a:schemeClr val="lt1"/>
+    </dgm:linClrLst>
+    <dgm:effectClrLst/>
+    <dgm:txLinClrLst/>
+    <dgm:txFillClrLst/>
+    <dgm:txEffectClrLst/>
+  </dgm:styleLbl>
+  <dgm:styleLbl name="lnNode1">
+    <dgm:fillClrLst meth="repeat">
+      <a:schemeClr val="accent1"/>
+    </dgm:fillClrLst>
+    <dgm:linClrLst meth="repeat">
+      <a:schemeClr val="lt1"/>
+    </dgm:linClrLst>
+    <dgm:effectClrLst/>
+    <dgm:txLinClrLst/>
+    <dgm:txFillClrLst/>
+    <dgm:txEffectClrLst/>
+  </dgm:styleLbl>
+  <dgm:styleLbl name="vennNode1">
+    <dgm:fillClrLst meth="repeat">
+      <a:schemeClr val="accent1">
+        <a:alpha val="50000"/>
+      </a:schemeClr>
+    </dgm:fillClrLst>
+    <dgm:linClrLst meth="repeat">
+      <a:schemeClr val="lt1"/>
+    </dgm:linClrLst>
+    <dgm:effectClrLst/>
+    <dgm:txLinClrLst/>
+    <dgm:txFillClrLst/>
+    <dgm:txEffectClrLst/>
+  </dgm:styleLbl>
+  <dgm:styleLbl name="node2">
+    <dgm:fillClrLst meth="repeat">
+      <a:schemeClr val="accent1"/>
+    </dgm:fillClrLst>
+    <dgm:linClrLst meth="repeat">
+      <a:schemeClr val="lt1"/>
+    </dgm:linClrLst>
+    <dgm:effectClrLst/>
+    <dgm:txLinClrLst/>
+    <dgm:txFillClrLst/>
+    <dgm:txEffectClrLst/>
+  </dgm:styleLbl>
+  <dgm:styleLbl name="node3">
+    <dgm:fillClrLst meth="repeat">
+      <a:schemeClr val="accent1"/>
+    </dgm:fillClrLst>
+    <dgm:linClrLst meth="repeat">
+      <a:schemeClr val="lt1"/>
+    </dgm:linClrLst>
+    <dgm:effectClrLst/>
+    <dgm:txLinClrLst/>
+    <dgm:txFillClrLst/>
+    <dgm:txEffectClrLst/>
+  </dgm:styleLbl>
+  <dgm:styleLbl name="node4">
+    <dgm:fillClrLst meth="repeat">
+      <a:schemeClr val="accent1"/>
+    </dgm:fillClrLst>
+    <dgm:linClrLst meth="repeat">
+      <a:schemeClr val="lt1"/>
+    </dgm:linClrLst>
+    <dgm:effectClrLst/>
+    <dgm:txLinClrLst/>
+    <dgm:txFillClrLst/>
+    <dgm:txEffectClrLst/>
+  </dgm:styleLbl>
+  <dgm:styleLbl name="fgImgPlace1">
+    <dgm:fillClrLst meth="repeat">
+      <a:schemeClr val="accent1">
+        <a:tint val="50000"/>
+      </a:schemeClr>
+    </dgm:fillClrLst>
+    <dgm:linClrLst meth="repeat">
+      <a:schemeClr val="lt1"/>
+    </dgm:linClrLst>
+    <dgm:effectClrLst/>
+    <dgm:txLinClrLst/>
+    <dgm:txFillClrLst meth="repeat">
+      <a:schemeClr val="lt1"/>
+    </dgm:txFillClrLst>
+    <dgm:txEffectClrLst/>
+  </dgm:styleLbl>
+  <dgm:styleLbl name="alignImgPlace1">
+    <dgm:fillClrLst meth="repeat">
+      <a:schemeClr val="accent1">
+        <a:tint val="50000"/>
+      </a:schemeClr>
+    </dgm:fillClrLst>
+    <dgm:linClrLst meth="repeat">
+      <a:schemeClr val="lt1"/>
+    </dgm:linClrLst>
+    <dgm:effectClrLst/>
+    <dgm:txLinClrLst/>
+    <dgm:txFillClrLst meth="repeat">
+      <a:schemeClr val="lt1"/>
+    </dgm:txFillClrLst>
+    <dgm:txEffectClrLst/>
+  </dgm:styleLbl>
+  <dgm:styleLbl name="bgImgPlace1">
+    <dgm:fillClrLst meth="repeat">
+      <a:schemeClr val="accent1">
+        <a:tint val="50000"/>
+      </a:schemeClr>
+    </dgm:fillClrLst>
+    <dgm:linClrLst meth="repeat">
+      <a:schemeClr val="lt1"/>
+    </dgm:linClrLst>
+    <dgm:effectClrLst/>
+    <dgm:txLinClrLst/>
+    <dgm:txFillClrLst meth="repeat">
+      <a:schemeClr val="lt1"/>
+    </dgm:txFillClrLst>
+    <dgm:txEffectClrLst/>
+  </dgm:styleLbl>
+  <dgm:styleLbl name="sibTrans2D1">
+    <dgm:fillClrLst meth="repeat">
+      <a:schemeClr val="accent1">
+        <a:tint val="60000"/>
+      </a:schemeClr>
+    </dgm:fillClrLst>
+    <dgm:linClrLst meth="repeat">
+      <a:schemeClr val="accent1">
+        <a:tint val="60000"/>
+      </a:schemeClr>
+    </dgm:linClrLst>
+    <dgm:effectClrLst/>
+    <dgm:txLinClrLst/>
+    <dgm:txFillClrLst/>
+    <dgm:txEffectClrLst/>
+  </dgm:styleLbl>
+  <dgm:styleLbl name="fgSibTrans2D1">
+    <dgm:fillClrLst meth="repeat">
+      <a:schemeClr val="accent1">
+        <a:tint val="60000"/>
+      </a:schemeClr>
+    </dgm:fillClrLst>
+    <dgm:linClrLst meth="repeat">
+      <a:schemeClr val="accent1">
+        <a:tint val="60000"/>
+      </a:schemeClr>
+    </dgm:linClrLst>
+    <dgm:effectClrLst/>
+    <dgm:txLinClrLst/>
+    <dgm:txFillClrLst/>
+    <dgm:txEffectClrLst/>
+  </dgm:styleLbl>
+  <dgm:styleLbl name="bgSibTrans2D1">
+    <dgm:fillClrLst meth="repeat">
+      <a:schemeClr val="accent1">
+        <a:tint val="60000"/>
+      </a:schemeClr>
+    </dgm:fillClrLst>
+    <dgm:linClrLst meth="repeat">
+      <a:schemeClr val="accent1">
+        <a:tint val="60000"/>
+      </a:schemeClr>
+    </dgm:linClrLst>
+    <dgm:effectClrLst/>
+    <dgm:txLinClrLst/>
+    <dgm:txFillClrLst/>
+    <dgm:txEffectClrLst/>
+  </dgm:styleLbl>
+  <dgm:styleLbl name="sibTrans1D1">
+    <dgm:fillClrLst meth="repeat">
+      <a:schemeClr val="accent1"/>
+    </dgm:fillClrLst>
+    <dgm:linClrLst meth="repeat">
+      <a:schemeClr val="accent1"/>
+    </dgm:linClrLst>
+    <dgm:effectClrLst/>
+    <dgm:txLinClrLst/>
+    <dgm:txFillClrLst meth="repeat">
+      <a:schemeClr val="tx1"/>
+    </dgm:txFillClrLst>
+    <dgm:txEffectClrLst/>
+  </dgm:styleLbl>
+  <dgm:styleLbl name="callout">
+    <dgm:fillClrLst meth="repeat">
+      <a:schemeClr val="accent1"/>
+    </dgm:fillClrLst>
+    <dgm:linClrLst meth="repeat">
+      <a:schemeClr val="accent1">
+        <a:tint val="50000"/>
+      </a:schemeClr>
+    </dgm:linClrLst>
+    <dgm:effectClrLst/>
+    <dgm:txLinClrLst/>
+    <dgm:txFillClrLst meth="repeat">
+      <a:schemeClr val="tx1"/>
+    </dgm:txFillClrLst>
+    <dgm:txEffectClrLst/>
+  </dgm:styleLbl>
+  <dgm:styleLbl name="asst0">
+    <dgm:fillClrLst meth="repeat">
+      <a:schemeClr val="accent1"/>
+    </dgm:fillClrLst>
+    <dgm:linClrLst meth="repeat">
+      <a:schemeClr val="lt1"/>
+    </dgm:linClrLst>
+    <dgm:effectClrLst/>
+    <dgm:txLinClrLst/>
+    <dgm:txFillClrLst/>
+    <dgm:txEffectClrLst/>
+  </dgm:styleLbl>
+  <dgm:styleLbl name="asst1">
+    <dgm:fillClrLst meth="repeat">
+      <a:schemeClr val="accent1"/>
+    </dgm:fillClrLst>
+    <dgm:linClrLst meth="repeat">
+      <a:schemeClr val="lt1"/>
+    </dgm:linClrLst>
+    <dgm:effectClrLst/>
+    <dgm:txLinClrLst/>
+    <dgm:txFillClrLst/>
+    <dgm:txEffectClrLst/>
+  </dgm:styleLbl>
+  <dgm:styleLbl name="asst2">
+    <dgm:fillClrLst meth="repeat">
+      <a:schemeClr val="accent1"/>
+    </dgm:fillClrLst>
+    <dgm:linClrLst meth="repeat">
+      <a:schemeClr val="lt1"/>
+    </dgm:linClrLst>
+    <dgm:effectClrLst/>
+    <dgm:txLinClrLst/>
+    <dgm:txFillClrLst/>
+    <dgm:txEffectClrLst/>
+  </dgm:styleLbl>
+  <dgm:styleLbl name="asst3">
+    <dgm:fillClrLst meth="repeat">
+      <a:schemeClr val="accent1"/>
+    </dgm:fillClrLst>
+    <dgm:linClrLst meth="repeat">
+      <a:schemeClr val="lt1"/>
+    </dgm:linClrLst>
+    <dgm:effectClrLst/>
+    <dgm:txLinClrLst/>
+    <dgm:txFillClrLst/>
+    <dgm:txEffectClrLst/>
+  </dgm:styleLbl>
+  <dgm:styleLbl name="asst4">
+    <dgm:fillClrLst meth="repeat">
+      <a:schemeClr val="accent1"/>
+    </dgm:fillClrLst>
+    <dgm:linClrLst meth="repeat">
+      <a:schemeClr val="lt1"/>
+    </dgm:linClrLst>
+    <dgm:effectClrLst/>
+    <dgm:txLinClrLst/>
+    <dgm:txFillClrLst/>
+    <dgm:txEffectClrLst/>
+  </dgm:styleLbl>
+  <dgm:styleLbl name="parChTrans2D1">
+    <dgm:fillClrLst meth="repeat">
+      <a:schemeClr val="accent1">
+        <a:tint val="60000"/>
+      </a:schemeClr>
+    </dgm:fillClrLst>
+    <dgm:linClrLst meth="repeat">
+      <a:schemeClr val="accent1">
+        <a:tint val="60000"/>
+      </a:schemeClr>
+    </dgm:linClrLst>
+    <dgm:effectClrLst/>
+    <dgm:txLinClrLst/>
+    <dgm:txFillClrLst meth="repeat">
+      <a:schemeClr val="lt1"/>
+    </dgm:txFillClrLst>
+    <dgm:txEffectClrLst/>
+  </dgm:styleLbl>
+  <dgm:styleLbl name="parChTrans2D2">
+    <dgm:fillClrLst meth="repeat">
+      <a:schemeClr val="accent1"/>
+    </dgm:fillClrLst>
+    <dgm:linClrLst meth="repeat">
+      <a:schemeClr val="accent1"/>
+    </dgm:linClrLst>
+    <dgm:effectClrLst/>
+    <dgm:txLinClrLst/>
+    <dgm:txFillClrLst meth="repeat">
+      <a:schemeClr val="lt1"/>
+    </dgm:txFillClrLst>
+    <dgm:txEffectClrLst/>
+  </dgm:styleLbl>
+  <dgm:styleLbl name="parChTrans2D3">
+    <dgm:fillClrLst meth="repeat">
+      <a:schemeClr val="accent1"/>
+    </dgm:fillClrLst>
+    <dgm:linClrLst meth="repeat">
+      <a:schemeClr val="accent1"/>
+    </dgm:linClrLst>
+    <dgm:effectClrLst/>
+    <dgm:txLinClrLst/>
+    <dgm:txFillClrLst meth="repeat">
+      <a:schemeClr val="lt1"/>
+    </dgm:txFillClrLst>
+    <dgm:txEffectClrLst/>
+  </dgm:styleLbl>
+  <dgm:styleLbl name="parChTrans2D4">
+    <dgm:fillClrLst meth="repeat">
+      <a:schemeClr val="accent1"/>
+    </dgm:fillClrLst>
+    <dgm:linClrLst meth="repeat">
+      <a:schemeClr val="accent1"/>
+    </dgm:linClrLst>
+    <dgm:effectClrLst/>
+    <dgm:txLinClrLst/>
+    <dgm:txFillClrLst meth="repeat">
+      <a:schemeClr val="lt1"/>
+    </dgm:txFillClrLst>
+    <dgm:txEffectClrLst/>
+  </dgm:styleLbl>
+  <dgm:styleLbl name="parChTrans1D1">
+    <dgm:fillClrLst meth="repeat">
+      <a:schemeClr val="accent1"/>
+    </dgm:fillClrLst>
+    <dgm:linClrLst meth="repeat">
+      <a:schemeClr val="accent1">
+        <a:shade val="60000"/>
+      </a:schemeClr>
+    </dgm:linClrLst>
+    <dgm:effectClrLst/>
+    <dgm:txLinClrLst/>
+    <dgm:txFillClrLst meth="repeat">
+      <a:schemeClr val="tx1"/>
+    </dgm:txFillClrLst>
+    <dgm:txEffectClrLst/>
+  </dgm:styleLbl>
+  <dgm:styleLbl name="parChTrans1D2">
+    <dgm:fillClrLst meth="repeat">
+      <a:schemeClr val="accent1"/>
+    </dgm:fillClrLst>
+    <dgm:linClrLst meth="repeat">
+      <a:schemeClr val="accent1">
+        <a:shade val="60000"/>
+      </a:schemeClr>
+    </dgm:linClrLst>
+    <dgm:effectClrLst/>
+    <dgm:txLinClrLst/>
+    <dgm:txFillClrLst meth="repeat">
+      <a:schemeClr val="tx1"/>
+    </dgm:txFillClrLst>
+    <dgm:txEffectClrLst/>
+  </dgm:styleLbl>
+  <dgm:styleLbl name="parChTrans1D3">
+    <dgm:fillClrLst meth="repeat">
+      <a:schemeClr val="accent1"/>
+    </dgm:fillClrLst>
+    <dgm:linClrLst meth="repeat">
+      <a:schemeClr val="accent1">
+        <a:shade val="80000"/>
+      </a:schemeClr>
+    </dgm:linClrLst>
+    <dgm:effectClrLst/>
+    <dgm:txLinClrLst/>
+    <dgm:txFillClrLst meth="repeat">
+      <a:schemeClr val="tx1"/>
+    </dgm:txFillClrLst>
+    <dgm:txEffectClrLst/>
+  </dgm:styleLbl>
+  <dgm:styleLbl name="parChTrans1D4">
+    <dgm:fillClrLst meth="repeat">
+      <a:schemeClr val="accent1"/>
+    </dgm:fillClrLst>
+    <dgm:linClrLst meth="repeat">
+      <a:schemeClr val="accent1">
+        <a:shade val="80000"/>
+      </a:schemeClr>
+    </dgm:linClrLst>
+    <dgm:effectClrLst/>
+    <dgm:txLinClrLst/>
+    <dgm:txFillClrLst meth="repeat">
+      <a:schemeClr val="tx1"/>
+    </dgm:txFillClrLst>
+    <dgm:txEffectClrLst/>
+  </dgm:styleLbl>
+  <dgm:styleLbl name="fgAcc1">
+    <dgm:fillClrLst meth="repeat">
+      <a:schemeClr val="lt1">
+        <a:alpha val="90000"/>
+      </a:schemeClr>
+    </dgm:fillClrLst>
+    <dgm:linClrLst meth="repeat">
+      <a:schemeClr val="accent1"/>
+    </dgm:linClrLst>
+    <dgm:effectClrLst/>
+    <dgm:txLinClrLst/>
+    <dgm:txFillClrLst meth="repeat">
+      <a:schemeClr val="dk1"/>
+    </dgm:txFillClrLst>
+    <dgm:txEffectClrLst/>
+  </dgm:styleLbl>
+  <dgm:styleLbl name="conFgAcc1">
+    <dgm:fillClrLst meth="repeat">
+      <a:schemeClr val="lt1">
+        <a:alpha val="90000"/>
+      </a:schemeClr>
+    </dgm:fillClrLst>
+    <dgm:linClrLst meth="repeat">
+      <a:schemeClr val="accent1"/>
+    </dgm:linClrLst>
+    <dgm:effectClrLst/>
+    <dgm:txLinClrLst/>
+    <dgm:txFillClrLst meth="repeat">
+      <a:schemeClr val="dk1"/>
+    </dgm:txFillClrLst>
+    <dgm:txEffectClrLst/>
+  </dgm:styleLbl>
+  <dgm:styleLbl name="alignAcc1">
+    <dgm:fillClrLst meth="repeat">
+      <a:schemeClr val="lt1">
+        <a:alpha val="90000"/>
+      </a:schemeClr>
+    </dgm:fillClrLst>
+    <dgm:linClrLst meth="repeat">
+      <a:schemeClr val="accent1"/>
+    </dgm:linClrLst>
+    <dgm:effectClrLst/>
+    <dgm:txLinClrLst/>
+    <dgm:txFillClrLst meth="repeat">
+      <a:schemeClr val="dk1"/>
+    </dgm:txFillClrLst>
+    <dgm:txEffectClrLst/>
+  </dgm:styleLbl>
+  <dgm:styleLbl name="trAlignAcc1">
+    <dgm:fillClrLst meth="repeat">
+      <a:schemeClr val="lt1">
+        <a:alpha val="40000"/>
+      </a:schemeClr>
+    </dgm:fillClrLst>
+    <dgm:linClrLst meth="repeat">
+      <a:schemeClr val="accent1"/>
+    </dgm:linClrLst>
+    <dgm:effectClrLst/>
+    <dgm:txLinClrLst/>
+    <dgm:txFillClrLst meth="repeat">
+      <a:schemeClr val="dk1"/>
+    </dgm:txFillClrLst>
+    <dgm:txEffectClrLst/>
+  </dgm:styleLbl>
+  <dgm:styleLbl name="bgAcc1">
+    <dgm:fillClrLst meth="repeat">
+      <a:schemeClr val="lt1">
+        <a:alpha val="90000"/>
+      </a:schemeClr>
+    </dgm:fillClrLst>
+    <dgm:linClrLst meth="repeat">
+      <a:schemeClr val="accent1"/>
+    </dgm:linClrLst>
+    <dgm:effectClrLst/>
+    <dgm:txLinClrLst/>
+    <dgm:txFillClrLst meth="repeat">
+      <a:schemeClr val="dk1"/>
+    </dgm:txFillClrLst>
+    <dgm:txEffectClrLst/>
+  </dgm:styleLbl>
+  <dgm:styleLbl name="solidFgAcc1">
+    <dgm:fillClrLst meth="repeat">
+      <a:schemeClr val="lt1"/>
+    </dgm:fillClrLst>
+    <dgm:linClrLst meth="repeat">
+      <a:schemeClr val="accent1"/>
+    </dgm:linClrLst>
+    <dgm:effectClrLst/>
+    <dgm:txLinClrLst/>
+    <dgm:txFillClrLst meth="repeat">
+      <a:schemeClr val="dk1"/>
+    </dgm:txFillClrLst>
+    <dgm:txEffectClrLst/>
+  </dgm:styleLbl>
+  <dgm:styleLbl name="solidAlignAcc1">
+    <dgm:fillClrLst meth="repeat">
+      <a:schemeClr val="lt1"/>
+    </dgm:fillClrLst>
+    <dgm:linClrLst meth="repeat">
+      <a:schemeClr val="accent1"/>
+    </dgm:linClrLst>
+    <dgm:effectClrLst/>
+    <dgm:txLinClrLst/>
+    <dgm:txFillClrLst meth="repeat">
+      <a:schemeClr val="dk1"/>
+    </dgm:txFillClrLst>
+    <dgm:txEffectClrLst/>
+  </dgm:styleLbl>
+  <dgm:styleLbl name="solidBgAcc1">
+    <dgm:fillClrLst meth="repeat">
+      <a:schemeClr val="lt1"/>
+    </dgm:fillClrLst>
+    <dgm:linClrLst meth="repeat">
+      <a:schemeClr val="accent1"/>
+    </dgm:linClrLst>
+    <dgm:effectClrLst/>
+    <dgm:txLinClrLst/>
+    <dgm:txFillClrLst meth="repeat">
+      <a:schemeClr val="dk1"/>
+    </dgm:txFillClrLst>
+    <dgm:txEffectClrLst/>
+  </dgm:styleLbl>
+  <dgm:styleLbl name="fgAccFollowNode1">
+    <dgm:fillClrLst meth="repeat">
+      <a:schemeClr val="accent1">
+        <a:alpha val="90000"/>
+        <a:tint val="40000"/>
+      </a:schemeClr>
+    </dgm:fillClrLst>
+    <dgm:linClrLst meth="repeat">
+      <a:schemeClr val="accent1">
+        <a:alpha val="90000"/>
+        <a:tint val="40000"/>
+      </a:schemeClr>
+    </dgm:linClrLst>
+    <dgm:effectClrLst/>
+    <dgm:txLinClrLst/>
+    <dgm:txFillClrLst meth="repeat">
+      <a:schemeClr val="dk1"/>
+    </dgm:txFillClrLst>
+    <dgm:txEffectClrLst/>
+  </dgm:styleLbl>
+  <dgm:styleLbl name="alignAccFollowNode1">
+    <dgm:fillClrLst meth="repeat">
+      <a:schemeClr val="accent1">
+        <a:alpha val="90000"/>
+        <a:tint val="40000"/>
+      </a:schemeClr>
+    </dgm:fillClrLst>
+    <dgm:linClrLst meth="repeat">
+      <a:schemeClr val="accent1">
+        <a:alpha val="90000"/>
+        <a:tint val="40000"/>
+      </a:schemeClr>
+    </dgm:linClrLst>
+    <dgm:effectClrLst/>
+    <dgm:txLinClrLst/>
+    <dgm:txFillClrLst meth="repeat">
+      <a:schemeClr val="dk1"/>
+    </dgm:txFillClrLst>
+    <dgm:txEffectClrLst/>
+  </dgm:styleLbl>
+  <dgm:styleLbl name="bgAccFollowNode1">
+    <dgm:fillClrLst meth="repeat">
+      <a:schemeClr val="accent1">
+        <a:alpha val="90000"/>
+        <a:tint val="40000"/>
+      </a:schemeClr>
+    </dgm:fillClrLst>
+    <dgm:linClrLst meth="repeat">
+      <a:schemeClr val="accent1">
+        <a:alpha val="90000"/>
+        <a:tint val="40000"/>
+      </a:schemeClr>
+    </dgm:linClrLst>
+    <dgm:effectClrLst/>
+    <dgm:txLinClrLst/>
+    <dgm:txFillClrLst meth="repeat">
+      <a:schemeClr val="dk1"/>
+    </dgm:txFillClrLst>
+    <dgm:txEffectClrLst/>
+  </dgm:styleLbl>
+  <dgm:styleLbl name="fgAcc0">
+    <dgm:fillClrLst meth="repeat">
+      <a:schemeClr val="lt1">
+        <a:alpha val="90000"/>
+      </a:schemeClr>
+    </dgm:fillClrLst>
+    <dgm:linClrLst meth="repeat">
+      <a:schemeClr val="accent1"/>
+    </dgm:linClrLst>
+    <dgm:effectClrLst/>
+    <dgm:txLinClrLst/>
+    <dgm:txFillClrLst meth="repeat">
+      <a:schemeClr val="dk1"/>
+    </dgm:txFillClrLst>
+    <dgm:txEffectClrLst/>
+  </dgm:styleLbl>
+  <dgm:styleLbl name="fgAcc2">
+    <dgm:fillClrLst meth="repeat">
+      <a:schemeClr val="lt1">
+        <a:alpha val="90000"/>
+      </a:schemeClr>
+    </dgm:fillClrLst>
+    <dgm:linClrLst meth="repeat">
+      <a:schemeClr val="accent1"/>
+    </dgm:linClrLst>
+    <dgm:effectClrLst/>
+    <dgm:txLinClrLst/>
+    <dgm:txFillClrLst meth="repeat">
+      <a:schemeClr val="dk1"/>
+    </dgm:txFillClrLst>
+    <dgm:txEffectClrLst/>
+  </dgm:styleLbl>
+  <dgm:styleLbl name="fgAcc3">
+    <dgm:fillClrLst meth="repeat">
+      <a:schemeClr val="lt1">
+        <a:alpha val="90000"/>
+      </a:schemeClr>
+    </dgm:fillClrLst>
+    <dgm:linClrLst meth="repeat">
+      <a:schemeClr val="accent1"/>
+    </dgm:linClrLst>
+    <dgm:effectClrLst/>
+    <dgm:txLinClrLst/>
+    <dgm:txFillClrLst meth="repeat">
+      <a:schemeClr val="dk1"/>
+    </dgm:txFillClrLst>
+    <dgm:txEffectClrLst/>
+  </dgm:styleLbl>
+  <dgm:styleLbl name="fgAcc4">
+    <dgm:fillClrLst meth="repeat">
+      <a:schemeClr val="lt1">
+        <a:alpha val="90000"/>
+      </a:schemeClr>
+    </dgm:fillClrLst>
+    <dgm:linClrLst meth="repeat">
+      <a:schemeClr val="accent1"/>
+    </dgm:linClrLst>
+    <dgm:effectClrLst/>
+    <dgm:txLinClrLst/>
+    <dgm:txFillClrLst meth="repeat">
+      <a:schemeClr val="dk1"/>
+    </dgm:txFillClrLst>
+    <dgm:txEffectClrLst/>
+  </dgm:styleLbl>
+  <dgm:styleLbl name="bgShp">
+    <dgm:fillClrLst meth="repeat">
+      <a:schemeClr val="accent1">
+        <a:tint val="40000"/>
+      </a:schemeClr>
+    </dgm:fillClrLst>
+    <dgm:linClrLst meth="repeat">
+      <a:schemeClr val="accent1"/>
+    </dgm:linClrLst>
+    <dgm:effectClrLst/>
+    <dgm:txLinClrLst/>
+    <dgm:txFillClrLst meth="repeat">
+      <a:schemeClr val="dk1"/>
+    </dgm:txFillClrLst>
+    <dgm:txEffectClrLst/>
+  </dgm:styleLbl>
+  <dgm:styleLbl name="dkBgShp">
+    <dgm:fillClrLst meth="repeat">
+      <a:schemeClr val="accent1">
+        <a:shade val="80000"/>
+      </a:schemeClr>
+    </dgm:fillClrLst>
+    <dgm:linClrLst meth="repeat">
+      <a:schemeClr val="accent1"/>
+    </dgm:linClrLst>
+    <dgm:effectClrLst/>
+    <dgm:txLinClrLst/>
+    <dgm:txFillClrLst meth="repeat">
+      <a:schemeClr val="lt1"/>
+    </dgm:txFillClrLst>
+    <dgm:txEffectClrLst/>
+  </dgm:styleLbl>
+  <dgm:styleLbl name="trBgShp">
+    <dgm:fillClrLst meth="repeat">
+      <a:schemeClr val="accent1">
+        <a:tint val="50000"/>
+        <a:alpha val="40000"/>
+      </a:schemeClr>
+    </dgm:fillClrLst>
+    <dgm:linClrLst meth="repeat">
+      <a:schemeClr val="accent1"/>
+    </dgm:linClrLst>
+    <dgm:effectClrLst/>
+    <dgm:txLinClrLst/>
+    <dgm:txFillClrLst meth="repeat">
+      <a:schemeClr val="lt1"/>
+    </dgm:txFillClrLst>
+    <dgm:txEffectClrLst/>
+  </dgm:styleLbl>
+  <dgm:styleLbl name="fgShp">
+    <dgm:fillClrLst meth="repeat">
+      <a:schemeClr val="accent1">
+        <a:tint val="60000"/>
+      </a:schemeClr>
+    </dgm:fillClrLst>
+    <dgm:linClrLst meth="repeat">
+      <a:schemeClr val="lt1"/>
+    </dgm:linClrLst>
+    <dgm:effectClrLst/>
+    <dgm:txLinClrLst/>
+    <dgm:txFillClrLst meth="repeat">
+      <a:schemeClr val="dk1"/>
+    </dgm:txFillClrLst>
+    <dgm:txEffectClrLst/>
+  </dgm:styleLbl>
+  <dgm:styleLbl name="revTx">
+    <dgm:fillClrLst meth="repeat">
+      <a:schemeClr val="lt1">
+        <a:alpha val="0"/>
+      </a:schemeClr>
+    </dgm:fillClrLst>
+    <dgm:linClrLst meth="repeat">
+      <a:schemeClr val="dk1">
+        <a:alpha val="0"/>
+      </a:schemeClr>
+    </dgm:linClrLst>
+    <dgm:effectClrLst/>
+    <dgm:txLinClrLst/>
+    <dgm:txFillClrLst meth="repeat">
+      <a:schemeClr val="tx1"/>
+    </dgm:txFillClrLst>
+    <dgm:txEffectClrLst/>
+  </dgm:styleLbl>
+</dgm:colorsDef>
+</file>
+
+<file path=ppt/diagrams/colors2.xml><?xml version="1.0" encoding="utf-8"?>
+<dgm:colorsDef xmlns:dgm="http://schemas.openxmlformats.org/drawingml/2006/diagram" xmlns:a="http://schemas.openxmlformats.org/drawingml/2006/main" uniqueId="urn:microsoft.com/office/officeart/2005/8/colors/accent1_2">
+  <dgm:title val=""/>
+  <dgm:desc val=""/>
+  <dgm:catLst>
+    <dgm:cat type="accent1" pri="11200"/>
+  </dgm:catLst>
+  <dgm:styleLbl name="node0">
+    <dgm:fillClrLst meth="repeat">
+      <a:schemeClr val="accent1"/>
+    </dgm:fillClrLst>
+    <dgm:linClrLst meth="repeat">
+      <a:schemeClr val="lt1"/>
+    </dgm:linClrLst>
+    <dgm:effectClrLst/>
+    <dgm:txLinClrLst/>
+    <dgm:txFillClrLst/>
+    <dgm:txEffectClrLst/>
+  </dgm:styleLbl>
+  <dgm:styleLbl name="alignNode1">
+    <dgm:fillClrLst meth="repeat">
+      <a:schemeClr val="accent1"/>
+    </dgm:fillClrLst>
+    <dgm:linClrLst meth="repeat">
+      <a:schemeClr val="accent1"/>
+    </dgm:linClrLst>
+    <dgm:effectClrLst/>
+    <dgm:txLinClrLst/>
+    <dgm:txFillClrLst/>
+    <dgm:txEffectClrLst/>
+  </dgm:styleLbl>
+  <dgm:styleLbl name="node1">
+    <dgm:fillClrLst meth="repeat">
+      <a:schemeClr val="accent1"/>
+    </dgm:fillClrLst>
+    <dgm:linClrLst meth="repeat">
+      <a:schemeClr val="lt1"/>
+    </dgm:linClrLst>
+    <dgm:effectClrLst/>
+    <dgm:txLinClrLst/>
+    <dgm:txFillClrLst/>
+    <dgm:txEffectClrLst/>
+  </dgm:styleLbl>
+  <dgm:styleLbl name="lnNode1">
+    <dgm:fillClrLst meth="repeat">
+      <a:schemeClr val="accent1"/>
+    </dgm:fillClrLst>
+    <dgm:linClrLst meth="repeat">
+      <a:schemeClr val="lt1"/>
+    </dgm:linClrLst>
+    <dgm:effectClrLst/>
+    <dgm:txLinClrLst/>
+    <dgm:txFillClrLst/>
+    <dgm:txEffectClrLst/>
+  </dgm:styleLbl>
+  <dgm:styleLbl name="vennNode1">
+    <dgm:fillClrLst meth="repeat">
+      <a:schemeClr val="accent1">
+        <a:alpha val="50000"/>
+      </a:schemeClr>
+    </dgm:fillClrLst>
+    <dgm:linClrLst meth="repeat">
+      <a:schemeClr val="lt1"/>
+    </dgm:linClrLst>
+    <dgm:effectClrLst/>
+    <dgm:txLinClrLst/>
+    <dgm:txFillClrLst/>
+    <dgm:txEffectClrLst/>
+  </dgm:styleLbl>
+  <dgm:styleLbl name="node2">
+    <dgm:fillClrLst meth="repeat">
+      <a:schemeClr val="accent1"/>
+    </dgm:fillClrLst>
+    <dgm:linClrLst meth="repeat">
+      <a:schemeClr val="lt1"/>
+    </dgm:linClrLst>
+    <dgm:effectClrLst/>
+    <dgm:txLinClrLst/>
+    <dgm:txFillClrLst/>
+    <dgm:txEffectClrLst/>
+  </dgm:styleLbl>
+  <dgm:styleLbl name="node3">
+    <dgm:fillClrLst meth="repeat">
+      <a:schemeClr val="accent1"/>
+    </dgm:fillClrLst>
+    <dgm:linClrLst meth="repeat">
+      <a:schemeClr val="lt1"/>
+    </dgm:linClrLst>
+    <dgm:effectClrLst/>
+    <dgm:txLinClrLst/>
+    <dgm:txFillClrLst/>
+    <dgm:txEffectClrLst/>
+  </dgm:styleLbl>
+  <dgm:styleLbl name="node4">
+    <dgm:fillClrLst meth="repeat">
+      <a:schemeClr val="accent1"/>
+    </dgm:fillClrLst>
+    <dgm:linClrLst meth="repeat">
+      <a:schemeClr val="lt1"/>
+    </dgm:linClrLst>
+    <dgm:effectClrLst/>
+    <dgm:txLinClrLst/>
+    <dgm:txFillClrLst/>
+    <dgm:txEffectClrLst/>
+  </dgm:styleLbl>
+  <dgm:styleLbl name="fgImgPlace1">
+    <dgm:fillClrLst meth="repeat">
+      <a:schemeClr val="accent1">
+        <a:tint val="50000"/>
+      </a:schemeClr>
+    </dgm:fillClrLst>
+    <dgm:linClrLst meth="repeat">
+      <a:schemeClr val="lt1"/>
+    </dgm:linClrLst>
+    <dgm:effectClrLst/>
+    <dgm:txLinClrLst/>
+    <dgm:txFillClrLst meth="repeat">
+      <a:schemeClr val="lt1"/>
+    </dgm:txFillClrLst>
+    <dgm:txEffectClrLst/>
+  </dgm:styleLbl>
+  <dgm:styleLbl name="alignImgPlace1">
+    <dgm:fillClrLst meth="repeat">
+      <a:schemeClr val="accent1">
+        <a:tint val="50000"/>
+      </a:schemeClr>
+    </dgm:fillClrLst>
+    <dgm:linClrLst meth="repeat">
+      <a:schemeClr val="lt1"/>
+    </dgm:linClrLst>
+    <dgm:effectClrLst/>
+    <dgm:txLinClrLst/>
+    <dgm:txFillClrLst meth="repeat">
+      <a:schemeClr val="lt1"/>
+    </dgm:txFillClrLst>
+    <dgm:txEffectClrLst/>
+  </dgm:styleLbl>
+  <dgm:styleLbl name="bgImgPlace1">
+    <dgm:fillClrLst meth="repeat">
+      <a:schemeClr val="accent1">
+        <a:tint val="50000"/>
+      </a:schemeClr>
+    </dgm:fillClrLst>
+    <dgm:linClrLst meth="repeat">
+      <a:schemeClr val="lt1"/>
+    </dgm:linClrLst>
+    <dgm:effectClrLst/>
+    <dgm:txLinClrLst/>
+    <dgm:txFillClrLst meth="repeat">
+      <a:schemeClr val="lt1"/>
+    </dgm:txFillClrLst>
+    <dgm:txEffectClrLst/>
+  </dgm:styleLbl>
+  <dgm:styleLbl name="sibTrans2D1">
+    <dgm:fillClrLst meth="repeat">
+      <a:schemeClr val="accent1">
+        <a:tint val="60000"/>
+      </a:schemeClr>
+    </dgm:fillClrLst>
+    <dgm:linClrLst meth="repeat">
+      <a:schemeClr val="accent1">
+        <a:tint val="60000"/>
+      </a:schemeClr>
+    </dgm:linClrLst>
+    <dgm:effectClrLst/>
+    <dgm:txLinClrLst/>
+    <dgm:txFillClrLst/>
+    <dgm:txEffectClrLst/>
+  </dgm:styleLbl>
+  <dgm:styleLbl name="fgSibTrans2D1">
+    <dgm:fillClrLst meth="repeat">
+      <a:schemeClr val="accent1">
+        <a:tint val="60000"/>
+      </a:schemeClr>
+    </dgm:fillClrLst>
+    <dgm:linClrLst meth="repeat">
+      <a:schemeClr val="accent1">
+        <a:tint val="60000"/>
+      </a:schemeClr>
+    </dgm:linClrLst>
+    <dgm:effectClrLst/>
+    <dgm:txLinClrLst/>
+    <dgm:txFillClrLst/>
+    <dgm:txEffectClrLst/>
+  </dgm:styleLbl>
+  <dgm:styleLbl name="bgSibTrans2D1">
+    <dgm:fillClrLst meth="repeat">
+      <a:schemeClr val="accent1">
+        <a:tint val="60000"/>
+      </a:schemeClr>
+    </dgm:fillClrLst>
+    <dgm:linClrLst meth="repeat">
+      <a:schemeClr val="accent1">
+        <a:tint val="60000"/>
+      </a:schemeClr>
+    </dgm:linClrLst>
+    <dgm:effectClrLst/>
+    <dgm:txLinClrLst/>
+    <dgm:txFillClrLst/>
+    <dgm:txEffectClrLst/>
+  </dgm:styleLbl>
+  <dgm:styleLbl name="sibTrans1D1">
+    <dgm:fillClrLst meth="repeat">
+      <a:schemeClr val="accent1"/>
+    </dgm:fillClrLst>
+    <dgm:linClrLst meth="repeat">
+      <a:schemeClr val="accent1"/>
+    </dgm:linClrLst>
+    <dgm:effectClrLst/>
+    <dgm:txLinClrLst/>
+    <dgm:txFillClrLst meth="repeat">
+      <a:schemeClr val="tx1"/>
+    </dgm:txFillClrLst>
+    <dgm:txEffectClrLst/>
+  </dgm:styleLbl>
+  <dgm:styleLbl name="callout">
+    <dgm:fillClrLst meth="repeat">
+      <a:schemeClr val="accent1"/>
+    </dgm:fillClrLst>
+    <dgm:linClrLst meth="repeat">
+      <a:schemeClr val="accent1">
+        <a:tint val="50000"/>
+      </a:schemeClr>
+    </dgm:linClrLst>
+    <dgm:effectClrLst/>
+    <dgm:txLinClrLst/>
+    <dgm:txFillClrLst meth="repeat">
+      <a:schemeClr val="tx1"/>
+    </dgm:txFillClrLst>
+    <dgm:txEffectClrLst/>
+  </dgm:styleLbl>
+  <dgm:styleLbl name="asst0">
+    <dgm:fillClrLst meth="repeat">
+      <a:schemeClr val="accent1"/>
+    </dgm:fillClrLst>
+    <dgm:linClrLst meth="repeat">
+      <a:schemeClr val="lt1"/>
+    </dgm:linClrLst>
+    <dgm:effectClrLst/>
+    <dgm:txLinClrLst/>
+    <dgm:txFillClrLst/>
+    <dgm:txEffectClrLst/>
+  </dgm:styleLbl>
+  <dgm:styleLbl name="asst1">
+    <dgm:fillClrLst meth="repeat">
+      <a:schemeClr val="accent1"/>
+    </dgm:fillClrLst>
+    <dgm:linClrLst meth="repeat">
+      <a:schemeClr val="lt1"/>
+    </dgm:linClrLst>
+    <dgm:effectClrLst/>
+    <dgm:txLinClrLst/>
+    <dgm:txFillClrLst/>
+    <dgm:txEffectClrLst/>
+  </dgm:styleLbl>
+  <dgm:styleLbl name="asst2">
+    <dgm:fillClrLst meth="repeat">
+      <a:schemeClr val="accent1"/>
+    </dgm:fillClrLst>
+    <dgm:linClrLst meth="repeat">
+      <a:schemeClr val="lt1"/>
+    </dgm:linClrLst>
+    <dgm:effectClrLst/>
+    <dgm:txLinClrLst/>
+    <dgm:txFillClrLst/>
+    <dgm:txEffectClrLst/>
+  </dgm:styleLbl>
+  <dgm:styleLbl name="asst3">
+    <dgm:fillClrLst meth="repeat">
+      <a:schemeClr val="accent1"/>
+    </dgm:fillClrLst>
+    <dgm:linClrLst meth="repeat">
+      <a:schemeClr val="lt1"/>
+    </dgm:linClrLst>
+    <dgm:effectClrLst/>
+    <dgm:txLinClrLst/>
+    <dgm:txFillClrLst/>
+    <dgm:txEffectClrLst/>
+  </dgm:styleLbl>
+  <dgm:styleLbl name="asst4">
+    <dgm:fillClrLst meth="repeat">
+      <a:schemeClr val="accent1"/>
+    </dgm:fillClrLst>
+    <dgm:linClrLst meth="repeat">
+      <a:schemeClr val="lt1"/>
+    </dgm:linClrLst>
+    <dgm:effectClrLst/>
+    <dgm:txLinClrLst/>
+    <dgm:txFillClrLst/>
+    <dgm:txEffectClrLst/>
+  </dgm:styleLbl>
+  <dgm:styleLbl name="parChTrans2D1">
+    <dgm:fillClrLst meth="repeat">
+      <a:schemeClr val="accent1">
+        <a:tint val="60000"/>
+      </a:schemeClr>
+    </dgm:fillClrLst>
+    <dgm:linClrLst meth="repeat">
+      <a:schemeClr val="accent1">
+        <a:tint val="60000"/>
+      </a:schemeClr>
+    </dgm:linClrLst>
+    <dgm:effectClrLst/>
+    <dgm:txLinClrLst/>
+    <dgm:txFillClrLst meth="repeat">
+      <a:schemeClr val="lt1"/>
+    </dgm:txFillClrLst>
+    <dgm:txEffectClrLst/>
+  </dgm:styleLbl>
+  <dgm:styleLbl name="parChTrans2D2">
+    <dgm:fillClrLst meth="repeat">
+      <a:schemeClr val="accent1"/>
+    </dgm:fillClrLst>
+    <dgm:linClrLst meth="repeat">
+      <a:schemeClr val="accent1"/>
+    </dgm:linClrLst>
+    <dgm:effectClrLst/>
+    <dgm:txLinClrLst/>
+    <dgm:txFillClrLst meth="repeat">
+      <a:schemeClr val="lt1"/>
+    </dgm:txFillClrLst>
+    <dgm:txEffectClrLst/>
+  </dgm:styleLbl>
+  <dgm:styleLbl name="parChTrans2D3">
+    <dgm:fillClrLst meth="repeat">
+      <a:schemeClr val="accent1"/>
+    </dgm:fillClrLst>
+    <dgm:linClrLst meth="repeat">
+      <a:schemeClr val="accent1"/>
+    </dgm:linClrLst>
+    <dgm:effectClrLst/>
+    <dgm:txLinClrLst/>
+    <dgm:txFillClrLst meth="repeat">
+      <a:schemeClr val="lt1"/>
+    </dgm:txFillClrLst>
+    <dgm:txEffectClrLst/>
+  </dgm:styleLbl>
+  <dgm:styleLbl name="parChTrans2D4">
+    <dgm:fillClrLst meth="repeat">
+      <a:schemeClr val="accent1"/>
+    </dgm:fillClrLst>
+    <dgm:linClrLst meth="repeat">
+      <a:schemeClr val="accent1"/>
+    </dgm:linClrLst>
+    <dgm:effectClrLst/>
+    <dgm:txLinClrLst/>
+    <dgm:txFillClrLst meth="repeat">
+      <a:schemeClr val="lt1"/>
+    </dgm:txFillClrLst>
+    <dgm:txEffectClrLst/>
+  </dgm:styleLbl>
+  <dgm:styleLbl name="parChTrans1D1">
+    <dgm:fillClrLst meth="repeat">
+      <a:schemeClr val="accent1"/>
+    </dgm:fillClrLst>
+    <dgm:linClrLst meth="repeat">
+      <a:schemeClr val="accent1">
+        <a:shade val="60000"/>
+      </a:schemeClr>
+    </dgm:linClrLst>
+    <dgm:effectClrLst/>
+    <dgm:txLinClrLst/>
+    <dgm:txFillClrLst meth="repeat">
+      <a:schemeClr val="tx1"/>
+    </dgm:txFillClrLst>
+    <dgm:txEffectClrLst/>
+  </dgm:styleLbl>
+  <dgm:styleLbl name="parChTrans1D2">
+    <dgm:fillClrLst meth="repeat">
+      <a:schemeClr val="accent1"/>
+    </dgm:fillClrLst>
+    <dgm:linClrLst meth="repeat">
+      <a:schemeClr val="accent1">
+        <a:shade val="60000"/>
+      </a:schemeClr>
+    </dgm:linClrLst>
+    <dgm:effectClrLst/>
+    <dgm:txLinClrLst/>
+    <dgm:txFillClrLst meth="repeat">
+      <a:schemeClr val="tx1"/>
+    </dgm:txFillClrLst>
+    <dgm:txEffectClrLst/>
+  </dgm:styleLbl>
+  <dgm:styleLbl name="parChTrans1D3">
+    <dgm:fillClrLst meth="repeat">
+      <a:schemeClr val="accent1"/>
+    </dgm:fillClrLst>
+    <dgm:linClrLst meth="repeat">
+      <a:schemeClr val="accent1">
+        <a:shade val="80000"/>
+      </a:schemeClr>
+    </dgm:linClrLst>
+    <dgm:effectClrLst/>
+    <dgm:txLinClrLst/>
+    <dgm:txFillClrLst meth="repeat">
+      <a:schemeClr val="tx1"/>
+    </dgm:txFillClrLst>
+    <dgm:txEffectClrLst/>
+  </dgm:styleLbl>
+  <dgm:styleLbl name="parChTrans1D4">
+    <dgm:fillClrLst meth="repeat">
+      <a:schemeClr val="accent1"/>
+    </dgm:fillClrLst>
+    <dgm:linClrLst meth="repeat">
+      <a:schemeClr val="accent1">
+        <a:shade val="80000"/>
+      </a:schemeClr>
+    </dgm:linClrLst>
+    <dgm:effectClrLst/>
+    <dgm:txLinClrLst/>
+    <dgm:txFillClrLst meth="repeat">
+      <a:schemeClr val="tx1"/>
+    </dgm:txFillClrLst>
+    <dgm:txEffectClrLst/>
+  </dgm:styleLbl>
+  <dgm:styleLbl name="fgAcc1">
+    <dgm:fillClrLst meth="repeat">
+      <a:schemeClr val="lt1">
+        <a:alpha val="90000"/>
+      </a:schemeClr>
+    </dgm:fillClrLst>
+    <dgm:linClrLst meth="repeat">
+      <a:schemeClr val="accent1"/>
+    </dgm:linClrLst>
+    <dgm:effectClrLst/>
+    <dgm:txLinClrLst/>
+    <dgm:txFillClrLst meth="repeat">
+      <a:schemeClr val="dk1"/>
+    </dgm:txFillClrLst>
+    <dgm:txEffectClrLst/>
+  </dgm:styleLbl>
+  <dgm:styleLbl name="conFgAcc1">
+    <dgm:fillClrLst meth="repeat">
+      <a:schemeClr val="lt1">
+        <a:alpha val="90000"/>
+      </a:schemeClr>
+    </dgm:fillClrLst>
+    <dgm:linClrLst meth="repeat">
+      <a:schemeClr val="accent1"/>
+    </dgm:linClrLst>
+    <dgm:effectClrLst/>
+    <dgm:txLinClrLst/>
+    <dgm:txFillClrLst meth="repeat">
+      <a:schemeClr val="dk1"/>
+    </dgm:txFillClrLst>
+    <dgm:txEffectClrLst/>
+  </dgm:styleLbl>
+  <dgm:styleLbl name="alignAcc1">
+    <dgm:fillClrLst meth="repeat">
+      <a:schemeClr val="lt1">
+        <a:alpha val="90000"/>
+      </a:schemeClr>
+    </dgm:fillClrLst>
+    <dgm:linClrLst meth="repeat">
+      <a:schemeClr val="accent1"/>
+    </dgm:linClrLst>
+    <dgm:effectClrLst/>
+    <dgm:txLinClrLst/>
+    <dgm:txFillClrLst meth="repeat">
+      <a:schemeClr val="dk1"/>
+    </dgm:txFillClrLst>
+    <dgm:txEffectClrLst/>
+  </dgm:styleLbl>
+  <dgm:styleLbl name="trAlignAcc1">
+    <dgm:fillClrLst meth="repeat">
+      <a:schemeClr val="lt1">
+        <a:alpha val="40000"/>
+      </a:schemeClr>
+    </dgm:fillClrLst>
+    <dgm:linClrLst meth="repeat">
+      <a:schemeClr val="accent1"/>
+    </dgm:linClrLst>
+    <dgm:effectClrLst/>
+    <dgm:txLinClrLst/>
+    <dgm:txFillClrLst meth="repeat">
+      <a:schemeClr val="dk1"/>
+    </dgm:txFillClrLst>
+    <dgm:txEffectClrLst/>
+  </dgm:styleLbl>
+  <dgm:styleLbl name="bgAcc1">
+    <dgm:fillClrLst meth="repeat">
+      <a:schemeClr val="lt1">
+        <a:alpha val="90000"/>
+      </a:schemeClr>
+    </dgm:fillClrLst>
+    <dgm:linClrLst meth="repeat">
+      <a:schemeClr val="accent1"/>
+    </dgm:linClrLst>
+    <dgm:effectClrLst/>
+    <dgm:txLinClrLst/>
+    <dgm:txFillClrLst meth="repeat">
+      <a:schemeClr val="dk1"/>
+    </dgm:txFillClrLst>
+    <dgm:txEffectClrLst/>
+  </dgm:styleLbl>
+  <dgm:styleLbl name="solidFgAcc1">
+    <dgm:fillClrLst meth="repeat">
+      <a:schemeClr val="lt1"/>
+    </dgm:fillClrLst>
+    <dgm:linClrLst meth="repeat">
+      <a:schemeClr val="accent1"/>
+    </dgm:linClrLst>
+    <dgm:effectClrLst/>
+    <dgm:txLinClrLst/>
+    <dgm:txFillClrLst meth="repeat">
+      <a:schemeClr val="dk1"/>
+    </dgm:txFillClrLst>
+    <dgm:txEffectClrLst/>
+  </dgm:styleLbl>
+  <dgm:styleLbl name="solidAlignAcc1">
+    <dgm:fillClrLst meth="repeat">
+      <a:schemeClr val="lt1"/>
+    </dgm:fillClrLst>
+    <dgm:linClrLst meth="repeat">
+      <a:schemeClr val="accent1"/>
+    </dgm:linClrLst>
+    <dgm:effectClrLst/>
+    <dgm:txLinClrLst/>
+    <dgm:txFillClrLst meth="repeat">
+      <a:schemeClr val="dk1"/>
+    </dgm:txFillClrLst>
+    <dgm:txEffectClrLst/>
+  </dgm:styleLbl>
+  <dgm:styleLbl name="solidBgAcc1">
+    <dgm:fillClrLst meth="repeat">
+      <a:schemeClr val="lt1"/>
+    </dgm:fillClrLst>
+    <dgm:linClrLst meth="repeat">
+      <a:schemeClr val="accent1"/>
+    </dgm:linClrLst>
+    <dgm:effectClrLst/>
+    <dgm:txLinClrLst/>
+    <dgm:txFillClrLst meth="repeat">
+      <a:schemeClr val="dk1"/>
+    </dgm:txFillClrLst>
+    <dgm:txEffectClrLst/>
+  </dgm:styleLbl>
+  <dgm:styleLbl name="fgAccFollowNode1">
+    <dgm:fillClrLst meth="repeat">
+      <a:schemeClr val="accent1">
+        <a:alpha val="90000"/>
+        <a:tint val="40000"/>
+      </a:schemeClr>
+    </dgm:fillClrLst>
+    <dgm:linClrLst meth="repeat">
+      <a:schemeClr val="accent1">
+        <a:alpha val="90000"/>
+        <a:tint val="40000"/>
+      </a:schemeClr>
+    </dgm:linClrLst>
+    <dgm:effectClrLst/>
+    <dgm:txLinClrLst/>
+    <dgm:txFillClrLst meth="repeat">
+      <a:schemeClr val="dk1"/>
+    </dgm:txFillClrLst>
+    <dgm:txEffectClrLst/>
+  </dgm:styleLbl>
+  <dgm:styleLbl name="alignAccFollowNode1">
+    <dgm:fillClrLst meth="repeat">
+      <a:schemeClr val="accent1">
+        <a:alpha val="90000"/>
+        <a:tint val="40000"/>
+      </a:schemeClr>
+    </dgm:fillClrLst>
+    <dgm:linClrLst meth="repeat">
+      <a:schemeClr val="accent1">
+        <a:alpha val="90000"/>
+        <a:tint val="40000"/>
+      </a:schemeClr>
+    </dgm:linClrLst>
+    <dgm:effectClrLst/>
+    <dgm:txLinClrLst/>
+    <dgm:txFillClrLst meth="repeat">
+      <a:schemeClr val="dk1"/>
+    </dgm:txFillClrLst>
+    <dgm:txEffectClrLst/>
+  </dgm:styleLbl>
+  <dgm:styleLbl name="bgAccFollowNode1">
+    <dgm:fillClrLst meth="repeat">
+      <a:schemeClr val="accent1">
+        <a:alpha val="90000"/>
+        <a:tint val="40000"/>
+      </a:schemeClr>
+    </dgm:fillClrLst>
+    <dgm:linClrLst meth="repeat">
+      <a:schemeClr val="accent1">
+        <a:alpha val="90000"/>
+        <a:tint val="40000"/>
+      </a:schemeClr>
+    </dgm:linClrLst>
+    <dgm:effectClrLst/>
+    <dgm:txLinClrLst/>
+    <dgm:txFillClrLst meth="repeat">
+      <a:schemeClr val="dk1"/>
+    </dgm:txFillClrLst>
+    <dgm:txEffectClrLst/>
+  </dgm:styleLbl>
+  <dgm:styleLbl name="fgAcc0">
+    <dgm:fillClrLst meth="repeat">
+      <a:schemeClr val="lt1">
+        <a:alpha val="90000"/>
+      </a:schemeClr>
+    </dgm:fillClrLst>
+    <dgm:linClrLst meth="repeat">
+      <a:schemeClr val="accent1"/>
+    </dgm:linClrLst>
+    <dgm:effectClrLst/>
+    <dgm:txLinClrLst/>
+    <dgm:txFillClrLst meth="repeat">
+      <a:schemeClr val="dk1"/>
+    </dgm:txFillClrLst>
+    <dgm:txEffectClrLst/>
+  </dgm:styleLbl>
+  <dgm:styleLbl name="fgAcc2">
+    <dgm:fillClrLst meth="repeat">
+      <a:schemeClr val="lt1">
+        <a:alpha val="90000"/>
+      </a:schemeClr>
+    </dgm:fillClrLst>
+    <dgm:linClrLst meth="repeat">
+      <a:schemeClr val="accent1"/>
+    </dgm:linClrLst>
+    <dgm:effectClrLst/>
+    <dgm:txLinClrLst/>
+    <dgm:txFillClrLst meth="repeat">
+      <a:schemeClr val="dk1"/>
+    </dgm:txFillClrLst>
+    <dgm:txEffectClrLst/>
+  </dgm:styleLbl>
+  <dgm:styleLbl name="fgAcc3">
+    <dgm:fillClrLst meth="repeat">
+      <a:schemeClr val="lt1">
+        <a:alpha val="90000"/>
+      </a:schemeClr>
+    </dgm:fillClrLst>
+    <dgm:linClrLst meth="repeat">
+      <a:schemeClr val="accent1"/>
+    </dgm:linClrLst>
+    <dgm:effectClrLst/>
+    <dgm:txLinClrLst/>
+    <dgm:txFillClrLst meth="repeat">
+      <a:schemeClr val="dk1"/>
+    </dgm:txFillClrLst>
+    <dgm:txEffectClrLst/>
+  </dgm:styleLbl>
+  <dgm:styleLbl name="fgAcc4">
+    <dgm:fillClrLst meth="repeat">
+      <a:schemeClr val="lt1">
+        <a:alpha val="90000"/>
+      </a:schemeClr>
+    </dgm:fillClrLst>
+    <dgm:linClrLst meth="repeat">
+      <a:schemeClr val="accent1"/>
+    </dgm:linClrLst>
+    <dgm:effectClrLst/>
+    <dgm:txLinClrLst/>
+    <dgm:txFillClrLst meth="repeat">
+      <a:schemeClr val="dk1"/>
+    </dgm:txFillClrLst>
+    <dgm:txEffectClrLst/>
+  </dgm:styleLbl>
+  <dgm:styleLbl name="bgShp">
+    <dgm:fillClrLst meth="repeat">
+      <a:schemeClr val="accent1">
+        <a:tint val="40000"/>
+      </a:schemeClr>
+    </dgm:fillClrLst>
+    <dgm:linClrLst meth="repeat">
+      <a:schemeClr val="accent1"/>
+    </dgm:linClrLst>
+    <dgm:effectClrLst/>
+    <dgm:txLinClrLst/>
+    <dgm:txFillClrLst meth="repeat">
+      <a:schemeClr val="dk1"/>
+    </dgm:txFillClrLst>
+    <dgm:txEffectClrLst/>
+  </dgm:styleLbl>
+  <dgm:styleLbl name="dkBgShp">
+    <dgm:fillClrLst meth="repeat">
+      <a:schemeClr val="accent1">
+        <a:shade val="80000"/>
+      </a:schemeClr>
+    </dgm:fillClrLst>
+    <dgm:linClrLst meth="repeat">
+      <a:schemeClr val="accent1"/>
+    </dgm:linClrLst>
+    <dgm:effectClrLst/>
+    <dgm:txLinClrLst/>
+    <dgm:txFillClrLst meth="repeat">
+      <a:schemeClr val="lt1"/>
+    </dgm:txFillClrLst>
+    <dgm:txEffectClrLst/>
+  </dgm:styleLbl>
+  <dgm:styleLbl name="trBgShp">
+    <dgm:fillClrLst meth="repeat">
+      <a:schemeClr val="accent1">
+        <a:tint val="50000"/>
+        <a:alpha val="40000"/>
+      </a:schemeClr>
+    </dgm:fillClrLst>
+    <dgm:linClrLst meth="repeat">
+      <a:schemeClr val="accent1"/>
+    </dgm:linClrLst>
+    <dgm:effectClrLst/>
+    <dgm:txLinClrLst/>
+    <dgm:txFillClrLst meth="repeat">
+      <a:schemeClr val="lt1"/>
+    </dgm:txFillClrLst>
+    <dgm:txEffectClrLst/>
+  </dgm:styleLbl>
+  <dgm:styleLbl name="fgShp">
+    <dgm:fillClrLst meth="repeat">
+      <a:schemeClr val="accent1">
+        <a:tint val="60000"/>
+      </a:schemeClr>
+    </dgm:fillClrLst>
+    <dgm:linClrLst meth="repeat">
+      <a:schemeClr val="lt1"/>
+    </dgm:linClrLst>
+    <dgm:effectClrLst/>
+    <dgm:txLinClrLst/>
+    <dgm:txFillClrLst meth="repeat">
+      <a:schemeClr val="dk1"/>
+    </dgm:txFillClrLst>
+    <dgm:txEffectClrLst/>
+  </dgm:styleLbl>
+  <dgm:styleLbl name="revTx">
+    <dgm:fillClrLst meth="repeat">
+      <a:schemeClr val="lt1">
+        <a:alpha val="0"/>
+      </a:schemeClr>
+    </dgm:fillClrLst>
+    <dgm:linClrLst meth="repeat">
+      <a:schemeClr val="dk1">
+        <a:alpha val="0"/>
+      </a:schemeClr>
+    </dgm:linClrLst>
+    <dgm:effectClrLst/>
+    <dgm:txLinClrLst/>
+    <dgm:txFillClrLst meth="repeat">
+      <a:schemeClr val="tx1"/>
+    </dgm:txFillClrLst>
+    <dgm:txEffectClrLst/>
+  </dgm:styleLbl>
+</dgm:colorsDef>
+</file>
+
+<file path=ppt/diagrams/data1.xml><?xml version="1.0" encoding="utf-8"?>
+<dgm:dataModel xmlns:dgm="http://schemas.openxmlformats.org/drawingml/2006/diagram" xmlns:a="http://schemas.openxmlformats.org/drawingml/2006/main">
+  <dgm:ptLst>
+    <dgm:pt modelId="{112E0A7B-82DD-4792-AADE-CB65621E36CE}" type="doc">
+      <dgm:prSet loTypeId="urn:microsoft.com/office/officeart/2005/8/layout/vList5" loCatId="list" qsTypeId="urn:microsoft.com/office/officeart/2005/8/quickstyle/simple1" qsCatId="simple" csTypeId="urn:microsoft.com/office/officeart/2005/8/colors/accent1_2" csCatId="accent1" phldr="1"/>
+      <dgm:spPr/>
+      <dgm:t>
+        <a:bodyPr/>
+        <a:lstStyle/>
+        <a:p>
+          <a:endParaRPr lang="en-US"/>
+        </a:p>
+      </dgm:t>
+    </dgm:pt>
+    <dgm:pt modelId="{ED1F5969-663D-42BC-9AB0-3CBD123959F0}">
+      <dgm:prSet/>
+      <dgm:spPr/>
+      <dgm:t>
+        <a:bodyPr/>
+        <a:lstStyle/>
+        <a:p>
+          <a:pPr rtl="0"/>
+          <a:r>
+            <a:rPr lang="en-US" smtClean="0"/>
+            <a:t>Extract RDFa</a:t>
+          </a:r>
+          <a:endParaRPr lang="en-US"/>
+        </a:p>
+      </dgm:t>
+    </dgm:pt>
+    <dgm:pt modelId="{D9225497-A01B-4FC2-8886-C0F30DD5F8AA}" type="parTrans" cxnId="{CBE25495-ED95-462C-8971-054A8A60FB18}">
+      <dgm:prSet/>
+      <dgm:spPr/>
+      <dgm:t>
+        <a:bodyPr/>
+        <a:lstStyle/>
+        <a:p>
+          <a:endParaRPr lang="en-US"/>
+        </a:p>
+      </dgm:t>
+    </dgm:pt>
+    <dgm:pt modelId="{6DC7B96A-E318-4FA7-B1E5-7D55384E67E5}" type="sibTrans" cxnId="{CBE25495-ED95-462C-8971-054A8A60FB18}">
+      <dgm:prSet/>
+      <dgm:spPr/>
+      <dgm:t>
+        <a:bodyPr/>
+        <a:lstStyle/>
+        <a:p>
+          <a:endParaRPr lang="en-US"/>
+        </a:p>
+      </dgm:t>
+    </dgm:pt>
+    <dgm:pt modelId="{F331155E-095E-47B0-B641-0DC7F270AC22}">
+      <dgm:prSet/>
+      <dgm:spPr/>
+      <dgm:t>
+        <a:bodyPr/>
+        <a:lstStyle/>
+        <a:p>
+          <a:pPr rtl="0"/>
+          <a:r>
+            <a:rPr lang="en-US" dirty="0" smtClean="0"/>
+            <a:t>GET /http://getschema.org/rdfaliteextractor</a:t>
+          </a:r>
+          <a:endParaRPr lang="en-US" dirty="0"/>
+        </a:p>
+      </dgm:t>
+    </dgm:pt>
+    <dgm:pt modelId="{D0769877-2DD9-488A-9A26-3CB6467A744A}" type="parTrans" cxnId="{E5981C39-B211-46CA-BC40-C3FB924095B6}">
+      <dgm:prSet/>
+      <dgm:spPr/>
+      <dgm:t>
+        <a:bodyPr/>
+        <a:lstStyle/>
+        <a:p>
+          <a:endParaRPr lang="en-US"/>
+        </a:p>
+      </dgm:t>
+    </dgm:pt>
+    <dgm:pt modelId="{A905EE44-52A1-4558-B8AB-83B76B351C56}" type="sibTrans" cxnId="{E5981C39-B211-46CA-BC40-C3FB924095B6}">
+      <dgm:prSet/>
+      <dgm:spPr/>
+      <dgm:t>
+        <a:bodyPr/>
+        <a:lstStyle/>
+        <a:p>
+          <a:endParaRPr lang="en-US"/>
+        </a:p>
+      </dgm:t>
+    </dgm:pt>
+    <dgm:pt modelId="{189CC197-0D14-4978-A27A-CFC1C926B2C4}">
+      <dgm:prSet/>
+      <dgm:spPr/>
+      <dgm:t>
+        <a:bodyPr/>
+        <a:lstStyle/>
+        <a:p>
+          <a:pPr rtl="0"/>
+          <a:r>
+            <a:rPr lang="en-US" smtClean="0"/>
+            <a:t>Content-Type: application/json  </a:t>
+          </a:r>
+          <a:endParaRPr lang="en-US"/>
+        </a:p>
+      </dgm:t>
+    </dgm:pt>
+    <dgm:pt modelId="{83CC7FD9-5261-45E8-A0E2-67BEB578996F}" type="parTrans" cxnId="{490E85B1-8A90-4C0E-9C66-E61E64A6FD1B}">
+      <dgm:prSet/>
+      <dgm:spPr/>
+      <dgm:t>
+        <a:bodyPr/>
+        <a:lstStyle/>
+        <a:p>
+          <a:endParaRPr lang="en-US"/>
+        </a:p>
+      </dgm:t>
+    </dgm:pt>
+    <dgm:pt modelId="{8983733E-15D3-4581-9188-590CF7DFDF38}" type="sibTrans" cxnId="{490E85B1-8A90-4C0E-9C66-E61E64A6FD1B}">
+      <dgm:prSet/>
+      <dgm:spPr/>
+      <dgm:t>
+        <a:bodyPr/>
+        <a:lstStyle/>
+        <a:p>
+          <a:endParaRPr lang="en-US"/>
+        </a:p>
+      </dgm:t>
+    </dgm:pt>
+    <dgm:pt modelId="{830CFC93-444E-4EE7-8B6A-D36F46B5F35A}">
+      <dgm:prSet/>
+      <dgm:spPr/>
+      <dgm:t>
+        <a:bodyPr/>
+        <a:lstStyle/>
+        <a:p>
+          <a:pPr rtl="0"/>
+          <a:r>
+            <a:rPr lang="en-US" smtClean="0"/>
+            <a:t>Parameters :  {url : ‘www.google.ro’ , ‘out’: ‘json}</a:t>
+          </a:r>
+          <a:endParaRPr lang="en-US"/>
+        </a:p>
+      </dgm:t>
+    </dgm:pt>
+    <dgm:pt modelId="{1B814732-F18C-4F6B-80D1-AA18D32AF434}" type="parTrans" cxnId="{4DD75B66-0727-4FD1-A590-09FD1B003239}">
+      <dgm:prSet/>
+      <dgm:spPr/>
+      <dgm:t>
+        <a:bodyPr/>
+        <a:lstStyle/>
+        <a:p>
+          <a:endParaRPr lang="en-US"/>
+        </a:p>
+      </dgm:t>
+    </dgm:pt>
+    <dgm:pt modelId="{C7484DD5-6018-4BDC-8D94-31D726F206A8}" type="sibTrans" cxnId="{4DD75B66-0727-4FD1-A590-09FD1B003239}">
+      <dgm:prSet/>
+      <dgm:spPr/>
+      <dgm:t>
+        <a:bodyPr/>
+        <a:lstStyle/>
+        <a:p>
+          <a:endParaRPr lang="en-US"/>
+        </a:p>
+      </dgm:t>
+    </dgm:pt>
+    <dgm:pt modelId="{F4C93373-8064-4114-AA39-410CFB070DE7}">
+      <dgm:prSet/>
+      <dgm:spPr/>
+      <dgm:t>
+        <a:bodyPr/>
+        <a:lstStyle/>
+        <a:p>
+          <a:pPr rtl="0"/>
+          <a:r>
+            <a:rPr lang="en-US" smtClean="0"/>
+            <a:t>Response:</a:t>
+          </a:r>
+          <a:endParaRPr lang="en-US"/>
+        </a:p>
+      </dgm:t>
+    </dgm:pt>
+    <dgm:pt modelId="{091A5677-87F8-49B7-B2CF-DED74823FD8D}" type="parTrans" cxnId="{88919C3A-E6DA-43F1-A2E3-6AEB39D65F56}">
+      <dgm:prSet/>
+      <dgm:spPr/>
+      <dgm:t>
+        <a:bodyPr/>
+        <a:lstStyle/>
+        <a:p>
+          <a:endParaRPr lang="en-US"/>
+        </a:p>
+      </dgm:t>
+    </dgm:pt>
+    <dgm:pt modelId="{ED9E5FC0-CA24-4169-91EA-B76FE3277A2C}" type="sibTrans" cxnId="{88919C3A-E6DA-43F1-A2E3-6AEB39D65F56}">
+      <dgm:prSet/>
+      <dgm:spPr/>
+      <dgm:t>
+        <a:bodyPr/>
+        <a:lstStyle/>
+        <a:p>
+          <a:endParaRPr lang="en-US"/>
+        </a:p>
+      </dgm:t>
+    </dgm:pt>
+    <dgm:pt modelId="{5ACB24B0-50CF-48D7-BB98-68CCD854121C}">
+      <dgm:prSet/>
+      <dgm:spPr/>
+      <dgm:t>
+        <a:bodyPr/>
+        <a:lstStyle/>
+        <a:p>
+          <a:pPr rtl="0"/>
+          <a:r>
+            <a:rPr lang="en-US" smtClean="0"/>
+            <a:t>HTTP/1.1 200 OK</a:t>
+          </a:r>
+          <a:endParaRPr lang="en-US"/>
+        </a:p>
+      </dgm:t>
+    </dgm:pt>
+    <dgm:pt modelId="{42A8DC2D-A74D-405C-8477-2B907522C7E0}" type="parTrans" cxnId="{D371FEBB-DB4E-44F3-8F5C-5F8F60912736}">
+      <dgm:prSet/>
+      <dgm:spPr/>
+      <dgm:t>
+        <a:bodyPr/>
+        <a:lstStyle/>
+        <a:p>
+          <a:endParaRPr lang="en-US"/>
+        </a:p>
+      </dgm:t>
+    </dgm:pt>
+    <dgm:pt modelId="{A6CD6AA7-831A-444A-9157-6C57DD0D0DE8}" type="sibTrans" cxnId="{D371FEBB-DB4E-44F3-8F5C-5F8F60912736}">
+      <dgm:prSet/>
+      <dgm:spPr/>
+      <dgm:t>
+        <a:bodyPr/>
+        <a:lstStyle/>
+        <a:p>
+          <a:endParaRPr lang="en-US"/>
+        </a:p>
+      </dgm:t>
+    </dgm:pt>
+    <dgm:pt modelId="{1E490F91-067B-4C8F-98BC-F7EB23747AD9}">
+      <dgm:prSet/>
+      <dgm:spPr/>
+      <dgm:t>
+        <a:bodyPr/>
+        <a:lstStyle/>
+        <a:p>
+          <a:pPr rtl="0"/>
+          <a:r>
+            <a:rPr lang="en-US" dirty="0" smtClean="0"/>
+            <a:t>Content-Type: application/</a:t>
+          </a:r>
+          <a:r>
+            <a:rPr lang="en-US" dirty="0" err="1" smtClean="0"/>
+            <a:t>json</a:t>
+          </a:r>
+          <a:r>
+            <a:rPr lang="en-US" dirty="0" smtClean="0"/>
+            <a:t>; charset=utf-8</a:t>
+          </a:r>
+          <a:endParaRPr lang="en-US" dirty="0"/>
+        </a:p>
+      </dgm:t>
+    </dgm:pt>
+    <dgm:pt modelId="{88DF3C7E-8AD8-4DE3-982F-427B49B3C870}" type="parTrans" cxnId="{77078F6E-204E-41CB-A650-49509C3A49D9}">
+      <dgm:prSet/>
+      <dgm:spPr/>
+      <dgm:t>
+        <a:bodyPr/>
+        <a:lstStyle/>
+        <a:p>
+          <a:endParaRPr lang="en-US"/>
+        </a:p>
+      </dgm:t>
+    </dgm:pt>
+    <dgm:pt modelId="{BC5A0CBB-6F0B-4DCD-9B0D-9EA6CAC34BCD}" type="sibTrans" cxnId="{77078F6E-204E-41CB-A650-49509C3A49D9}">
+      <dgm:prSet/>
+      <dgm:spPr/>
+      <dgm:t>
+        <a:bodyPr/>
+        <a:lstStyle/>
+        <a:p>
+          <a:endParaRPr lang="en-US"/>
+        </a:p>
+      </dgm:t>
+    </dgm:pt>
+    <dgm:pt modelId="{D6CF3FBD-4452-4336-9676-D78826491475}">
+      <dgm:prSet/>
+      <dgm:spPr/>
+      <dgm:t>
+        <a:bodyPr/>
+        <a:lstStyle/>
+        <a:p>
+          <a:pPr rtl="0"/>
+          <a:r>
+            <a:rPr lang="en-US" dirty="0" smtClean="0"/>
+            <a:t>{ "_:gs0": </a:t>
+          </a:r>
+          <a:endParaRPr lang="en-US" dirty="0"/>
+        </a:p>
+      </dgm:t>
+    </dgm:pt>
+    <dgm:pt modelId="{06DF44E1-D964-42FD-BC03-89F10019D086}" type="parTrans" cxnId="{35BB292C-BD2A-4E8A-B21E-C3862BF52D38}">
+      <dgm:prSet/>
+      <dgm:spPr/>
+      <dgm:t>
+        <a:bodyPr/>
+        <a:lstStyle/>
+        <a:p>
+          <a:endParaRPr lang="en-US"/>
+        </a:p>
+      </dgm:t>
+    </dgm:pt>
+    <dgm:pt modelId="{98115D2C-C9DC-4FFC-8874-860D313DD1D9}" type="sibTrans" cxnId="{35BB292C-BD2A-4E8A-B21E-C3862BF52D38}">
+      <dgm:prSet/>
+      <dgm:spPr/>
+      <dgm:t>
+        <a:bodyPr/>
+        <a:lstStyle/>
+        <a:p>
+          <a:endParaRPr lang="en-US"/>
+        </a:p>
+      </dgm:t>
+    </dgm:pt>
+    <dgm:pt modelId="{CB432E58-AA1A-4ACC-A792-C89FBAEFD05D}">
+      <dgm:prSet/>
+      <dgm:spPr/>
+      <dgm:t>
+        <a:bodyPr/>
+        <a:lstStyle/>
+        <a:p>
+          <a:pPr rtl="0"/>
+          <a:r>
+            <a:rPr lang="en-US" dirty="0" smtClean="0"/>
+            <a:t>    { "http://www.w3.org/1999/02/22-rdf-syntax-ns#type": [</a:t>
+          </a:r>
+          <a:endParaRPr lang="en-US" dirty="0"/>
+        </a:p>
+      </dgm:t>
+    </dgm:pt>
+    <dgm:pt modelId="{B4810C32-6BC4-4F65-B2F4-70672CF6765A}" type="parTrans" cxnId="{38024F69-2778-4B73-830D-B79ED5FFADCD}">
+      <dgm:prSet/>
+      <dgm:spPr/>
+      <dgm:t>
+        <a:bodyPr/>
+        <a:lstStyle/>
+        <a:p>
+          <a:endParaRPr lang="en-US"/>
+        </a:p>
+      </dgm:t>
+    </dgm:pt>
+    <dgm:pt modelId="{89E096A6-427A-4A1C-B2E8-5024F9C50C62}" type="sibTrans" cxnId="{38024F69-2778-4B73-830D-B79ED5FFADCD}">
+      <dgm:prSet/>
+      <dgm:spPr/>
+      <dgm:t>
+        <a:bodyPr/>
+        <a:lstStyle/>
+        <a:p>
+          <a:endParaRPr lang="en-US"/>
+        </a:p>
+      </dgm:t>
+    </dgm:pt>
+    <dgm:pt modelId="{91C952EF-FA16-4893-8239-D0F603C3CD5B}">
+      <dgm:prSet/>
+      <dgm:spPr/>
+      <dgm:t>
+        <a:bodyPr/>
+        <a:lstStyle/>
+        <a:p>
+          <a:pPr rtl="0"/>
+          <a:r>
+            <a:rPr lang="en-US" dirty="0" smtClean="0"/>
+            <a:t>    { "type": "</a:t>
+          </a:r>
+          <a:r>
+            <a:rPr lang="en-US" dirty="0" err="1" smtClean="0"/>
+            <a:t>uri</a:t>
+          </a:r>
+          <a:r>
+            <a:rPr lang="en-US" dirty="0" smtClean="0"/>
+            <a:t>", "value": "http://schema.org/Review" }]</a:t>
+          </a:r>
+          <a:endParaRPr lang="en-US" dirty="0"/>
+        </a:p>
+      </dgm:t>
+    </dgm:pt>
+    <dgm:pt modelId="{A4089C90-98E5-41E4-B96C-F3C72150BF14}" type="parTrans" cxnId="{1AF2D970-E2D1-4275-8DD3-60F76A6A9DE2}">
+      <dgm:prSet/>
+      <dgm:spPr/>
+      <dgm:t>
+        <a:bodyPr/>
+        <a:lstStyle/>
+        <a:p>
+          <a:endParaRPr lang="en-US"/>
+        </a:p>
+      </dgm:t>
+    </dgm:pt>
+    <dgm:pt modelId="{7417CBB3-9C81-45F7-80B1-EF54CCB76DB4}" type="sibTrans" cxnId="{1AF2D970-E2D1-4275-8DD3-60F76A6A9DE2}">
+      <dgm:prSet/>
+      <dgm:spPr/>
+      <dgm:t>
+        <a:bodyPr/>
+        <a:lstStyle/>
+        <a:p>
+          <a:endParaRPr lang="en-US"/>
+        </a:p>
+      </dgm:t>
+    </dgm:pt>
+    <dgm:pt modelId="{8F7B3C5F-F80E-4CCD-85DD-D025856A68E0}">
+      <dgm:prSet/>
+      <dgm:spPr/>
+      <dgm:t>
+        <a:bodyPr/>
+        <a:lstStyle/>
+        <a:p>
+          <a:pPr rtl="0"/>
+          <a:r>
+            <a:rPr lang="en-US" dirty="0" smtClean="0"/>
+            <a:t>}</a:t>
+          </a:r>
+          <a:endParaRPr lang="en-US" dirty="0"/>
+        </a:p>
+      </dgm:t>
+    </dgm:pt>
+    <dgm:pt modelId="{A0CEAA92-A62E-4BC7-A73C-FD0D67B4B5FA}" type="parTrans" cxnId="{1CDE6807-084D-4EB4-9D91-15F5B16050DB}">
+      <dgm:prSet/>
+      <dgm:spPr/>
+      <dgm:t>
+        <a:bodyPr/>
+        <a:lstStyle/>
+        <a:p>
+          <a:endParaRPr lang="en-US"/>
+        </a:p>
+      </dgm:t>
+    </dgm:pt>
+    <dgm:pt modelId="{3F23B87D-8124-410F-87A0-C8CF077E5C53}" type="sibTrans" cxnId="{1CDE6807-084D-4EB4-9D91-15F5B16050DB}">
+      <dgm:prSet/>
+      <dgm:spPr/>
+      <dgm:t>
+        <a:bodyPr/>
+        <a:lstStyle/>
+        <a:p>
+          <a:endParaRPr lang="en-US"/>
+        </a:p>
+      </dgm:t>
+    </dgm:pt>
+    <dgm:pt modelId="{F1F00640-5AC8-4A61-8582-FCC1D7B48A43}" type="pres">
+      <dgm:prSet presAssocID="{112E0A7B-82DD-4792-AADE-CB65621E36CE}" presName="Name0" presStyleCnt="0">
+        <dgm:presLayoutVars>
+          <dgm:dir/>
+          <dgm:animLvl val="lvl"/>
+          <dgm:resizeHandles val="exact"/>
+        </dgm:presLayoutVars>
+      </dgm:prSet>
+      <dgm:spPr/>
+    </dgm:pt>
+    <dgm:pt modelId="{CFAE93D6-7921-4DDC-A23A-AC26D1FC199F}" type="pres">
+      <dgm:prSet presAssocID="{ED1F5969-663D-42BC-9AB0-3CBD123959F0}" presName="linNode" presStyleCnt="0"/>
+      <dgm:spPr/>
+    </dgm:pt>
+    <dgm:pt modelId="{93AF92CF-BFE6-458C-B2C8-FF217BD8855C}" type="pres">
+      <dgm:prSet presAssocID="{ED1F5969-663D-42BC-9AB0-3CBD123959F0}" presName="parentText" presStyleLbl="node1" presStyleIdx="0" presStyleCnt="5">
+        <dgm:presLayoutVars>
+          <dgm:chMax val="1"/>
+          <dgm:bulletEnabled val="1"/>
+        </dgm:presLayoutVars>
+      </dgm:prSet>
+      <dgm:spPr/>
+    </dgm:pt>
+    <dgm:pt modelId="{A989CAA7-E4F9-4327-A766-52D2896CEFE2}" type="pres">
+      <dgm:prSet presAssocID="{6DC7B96A-E318-4FA7-B1E5-7D55384E67E5}" presName="sp" presStyleCnt="0"/>
+      <dgm:spPr/>
+    </dgm:pt>
+    <dgm:pt modelId="{DEE7F26B-0EDE-40F0-8BA2-6C44032ACB17}" type="pres">
+      <dgm:prSet presAssocID="{F331155E-095E-47B0-B641-0DC7F270AC22}" presName="linNode" presStyleCnt="0"/>
+      <dgm:spPr/>
+    </dgm:pt>
+    <dgm:pt modelId="{DBA1C76E-62F6-4F96-AB96-C5CC9CBA7F77}" type="pres">
+      <dgm:prSet presAssocID="{F331155E-095E-47B0-B641-0DC7F270AC22}" presName="parentText" presStyleLbl="node1" presStyleIdx="1" presStyleCnt="5" custScaleY="104526">
+        <dgm:presLayoutVars>
+          <dgm:chMax val="1"/>
+          <dgm:bulletEnabled val="1"/>
+        </dgm:presLayoutVars>
+      </dgm:prSet>
+      <dgm:spPr/>
+    </dgm:pt>
+    <dgm:pt modelId="{D24C75C4-4518-450D-88B6-472121D75422}" type="pres">
+      <dgm:prSet presAssocID="{A905EE44-52A1-4558-B8AB-83B76B351C56}" presName="sp" presStyleCnt="0"/>
+      <dgm:spPr/>
+    </dgm:pt>
+    <dgm:pt modelId="{90C959BD-3A70-401E-9E91-E84C1C2B88D5}" type="pres">
+      <dgm:prSet presAssocID="{189CC197-0D14-4978-A27A-CFC1C926B2C4}" presName="linNode" presStyleCnt="0"/>
+      <dgm:spPr/>
+    </dgm:pt>
+    <dgm:pt modelId="{E0826CD5-4D0A-4617-BF6E-39B81FB24F5B}" type="pres">
+      <dgm:prSet presAssocID="{189CC197-0D14-4978-A27A-CFC1C926B2C4}" presName="parentText" presStyleLbl="node1" presStyleIdx="2" presStyleCnt="5">
+        <dgm:presLayoutVars>
+          <dgm:chMax val="1"/>
+          <dgm:bulletEnabled val="1"/>
+        </dgm:presLayoutVars>
+      </dgm:prSet>
+      <dgm:spPr/>
+    </dgm:pt>
+    <dgm:pt modelId="{8148B8F6-4555-422E-B245-41FEB4A31618}" type="pres">
+      <dgm:prSet presAssocID="{8983733E-15D3-4581-9188-590CF7DFDF38}" presName="sp" presStyleCnt="0"/>
+      <dgm:spPr/>
+    </dgm:pt>
+    <dgm:pt modelId="{19985EF3-160E-42F6-A643-E1C1893FEA90}" type="pres">
+      <dgm:prSet presAssocID="{830CFC93-444E-4EE7-8B6A-D36F46B5F35A}" presName="linNode" presStyleCnt="0"/>
+      <dgm:spPr/>
+    </dgm:pt>
+    <dgm:pt modelId="{DBD781F1-666C-45E1-B166-6276499A4F4C}" type="pres">
+      <dgm:prSet presAssocID="{830CFC93-444E-4EE7-8B6A-D36F46B5F35A}" presName="parentText" presStyleLbl="node1" presStyleIdx="3" presStyleCnt="5">
+        <dgm:presLayoutVars>
+          <dgm:chMax val="1"/>
+          <dgm:bulletEnabled val="1"/>
+        </dgm:presLayoutVars>
+      </dgm:prSet>
+      <dgm:spPr/>
+    </dgm:pt>
+    <dgm:pt modelId="{FBD69C21-BA7A-47B4-970F-23C568E8DDBB}" type="pres">
+      <dgm:prSet presAssocID="{C7484DD5-6018-4BDC-8D94-31D726F206A8}" presName="sp" presStyleCnt="0"/>
+      <dgm:spPr/>
+    </dgm:pt>
+    <dgm:pt modelId="{930F783F-D62A-43DF-8596-1520A3B97A83}" type="pres">
+      <dgm:prSet presAssocID="{F4C93373-8064-4114-AA39-410CFB070DE7}" presName="linNode" presStyleCnt="0"/>
+      <dgm:spPr/>
+    </dgm:pt>
+    <dgm:pt modelId="{A446B69E-AB1A-438D-9941-633E1B85B67F}" type="pres">
+      <dgm:prSet presAssocID="{F4C93373-8064-4114-AA39-410CFB070DE7}" presName="parentText" presStyleLbl="node1" presStyleIdx="4" presStyleCnt="5">
+        <dgm:presLayoutVars>
+          <dgm:chMax val="1"/>
+          <dgm:bulletEnabled val="1"/>
+        </dgm:presLayoutVars>
+      </dgm:prSet>
+      <dgm:spPr/>
+    </dgm:pt>
+    <dgm:pt modelId="{D49D4D53-A0B9-41D8-A98A-B81D0A0BA326}" type="pres">
+      <dgm:prSet presAssocID="{F4C93373-8064-4114-AA39-410CFB070DE7}" presName="descendantText" presStyleLbl="alignAccFollowNode1" presStyleIdx="0" presStyleCnt="1" custScaleY="295022">
+        <dgm:presLayoutVars>
+          <dgm:bulletEnabled val="1"/>
+        </dgm:presLayoutVars>
+      </dgm:prSet>
+      <dgm:spPr/>
+      <dgm:t>
+        <a:bodyPr/>
+        <a:lstStyle/>
+        <a:p>
+          <a:endParaRPr lang="en-US"/>
+        </a:p>
+      </dgm:t>
+    </dgm:pt>
+  </dgm:ptLst>
+  <dgm:cxnLst>
+    <dgm:cxn modelId="{FA4565C2-CAAE-449E-B27C-F5431980FF11}" type="presOf" srcId="{D6CF3FBD-4452-4336-9676-D78826491475}" destId="{D49D4D53-A0B9-41D8-A98A-B81D0A0BA326}" srcOrd="0" destOrd="2" presId="urn:microsoft.com/office/officeart/2005/8/layout/vList5"/>
+    <dgm:cxn modelId="{34696AD1-47C9-456D-B09F-4B6AC0ADC09C}" type="presOf" srcId="{91C952EF-FA16-4893-8239-D0F603C3CD5B}" destId="{D49D4D53-A0B9-41D8-A98A-B81D0A0BA326}" srcOrd="0" destOrd="4" presId="urn:microsoft.com/office/officeart/2005/8/layout/vList5"/>
+    <dgm:cxn modelId="{E673BA7A-09E7-4CE1-83FD-4ADE7D871FEB}" type="presOf" srcId="{1E490F91-067B-4C8F-98BC-F7EB23747AD9}" destId="{D49D4D53-A0B9-41D8-A98A-B81D0A0BA326}" srcOrd="0" destOrd="1" presId="urn:microsoft.com/office/officeart/2005/8/layout/vList5"/>
+    <dgm:cxn modelId="{1D420954-316F-4029-8BAF-EA643ED75044}" type="presOf" srcId="{F331155E-095E-47B0-B641-0DC7F270AC22}" destId="{DBA1C76E-62F6-4F96-AB96-C5CC9CBA7F77}" srcOrd="0" destOrd="0" presId="urn:microsoft.com/office/officeart/2005/8/layout/vList5"/>
+    <dgm:cxn modelId="{38024F69-2778-4B73-830D-B79ED5FFADCD}" srcId="{F4C93373-8064-4114-AA39-410CFB070DE7}" destId="{CB432E58-AA1A-4ACC-A792-C89FBAEFD05D}" srcOrd="3" destOrd="0" parTransId="{B4810C32-6BC4-4F65-B2F4-70672CF6765A}" sibTransId="{89E096A6-427A-4A1C-B2E8-5024F9C50C62}"/>
+    <dgm:cxn modelId="{2D0B1367-B419-4ACF-91B2-2D2E46C6A19F}" type="presOf" srcId="{112E0A7B-82DD-4792-AADE-CB65621E36CE}" destId="{F1F00640-5AC8-4A61-8582-FCC1D7B48A43}" srcOrd="0" destOrd="0" presId="urn:microsoft.com/office/officeart/2005/8/layout/vList5"/>
+    <dgm:cxn modelId="{E5981C39-B211-46CA-BC40-C3FB924095B6}" srcId="{112E0A7B-82DD-4792-AADE-CB65621E36CE}" destId="{F331155E-095E-47B0-B641-0DC7F270AC22}" srcOrd="1" destOrd="0" parTransId="{D0769877-2DD9-488A-9A26-3CB6467A744A}" sibTransId="{A905EE44-52A1-4558-B8AB-83B76B351C56}"/>
+    <dgm:cxn modelId="{490E85B1-8A90-4C0E-9C66-E61E64A6FD1B}" srcId="{112E0A7B-82DD-4792-AADE-CB65621E36CE}" destId="{189CC197-0D14-4978-A27A-CFC1C926B2C4}" srcOrd="2" destOrd="0" parTransId="{83CC7FD9-5261-45E8-A0E2-67BEB578996F}" sibTransId="{8983733E-15D3-4581-9188-590CF7DFDF38}"/>
+    <dgm:cxn modelId="{1CDE6807-084D-4EB4-9D91-15F5B16050DB}" srcId="{F4C93373-8064-4114-AA39-410CFB070DE7}" destId="{8F7B3C5F-F80E-4CCD-85DD-D025856A68E0}" srcOrd="5" destOrd="0" parTransId="{A0CEAA92-A62E-4BC7-A73C-FD0D67B4B5FA}" sibTransId="{3F23B87D-8124-410F-87A0-C8CF077E5C53}"/>
+    <dgm:cxn modelId="{CBE25495-ED95-462C-8971-054A8A60FB18}" srcId="{112E0A7B-82DD-4792-AADE-CB65621E36CE}" destId="{ED1F5969-663D-42BC-9AB0-3CBD123959F0}" srcOrd="0" destOrd="0" parTransId="{D9225497-A01B-4FC2-8886-C0F30DD5F8AA}" sibTransId="{6DC7B96A-E318-4FA7-B1E5-7D55384E67E5}"/>
+    <dgm:cxn modelId="{0F4885B7-FAB4-474D-BA4E-2CE20CB295DA}" type="presOf" srcId="{ED1F5969-663D-42BC-9AB0-3CBD123959F0}" destId="{93AF92CF-BFE6-458C-B2C8-FF217BD8855C}" srcOrd="0" destOrd="0" presId="urn:microsoft.com/office/officeart/2005/8/layout/vList5"/>
+    <dgm:cxn modelId="{B78AD051-BE00-4737-BDB5-21B8FB411F44}" type="presOf" srcId="{830CFC93-444E-4EE7-8B6A-D36F46B5F35A}" destId="{DBD781F1-666C-45E1-B166-6276499A4F4C}" srcOrd="0" destOrd="0" presId="urn:microsoft.com/office/officeart/2005/8/layout/vList5"/>
+    <dgm:cxn modelId="{1AF2D970-E2D1-4275-8DD3-60F76A6A9DE2}" srcId="{F4C93373-8064-4114-AA39-410CFB070DE7}" destId="{91C952EF-FA16-4893-8239-D0F603C3CD5B}" srcOrd="4" destOrd="0" parTransId="{A4089C90-98E5-41E4-B96C-F3C72150BF14}" sibTransId="{7417CBB3-9C81-45F7-80B1-EF54CCB76DB4}"/>
+    <dgm:cxn modelId="{88919C3A-E6DA-43F1-A2E3-6AEB39D65F56}" srcId="{112E0A7B-82DD-4792-AADE-CB65621E36CE}" destId="{F4C93373-8064-4114-AA39-410CFB070DE7}" srcOrd="4" destOrd="0" parTransId="{091A5677-87F8-49B7-B2CF-DED74823FD8D}" sibTransId="{ED9E5FC0-CA24-4169-91EA-B76FE3277A2C}"/>
+    <dgm:cxn modelId="{4DD75B66-0727-4FD1-A590-09FD1B003239}" srcId="{112E0A7B-82DD-4792-AADE-CB65621E36CE}" destId="{830CFC93-444E-4EE7-8B6A-D36F46B5F35A}" srcOrd="3" destOrd="0" parTransId="{1B814732-F18C-4F6B-80D1-AA18D32AF434}" sibTransId="{C7484DD5-6018-4BDC-8D94-31D726F206A8}"/>
+    <dgm:cxn modelId="{0DA7F1D0-DCAF-4DED-AE13-AAD4F2C4DA65}" type="presOf" srcId="{5ACB24B0-50CF-48D7-BB98-68CCD854121C}" destId="{D49D4D53-A0B9-41D8-A98A-B81D0A0BA326}" srcOrd="0" destOrd="0" presId="urn:microsoft.com/office/officeart/2005/8/layout/vList5"/>
+    <dgm:cxn modelId="{D371FEBB-DB4E-44F3-8F5C-5F8F60912736}" srcId="{F4C93373-8064-4114-AA39-410CFB070DE7}" destId="{5ACB24B0-50CF-48D7-BB98-68CCD854121C}" srcOrd="0" destOrd="0" parTransId="{42A8DC2D-A74D-405C-8477-2B907522C7E0}" sibTransId="{A6CD6AA7-831A-444A-9157-6C57DD0D0DE8}"/>
+    <dgm:cxn modelId="{35BB292C-BD2A-4E8A-B21E-C3862BF52D38}" srcId="{F4C93373-8064-4114-AA39-410CFB070DE7}" destId="{D6CF3FBD-4452-4336-9676-D78826491475}" srcOrd="2" destOrd="0" parTransId="{06DF44E1-D964-42FD-BC03-89F10019D086}" sibTransId="{98115D2C-C9DC-4FFC-8874-860D313DD1D9}"/>
+    <dgm:cxn modelId="{D1B421EC-E068-47EA-974F-A4FD6BB5F6F4}" type="presOf" srcId="{F4C93373-8064-4114-AA39-410CFB070DE7}" destId="{A446B69E-AB1A-438D-9941-633E1B85B67F}" srcOrd="0" destOrd="0" presId="urn:microsoft.com/office/officeart/2005/8/layout/vList5"/>
+    <dgm:cxn modelId="{77078F6E-204E-41CB-A650-49509C3A49D9}" srcId="{F4C93373-8064-4114-AA39-410CFB070DE7}" destId="{1E490F91-067B-4C8F-98BC-F7EB23747AD9}" srcOrd="1" destOrd="0" parTransId="{88DF3C7E-8AD8-4DE3-982F-427B49B3C870}" sibTransId="{BC5A0CBB-6F0B-4DCD-9B0D-9EA6CAC34BCD}"/>
+    <dgm:cxn modelId="{16C9A989-CEA5-4DF5-A498-34F9237A2192}" type="presOf" srcId="{CB432E58-AA1A-4ACC-A792-C89FBAEFD05D}" destId="{D49D4D53-A0B9-41D8-A98A-B81D0A0BA326}" srcOrd="0" destOrd="3" presId="urn:microsoft.com/office/officeart/2005/8/layout/vList5"/>
+    <dgm:cxn modelId="{96CDE80E-3FC6-4121-9830-06B8200B9628}" type="presOf" srcId="{189CC197-0D14-4978-A27A-CFC1C926B2C4}" destId="{E0826CD5-4D0A-4617-BF6E-39B81FB24F5B}" srcOrd="0" destOrd="0" presId="urn:microsoft.com/office/officeart/2005/8/layout/vList5"/>
+    <dgm:cxn modelId="{1C29418C-9912-4A3E-9E35-8143B6FF738F}" type="presOf" srcId="{8F7B3C5F-F80E-4CCD-85DD-D025856A68E0}" destId="{D49D4D53-A0B9-41D8-A98A-B81D0A0BA326}" srcOrd="0" destOrd="5" presId="urn:microsoft.com/office/officeart/2005/8/layout/vList5"/>
+    <dgm:cxn modelId="{718C1663-DB28-4C23-8E1E-19843DAB9204}" type="presParOf" srcId="{F1F00640-5AC8-4A61-8582-FCC1D7B48A43}" destId="{CFAE93D6-7921-4DDC-A23A-AC26D1FC199F}" srcOrd="0" destOrd="0" presId="urn:microsoft.com/office/officeart/2005/8/layout/vList5"/>
+    <dgm:cxn modelId="{0B377F74-32DB-4B2E-83CB-DAD315C2D1C2}" type="presParOf" srcId="{CFAE93D6-7921-4DDC-A23A-AC26D1FC199F}" destId="{93AF92CF-BFE6-458C-B2C8-FF217BD8855C}" srcOrd="0" destOrd="0" presId="urn:microsoft.com/office/officeart/2005/8/layout/vList5"/>
+    <dgm:cxn modelId="{6F8C6C02-59CA-4D28-B6C7-1741302F26B8}" type="presParOf" srcId="{F1F00640-5AC8-4A61-8582-FCC1D7B48A43}" destId="{A989CAA7-E4F9-4327-A766-52D2896CEFE2}" srcOrd="1" destOrd="0" presId="urn:microsoft.com/office/officeart/2005/8/layout/vList5"/>
+    <dgm:cxn modelId="{BDA1D801-1C1E-492F-A3A3-B94528286E91}" type="presParOf" srcId="{F1F00640-5AC8-4A61-8582-FCC1D7B48A43}" destId="{DEE7F26B-0EDE-40F0-8BA2-6C44032ACB17}" srcOrd="2" destOrd="0" presId="urn:microsoft.com/office/officeart/2005/8/layout/vList5"/>
+    <dgm:cxn modelId="{B57DF62C-ED82-4B5D-BDF2-EB15D54F6608}" type="presParOf" srcId="{DEE7F26B-0EDE-40F0-8BA2-6C44032ACB17}" destId="{DBA1C76E-62F6-4F96-AB96-C5CC9CBA7F77}" srcOrd="0" destOrd="0" presId="urn:microsoft.com/office/officeart/2005/8/layout/vList5"/>
+    <dgm:cxn modelId="{DB6A79AE-6C3F-41BD-A0EC-DF2E1CC0FAF6}" type="presParOf" srcId="{F1F00640-5AC8-4A61-8582-FCC1D7B48A43}" destId="{D24C75C4-4518-450D-88B6-472121D75422}" srcOrd="3" destOrd="0" presId="urn:microsoft.com/office/officeart/2005/8/layout/vList5"/>
+    <dgm:cxn modelId="{177150A7-B1A1-49CC-B92B-2E950501B10F}" type="presParOf" srcId="{F1F00640-5AC8-4A61-8582-FCC1D7B48A43}" destId="{90C959BD-3A70-401E-9E91-E84C1C2B88D5}" srcOrd="4" destOrd="0" presId="urn:microsoft.com/office/officeart/2005/8/layout/vList5"/>
+    <dgm:cxn modelId="{8BAD4EE1-CB2B-4780-B796-248AAE711BC8}" type="presParOf" srcId="{90C959BD-3A70-401E-9E91-E84C1C2B88D5}" destId="{E0826CD5-4D0A-4617-BF6E-39B81FB24F5B}" srcOrd="0" destOrd="0" presId="urn:microsoft.com/office/officeart/2005/8/layout/vList5"/>
+    <dgm:cxn modelId="{4A74FBAE-FA91-4F58-AACB-A4AA95F96EA2}" type="presParOf" srcId="{F1F00640-5AC8-4A61-8582-FCC1D7B48A43}" destId="{8148B8F6-4555-422E-B245-41FEB4A31618}" srcOrd="5" destOrd="0" presId="urn:microsoft.com/office/officeart/2005/8/layout/vList5"/>
+    <dgm:cxn modelId="{EC1B6C82-3FDF-48A2-9365-378C5E57352D}" type="presParOf" srcId="{F1F00640-5AC8-4A61-8582-FCC1D7B48A43}" destId="{19985EF3-160E-42F6-A643-E1C1893FEA90}" srcOrd="6" destOrd="0" presId="urn:microsoft.com/office/officeart/2005/8/layout/vList5"/>
+    <dgm:cxn modelId="{6FEDBAE9-1EDE-4D29-9F37-6C5543497E7F}" type="presParOf" srcId="{19985EF3-160E-42F6-A643-E1C1893FEA90}" destId="{DBD781F1-666C-45E1-B166-6276499A4F4C}" srcOrd="0" destOrd="0" presId="urn:microsoft.com/office/officeart/2005/8/layout/vList5"/>
+    <dgm:cxn modelId="{B6D4F2BD-F724-40F2-AFF6-1C14366D8C65}" type="presParOf" srcId="{F1F00640-5AC8-4A61-8582-FCC1D7B48A43}" destId="{FBD69C21-BA7A-47B4-970F-23C568E8DDBB}" srcOrd="7" destOrd="0" presId="urn:microsoft.com/office/officeart/2005/8/layout/vList5"/>
+    <dgm:cxn modelId="{0BB28338-1C8D-4C73-B5D1-BEE191B20EEA}" type="presParOf" srcId="{F1F00640-5AC8-4A61-8582-FCC1D7B48A43}" destId="{930F783F-D62A-43DF-8596-1520A3B97A83}" srcOrd="8" destOrd="0" presId="urn:microsoft.com/office/officeart/2005/8/layout/vList5"/>
+    <dgm:cxn modelId="{08B83B5C-7C28-47EE-9380-2A6E6F3CF362}" type="presParOf" srcId="{930F783F-D62A-43DF-8596-1520A3B97A83}" destId="{A446B69E-AB1A-438D-9941-633E1B85B67F}" srcOrd="0" destOrd="0" presId="urn:microsoft.com/office/officeart/2005/8/layout/vList5"/>
+    <dgm:cxn modelId="{7CC4E66C-FD10-49F4-85B9-4CE7C0EEC869}" type="presParOf" srcId="{930F783F-D62A-43DF-8596-1520A3B97A83}" destId="{D49D4D53-A0B9-41D8-A98A-B81D0A0BA326}" srcOrd="1" destOrd="0" presId="urn:microsoft.com/office/officeart/2005/8/layout/vList5"/>
+  </dgm:cxnLst>
+  <dgm:bg/>
+  <dgm:whole/>
+  <dgm:extLst>
+    <a:ext uri="http://schemas.microsoft.com/office/drawing/2008/diagram">
+      <dsp:dataModelExt xmlns:dsp="http://schemas.microsoft.com/office/drawing/2008/diagram" relId="rId6" minVer="http://schemas.openxmlformats.org/drawingml/2006/diagram"/>
+    </a:ext>
+  </dgm:extLst>
+</dgm:dataModel>
+</file>
+
+<file path=ppt/diagrams/data2.xml><?xml version="1.0" encoding="utf-8"?>
+<dgm:dataModel xmlns:dgm="http://schemas.openxmlformats.org/drawingml/2006/diagram" xmlns:a="http://schemas.openxmlformats.org/drawingml/2006/main">
+  <dgm:ptLst>
+    <dgm:pt modelId="{B4D8C2EB-657B-4873-9225-3535DE7B6DB6}" type="doc">
+      <dgm:prSet loTypeId="urn:microsoft.com/office/officeart/2005/8/layout/vList5" loCatId="list" qsTypeId="urn:microsoft.com/office/officeart/2005/8/quickstyle/simple1" qsCatId="simple" csTypeId="urn:microsoft.com/office/officeart/2005/8/colors/accent1_2" csCatId="accent1" phldr="1"/>
+      <dgm:spPr/>
+      <dgm:t>
+        <a:bodyPr/>
+        <a:lstStyle/>
+        <a:p>
+          <a:endParaRPr lang="en-US"/>
+        </a:p>
+      </dgm:t>
+    </dgm:pt>
+    <dgm:pt modelId="{EFE587F7-10FC-47EB-893F-9CF2450C0878}">
+      <dgm:prSet/>
+      <dgm:spPr/>
+      <dgm:t>
+        <a:bodyPr/>
+        <a:lstStyle/>
+        <a:p>
+          <a:pPr rtl="0"/>
+          <a:r>
+            <a:rPr lang="en-US" smtClean="0"/>
+            <a:t>Convert RDFa to RDF/XML</a:t>
+          </a:r>
+          <a:endParaRPr lang="en-US"/>
+        </a:p>
+      </dgm:t>
+    </dgm:pt>
+    <dgm:pt modelId="{E2A70233-FF80-41DC-BAE5-F61326C82006}" type="parTrans" cxnId="{CDF4B499-A80D-4F4C-A918-1134F58CB062}">
+      <dgm:prSet/>
+      <dgm:spPr/>
+      <dgm:t>
+        <a:bodyPr/>
+        <a:lstStyle/>
+        <a:p>
+          <a:endParaRPr lang="en-US"/>
+        </a:p>
+      </dgm:t>
+    </dgm:pt>
+    <dgm:pt modelId="{FC2D358F-C2F0-4996-A310-25B60A5C8879}" type="sibTrans" cxnId="{CDF4B499-A80D-4F4C-A918-1134F58CB062}">
+      <dgm:prSet/>
+      <dgm:spPr/>
+      <dgm:t>
+        <a:bodyPr/>
+        <a:lstStyle/>
+        <a:p>
+          <a:endParaRPr lang="en-US"/>
+        </a:p>
+      </dgm:t>
+    </dgm:pt>
+    <dgm:pt modelId="{693F66A8-1C99-486F-8A70-29B74D89704F}">
+      <dgm:prSet/>
+      <dgm:spPr/>
+      <dgm:t>
+        <a:bodyPr/>
+        <a:lstStyle/>
+        <a:p>
+          <a:pPr rtl="0"/>
+          <a:r>
+            <a:rPr lang="en-US" dirty="0" smtClean="0"/>
+            <a:t>POST /convert/{detect}/{pretty-xml}/{</a:t>
+          </a:r>
+          <a:r>
+            <a:rPr lang="en-US" dirty="0" err="1" smtClean="0"/>
+            <a:t>uri</a:t>
+          </a:r>
+          <a:r>
+            <a:rPr lang="en-US" dirty="0" smtClean="0"/>
+            <a:t>}</a:t>
+          </a:r>
+          <a:endParaRPr lang="en-US" dirty="0"/>
+        </a:p>
+      </dgm:t>
+    </dgm:pt>
+    <dgm:pt modelId="{CCEE4C04-E395-418A-A440-09C73101AEAC}" type="parTrans" cxnId="{D81B6506-0F58-44D1-8A00-0A8689F43C63}">
+      <dgm:prSet/>
+      <dgm:spPr/>
+      <dgm:t>
+        <a:bodyPr/>
+        <a:lstStyle/>
+        <a:p>
+          <a:endParaRPr lang="en-US"/>
+        </a:p>
+      </dgm:t>
+    </dgm:pt>
+    <dgm:pt modelId="{AD338EC0-9D5B-49E4-B474-008185B5F714}" type="sibTrans" cxnId="{D81B6506-0F58-44D1-8A00-0A8689F43C63}">
+      <dgm:prSet/>
+      <dgm:spPr/>
+      <dgm:t>
+        <a:bodyPr/>
+        <a:lstStyle/>
+        <a:p>
+          <a:endParaRPr lang="en-US"/>
+        </a:p>
+      </dgm:t>
+    </dgm:pt>
+    <dgm:pt modelId="{D751B320-2932-4856-BFF6-2F9C102EA42D}">
+      <dgm:prSet/>
+      <dgm:spPr/>
+      <dgm:t>
+        <a:bodyPr/>
+        <a:lstStyle/>
+        <a:p>
+          <a:pPr rtl="0"/>
+          <a:r>
+            <a:rPr lang="en-US" smtClean="0"/>
+            <a:t>Parameters :  {detect} – input , {pretty-xml} – output, {uri} - url</a:t>
+          </a:r>
+          <a:endParaRPr lang="en-US"/>
+        </a:p>
+      </dgm:t>
+    </dgm:pt>
+    <dgm:pt modelId="{4E0ED6CD-C87A-401D-A460-A59FF156C976}" type="parTrans" cxnId="{2761D809-4420-4DBD-80E2-9C893E9C301D}">
+      <dgm:prSet/>
+      <dgm:spPr/>
+      <dgm:t>
+        <a:bodyPr/>
+        <a:lstStyle/>
+        <a:p>
+          <a:endParaRPr lang="en-US"/>
+        </a:p>
+      </dgm:t>
+    </dgm:pt>
+    <dgm:pt modelId="{2B4F7021-C775-472E-B4AC-D95B39D1B58A}" type="sibTrans" cxnId="{2761D809-4420-4DBD-80E2-9C893E9C301D}">
+      <dgm:prSet/>
+      <dgm:spPr/>
+      <dgm:t>
+        <a:bodyPr/>
+        <a:lstStyle/>
+        <a:p>
+          <a:endParaRPr lang="en-US"/>
+        </a:p>
+      </dgm:t>
+    </dgm:pt>
+    <dgm:pt modelId="{796C6F3D-85FF-431E-B693-FE5B25F5A01C}">
+      <dgm:prSet/>
+      <dgm:spPr/>
+      <dgm:t>
+        <a:bodyPr/>
+        <a:lstStyle/>
+        <a:p>
+          <a:pPr rtl="0"/>
+          <a:r>
+            <a:rPr lang="en-US" smtClean="0"/>
+            <a:t>Response:</a:t>
+          </a:r>
+          <a:endParaRPr lang="en-US"/>
+        </a:p>
+      </dgm:t>
+    </dgm:pt>
+    <dgm:pt modelId="{2600DFE9-D454-4F92-95F6-E5DEF646BACA}" type="parTrans" cxnId="{43FBDF97-5BDF-4FC2-9E62-51B6C132850F}">
+      <dgm:prSet/>
+      <dgm:spPr/>
+      <dgm:t>
+        <a:bodyPr/>
+        <a:lstStyle/>
+        <a:p>
+          <a:endParaRPr lang="en-US"/>
+        </a:p>
+      </dgm:t>
+    </dgm:pt>
+    <dgm:pt modelId="{3FBCC459-2975-4921-A997-119CADE6AB81}" type="sibTrans" cxnId="{43FBDF97-5BDF-4FC2-9E62-51B6C132850F}">
+      <dgm:prSet/>
+      <dgm:spPr/>
+      <dgm:t>
+        <a:bodyPr/>
+        <a:lstStyle/>
+        <a:p>
+          <a:endParaRPr lang="en-US"/>
+        </a:p>
+      </dgm:t>
+    </dgm:pt>
+    <dgm:pt modelId="{63729AD7-5314-44EE-BF60-6BD038087F3A}">
+      <dgm:prSet/>
+      <dgm:spPr/>
+      <dgm:t>
+        <a:bodyPr/>
+        <a:lstStyle/>
+        <a:p>
+          <a:pPr rtl="0"/>
+          <a:r>
+            <a:rPr lang="en-US" smtClean="0"/>
+            <a:t>HTTP/1.1 200 OK</a:t>
+          </a:r>
+          <a:endParaRPr lang="en-US"/>
+        </a:p>
+      </dgm:t>
+    </dgm:pt>
+    <dgm:pt modelId="{AA153BF1-50C7-4B18-A2F1-CAF8ACC36BA1}" type="parTrans" cxnId="{FB6AB0CC-8E19-426B-A318-2B3C238EA0F0}">
+      <dgm:prSet/>
+      <dgm:spPr/>
+      <dgm:t>
+        <a:bodyPr/>
+        <a:lstStyle/>
+        <a:p>
+          <a:endParaRPr lang="en-US"/>
+        </a:p>
+      </dgm:t>
+    </dgm:pt>
+    <dgm:pt modelId="{ED217107-A92F-4C5F-87EA-AB9C1B7F0015}" type="sibTrans" cxnId="{FB6AB0CC-8E19-426B-A318-2B3C238EA0F0}">
+      <dgm:prSet/>
+      <dgm:spPr/>
+      <dgm:t>
+        <a:bodyPr/>
+        <a:lstStyle/>
+        <a:p>
+          <a:endParaRPr lang="en-US"/>
+        </a:p>
+      </dgm:t>
+    </dgm:pt>
+    <dgm:pt modelId="{F7A9C7AF-4AF5-46AB-B677-52EC8ED63C0C}">
+      <dgm:prSet/>
+      <dgm:spPr/>
+      <dgm:t>
+        <a:bodyPr/>
+        <a:lstStyle/>
+        <a:p>
+          <a:pPr rtl="0"/>
+          <a:r>
+            <a:rPr lang="en-US" smtClean="0"/>
+            <a:t>Content-Type: application/rdf+xml; charset=utf-8</a:t>
+          </a:r>
+          <a:endParaRPr lang="en-US"/>
+        </a:p>
+      </dgm:t>
+    </dgm:pt>
+    <dgm:pt modelId="{5A228936-5F98-4EF7-9C99-46C3D4EC5C34}" type="parTrans" cxnId="{566746D8-AFA5-4394-AF5D-D8AE21D17E24}">
+      <dgm:prSet/>
+      <dgm:spPr/>
+      <dgm:t>
+        <a:bodyPr/>
+        <a:lstStyle/>
+        <a:p>
+          <a:endParaRPr lang="en-US"/>
+        </a:p>
+      </dgm:t>
+    </dgm:pt>
+    <dgm:pt modelId="{C6AFB9D6-43A0-4C29-96FB-8365623310C3}" type="sibTrans" cxnId="{566746D8-AFA5-4394-AF5D-D8AE21D17E24}">
+      <dgm:prSet/>
+      <dgm:spPr/>
+      <dgm:t>
+        <a:bodyPr/>
+        <a:lstStyle/>
+        <a:p>
+          <a:endParaRPr lang="en-US"/>
+        </a:p>
+      </dgm:t>
+    </dgm:pt>
+    <dgm:pt modelId="{907B7CD8-847D-4067-9A07-05D79B56BF4F}">
+      <dgm:prSet/>
+      <dgm:spPr/>
+      <dgm:t>
+        <a:bodyPr/>
+        <a:lstStyle/>
+        <a:p>
+          <a:pPr rtl="0"/>
+          <a:endParaRPr lang="en-US"/>
+        </a:p>
+      </dgm:t>
+    </dgm:pt>
+    <dgm:pt modelId="{51244509-CC85-40AD-8D18-2F25FF932E63}" type="parTrans" cxnId="{F3136043-88E3-4397-8AC5-618A8ABACC5B}">
+      <dgm:prSet/>
+      <dgm:spPr/>
+      <dgm:t>
+        <a:bodyPr/>
+        <a:lstStyle/>
+        <a:p>
+          <a:endParaRPr lang="en-US"/>
+        </a:p>
+      </dgm:t>
+    </dgm:pt>
+    <dgm:pt modelId="{AD4D2327-773A-4137-9C11-F517B4460624}" type="sibTrans" cxnId="{F3136043-88E3-4397-8AC5-618A8ABACC5B}">
+      <dgm:prSet/>
+      <dgm:spPr/>
+      <dgm:t>
+        <a:bodyPr/>
+        <a:lstStyle/>
+        <a:p>
+          <a:endParaRPr lang="en-US"/>
+        </a:p>
+      </dgm:t>
+    </dgm:pt>
+    <dgm:pt modelId="{1875B551-F0AF-4F97-9175-97969CF05E7F}">
+      <dgm:prSet/>
+      <dgm:spPr/>
+      <dgm:t>
+        <a:bodyPr/>
+        <a:lstStyle/>
+        <a:p>
+          <a:pPr rtl="0"/>
+          <a:r>
+            <a:rPr lang="en-US" dirty="0" smtClean="0"/>
+            <a:t>&lt;?xml version="1.0" encoding="utf-8"?&gt;</a:t>
+          </a:r>
+          <a:endParaRPr lang="en-US" dirty="0"/>
+        </a:p>
+      </dgm:t>
+    </dgm:pt>
+    <dgm:pt modelId="{A31D4556-96B7-461A-B99F-F1ECDF55D4B5}" type="parTrans" cxnId="{F4ED74D0-311D-4B22-9A62-747B225E34C4}">
+      <dgm:prSet/>
+      <dgm:spPr/>
+      <dgm:t>
+        <a:bodyPr/>
+        <a:lstStyle/>
+        <a:p>
+          <a:endParaRPr lang="en-US"/>
+        </a:p>
+      </dgm:t>
+    </dgm:pt>
+    <dgm:pt modelId="{F4442E90-7E17-417B-8EEF-63EC16E24157}" type="sibTrans" cxnId="{F4ED74D0-311D-4B22-9A62-747B225E34C4}">
+      <dgm:prSet/>
+      <dgm:spPr/>
+      <dgm:t>
+        <a:bodyPr/>
+        <a:lstStyle/>
+        <a:p>
+          <a:endParaRPr lang="en-US"/>
+        </a:p>
+      </dgm:t>
+    </dgm:pt>
+    <dgm:pt modelId="{9B9BEFA9-7442-4B7F-9AD8-63C3B7018457}">
+      <dgm:prSet/>
+      <dgm:spPr/>
+      <dgm:t>
+        <a:bodyPr/>
+        <a:lstStyle/>
+        <a:p>
+          <a:pPr rtl="0"/>
+          <a:r>
+            <a:rPr lang="en-US" dirty="0" smtClean="0"/>
+            <a:t>&lt;</a:t>
+          </a:r>
+          <a:r>
+            <a:rPr lang="en-US" dirty="0" err="1" smtClean="0"/>
+            <a:t>rdf:RDF</a:t>
+          </a:r>
+          <a:r>
+            <a:rPr lang="en-US" dirty="0" smtClean="0"/>
+            <a:t>  </a:t>
+          </a:r>
+          <a:r>
+            <a:rPr lang="en-US" dirty="0" err="1" smtClean="0"/>
+            <a:t>xmlns:rdf</a:t>
+          </a:r>
+          <a:r>
+            <a:rPr lang="en-US" dirty="0" smtClean="0"/>
+            <a:t>=</a:t>
+          </a:r>
+          <a:r>
+            <a:rPr lang="en-US" dirty="0" smtClean="0">
+              <a:hlinkClick xmlns:r="http://schemas.openxmlformats.org/officeDocument/2006/relationships" r:id="rId1"/>
+            </a:rPr>
+            <a:t>http://www.w3.org/1999/02/22-rdf-syntax-ns#</a:t>
+          </a:r>
+          <a:endParaRPr lang="en-US" dirty="0"/>
+        </a:p>
+      </dgm:t>
+    </dgm:pt>
+    <dgm:pt modelId="{CA9DB4F7-55FF-4A88-A0E7-565E6230B7D9}" type="parTrans" cxnId="{6BE6DBC6-809B-45C9-8FA7-405E85508C1F}">
+      <dgm:prSet/>
+      <dgm:spPr/>
+      <dgm:t>
+        <a:bodyPr/>
+        <a:lstStyle/>
+        <a:p>
+          <a:endParaRPr lang="en-US"/>
+        </a:p>
+      </dgm:t>
+    </dgm:pt>
+    <dgm:pt modelId="{2DF54CF7-DD7F-4E41-9387-DD8133C5BE5E}" type="sibTrans" cxnId="{6BE6DBC6-809B-45C9-8FA7-405E85508C1F}">
+      <dgm:prSet/>
+      <dgm:spPr/>
+      <dgm:t>
+        <a:bodyPr/>
+        <a:lstStyle/>
+        <a:p>
+          <a:endParaRPr lang="en-US"/>
+        </a:p>
+      </dgm:t>
+    </dgm:pt>
+    <dgm:pt modelId="{38AC03CB-9735-462A-B4C0-48C990F179B0}">
+      <dgm:prSet/>
+      <dgm:spPr/>
+      <dgm:t>
+        <a:bodyPr/>
+        <a:lstStyle/>
+        <a:p>
+          <a:pPr rtl="0"/>
+          <a:r>
+            <a:rPr lang="en-US" dirty="0" smtClean="0"/>
+            <a:t>             </a:t>
+          </a:r>
+          <a:r>
+            <a:rPr lang="en-US" dirty="0" err="1" smtClean="0"/>
+            <a:t>xmlns:rdfa</a:t>
+          </a:r>
+          <a:r>
+            <a:rPr lang="en-US" dirty="0" smtClean="0"/>
+            <a:t>="http://www.w3.org/ns/rdfa#"                                             </a:t>
+          </a:r>
+          <a:r>
+            <a:rPr lang="en-US" dirty="0" err="1" smtClean="0"/>
+            <a:t>xmlns:schema</a:t>
+          </a:r>
+          <a:r>
+            <a:rPr lang="en-US" dirty="0" smtClean="0"/>
+            <a:t>="http://schema.org/"&gt;</a:t>
+          </a:r>
+          <a:endParaRPr lang="en-US" dirty="0"/>
+        </a:p>
+      </dgm:t>
+    </dgm:pt>
+    <dgm:pt modelId="{DF2F8EAA-C005-4DC0-8A51-000731D949D0}" type="parTrans" cxnId="{37E628A2-EF27-4416-8AD2-4AF2286FB663}">
+      <dgm:prSet/>
+      <dgm:spPr/>
+      <dgm:t>
+        <a:bodyPr/>
+        <a:lstStyle/>
+        <a:p>
+          <a:endParaRPr lang="en-US"/>
+        </a:p>
+      </dgm:t>
+    </dgm:pt>
+    <dgm:pt modelId="{C63D97DF-4CD8-4057-A507-5436959670D4}" type="sibTrans" cxnId="{37E628A2-EF27-4416-8AD2-4AF2286FB663}">
+      <dgm:prSet/>
+      <dgm:spPr/>
+      <dgm:t>
+        <a:bodyPr/>
+        <a:lstStyle/>
+        <a:p>
+          <a:endParaRPr lang="en-US"/>
+        </a:p>
+      </dgm:t>
+    </dgm:pt>
+    <dgm:pt modelId="{38BDE1E2-296B-48A4-A9B8-0CE84FB987DC}">
+      <dgm:prSet/>
+      <dgm:spPr/>
+      <dgm:t>
+        <a:bodyPr/>
+        <a:lstStyle/>
+        <a:p>
+          <a:pPr rtl="0"/>
+          <a:r>
+            <a:rPr lang="en-US" dirty="0" smtClean="0"/>
+            <a:t>&lt;</a:t>
+          </a:r>
+          <a:r>
+            <a:rPr lang="en-US" dirty="0" err="1" smtClean="0"/>
+            <a:t>schema:Review</a:t>
+          </a:r>
+          <a:r>
+            <a:rPr lang="en-US" dirty="0" smtClean="0"/>
+            <a:t> </a:t>
+          </a:r>
+          <a:r>
+            <a:rPr lang="en-US" dirty="0" err="1" smtClean="0"/>
+            <a:t>rdf:nodeID</a:t>
+          </a:r>
+          <a:r>
+            <a:rPr lang="en-US" dirty="0" smtClean="0"/>
+            <a:t>="N81e6c286b22945d9a8e10c5c0812e166"&gt;</a:t>
+          </a:r>
+          <a:endParaRPr lang="en-US" dirty="0"/>
+        </a:p>
+      </dgm:t>
+    </dgm:pt>
+    <dgm:pt modelId="{BE8CE4A0-6F9F-4BDF-8E3A-48B5D5A7A325}" type="parTrans" cxnId="{3750E736-9117-438C-9414-F35873FB568D}">
+      <dgm:prSet/>
+      <dgm:spPr/>
+      <dgm:t>
+        <a:bodyPr/>
+        <a:lstStyle/>
+        <a:p>
+          <a:endParaRPr lang="en-US"/>
+        </a:p>
+      </dgm:t>
+    </dgm:pt>
+    <dgm:pt modelId="{0FCC6341-60AD-4FB8-968A-42E63E432F8A}" type="sibTrans" cxnId="{3750E736-9117-438C-9414-F35873FB568D}">
+      <dgm:prSet/>
+      <dgm:spPr/>
+      <dgm:t>
+        <a:bodyPr/>
+        <a:lstStyle/>
+        <a:p>
+          <a:endParaRPr lang="en-US"/>
+        </a:p>
+      </dgm:t>
+    </dgm:pt>
+    <dgm:pt modelId="{9E4D539F-E41A-4B09-8D9D-80128CDC35C5}">
+      <dgm:prSet/>
+      <dgm:spPr/>
+      <dgm:t>
+        <a:bodyPr/>
+        <a:lstStyle/>
+        <a:p>
+          <a:pPr rtl="0"/>
+          <a:r>
+            <a:rPr lang="en-US" dirty="0" smtClean="0"/>
+            <a:t>&lt;</a:t>
+          </a:r>
+          <a:r>
+            <a:rPr lang="en-US" dirty="0" err="1" smtClean="0"/>
+            <a:t>schema:reviewRating</a:t>
+          </a:r>
+          <a:r>
+            <a:rPr lang="en-US" dirty="0" smtClean="0"/>
+            <a:t>&gt;</a:t>
+          </a:r>
+          <a:endParaRPr lang="en-US" dirty="0"/>
+        </a:p>
+      </dgm:t>
+    </dgm:pt>
+    <dgm:pt modelId="{125E81EA-3EF3-4A2E-A9D8-972EC0942588}" type="parTrans" cxnId="{E4FE45C0-91EB-4D31-8CD3-491404EF2A6F}">
+      <dgm:prSet/>
+      <dgm:spPr/>
+      <dgm:t>
+        <a:bodyPr/>
+        <a:lstStyle/>
+        <a:p>
+          <a:endParaRPr lang="en-US"/>
+        </a:p>
+      </dgm:t>
+    </dgm:pt>
+    <dgm:pt modelId="{2D5ECCA8-4CDB-4F94-92F5-E9097CD6D436}" type="sibTrans" cxnId="{E4FE45C0-91EB-4D31-8CD3-491404EF2A6F}">
+      <dgm:prSet/>
+      <dgm:spPr/>
+      <dgm:t>
+        <a:bodyPr/>
+        <a:lstStyle/>
+        <a:p>
+          <a:endParaRPr lang="en-US"/>
+        </a:p>
+      </dgm:t>
+    </dgm:pt>
+    <dgm:pt modelId="{CDD015F5-8B00-4200-82C8-8AA33BEB5D6E}">
+      <dgm:prSet/>
+      <dgm:spPr/>
+      <dgm:t>
+        <a:bodyPr/>
+        <a:lstStyle/>
+        <a:p>
+          <a:pPr rtl="0"/>
+          <a:r>
+            <a:rPr lang="en-US" dirty="0" smtClean="0"/>
+            <a:t>  &lt;/</a:t>
+          </a:r>
+          <a:r>
+            <a:rPr lang="en-US" dirty="0" err="1" smtClean="0"/>
+            <a:t>schema:reviewRating</a:t>
+          </a:r>
+          <a:r>
+            <a:rPr lang="en-US" dirty="0" smtClean="0"/>
+            <a:t>&gt;</a:t>
+          </a:r>
+          <a:endParaRPr lang="en-US" dirty="0"/>
+        </a:p>
+      </dgm:t>
+    </dgm:pt>
+    <dgm:pt modelId="{E152EBEC-0770-40C4-BEDD-B1AD73F32ABD}" type="parTrans" cxnId="{8174701A-3E97-43AD-B9AD-8970F4D3C1C1}">
+      <dgm:prSet/>
+      <dgm:spPr/>
+      <dgm:t>
+        <a:bodyPr/>
+        <a:lstStyle/>
+        <a:p>
+          <a:endParaRPr lang="en-US"/>
+        </a:p>
+      </dgm:t>
+    </dgm:pt>
+    <dgm:pt modelId="{B3A3CC7F-A070-4054-BBD6-984D8C98C12B}" type="sibTrans" cxnId="{8174701A-3E97-43AD-B9AD-8970F4D3C1C1}">
+      <dgm:prSet/>
+      <dgm:spPr/>
+      <dgm:t>
+        <a:bodyPr/>
+        <a:lstStyle/>
+        <a:p>
+          <a:endParaRPr lang="en-US"/>
+        </a:p>
+      </dgm:t>
+    </dgm:pt>
+    <dgm:pt modelId="{6EE67EBB-485D-4C83-B5FD-6B8317D14500}">
+      <dgm:prSet/>
+      <dgm:spPr/>
+      <dgm:t>
+        <a:bodyPr/>
+        <a:lstStyle/>
+        <a:p>
+          <a:pPr rtl="0"/>
+          <a:r>
+            <a:rPr lang="en-US" dirty="0" smtClean="0"/>
+            <a:t> &lt;/</a:t>
+          </a:r>
+          <a:r>
+            <a:rPr lang="en-US" dirty="0" err="1" smtClean="0"/>
+            <a:t>schema:Review</a:t>
+          </a:r>
+          <a:r>
+            <a:rPr lang="en-US" dirty="0" smtClean="0"/>
+            <a:t>&gt;</a:t>
+          </a:r>
+          <a:endParaRPr lang="en-US" dirty="0"/>
+        </a:p>
+      </dgm:t>
+    </dgm:pt>
+    <dgm:pt modelId="{17D8C809-8BB0-4831-A728-B2BB10D32730}" type="parTrans" cxnId="{26DB4607-9623-4570-8C01-32C1D81E94EA}">
+      <dgm:prSet/>
+      <dgm:spPr/>
+      <dgm:t>
+        <a:bodyPr/>
+        <a:lstStyle/>
+        <a:p>
+          <a:endParaRPr lang="en-US"/>
+        </a:p>
+      </dgm:t>
+    </dgm:pt>
+    <dgm:pt modelId="{970E4DDE-96F7-465F-B87F-9A2C3D73E69E}" type="sibTrans" cxnId="{26DB4607-9623-4570-8C01-32C1D81E94EA}">
+      <dgm:prSet/>
+      <dgm:spPr/>
+      <dgm:t>
+        <a:bodyPr/>
+        <a:lstStyle/>
+        <a:p>
+          <a:endParaRPr lang="en-US"/>
+        </a:p>
+      </dgm:t>
+    </dgm:pt>
+    <dgm:pt modelId="{068BD4E6-C4B3-4BB7-9AB0-17BB6A2761CE}">
+      <dgm:prSet/>
+      <dgm:spPr/>
+      <dgm:t>
+        <a:bodyPr/>
+        <a:lstStyle/>
+        <a:p>
+          <a:pPr rtl="0"/>
+          <a:r>
+            <a:rPr lang="en-US" dirty="0" smtClean="0"/>
+            <a:t>&lt;/</a:t>
+          </a:r>
+          <a:r>
+            <a:rPr lang="en-US" dirty="0" err="1" smtClean="0"/>
+            <a:t>rdf:RDF</a:t>
+          </a:r>
+          <a:r>
+            <a:rPr lang="en-US" dirty="0" smtClean="0"/>
+            <a:t>&gt;</a:t>
+          </a:r>
+          <a:endParaRPr lang="en-US" dirty="0"/>
+        </a:p>
+      </dgm:t>
+    </dgm:pt>
+    <dgm:pt modelId="{3265876E-BEAA-48AC-A7A0-876D7D71E0E6}" type="parTrans" cxnId="{4E4675AB-19D5-47A2-A427-79F8CE8A5517}">
+      <dgm:prSet/>
+      <dgm:spPr/>
+      <dgm:t>
+        <a:bodyPr/>
+        <a:lstStyle/>
+        <a:p>
+          <a:endParaRPr lang="en-US"/>
+        </a:p>
+      </dgm:t>
+    </dgm:pt>
+    <dgm:pt modelId="{72C14AD5-BD16-4B83-927C-E65B023BF452}" type="sibTrans" cxnId="{4E4675AB-19D5-47A2-A427-79F8CE8A5517}">
+      <dgm:prSet/>
+      <dgm:spPr/>
+      <dgm:t>
+        <a:bodyPr/>
+        <a:lstStyle/>
+        <a:p>
+          <a:endParaRPr lang="en-US"/>
+        </a:p>
+      </dgm:t>
+    </dgm:pt>
+    <dgm:pt modelId="{ED6D938F-4FD7-4F03-B534-CED55803F63F}">
+      <dgm:prSet/>
+      <dgm:spPr/>
+      <dgm:t>
+        <a:bodyPr/>
+        <a:lstStyle/>
+        <a:p>
+          <a:pPr rtl="0"/>
+          <a:r>
+            <a:rPr lang="en-US" dirty="0" smtClean="0"/>
+            <a:t>     5/ 5stars</a:t>
+          </a:r>
+          <a:endParaRPr lang="en-US" dirty="0"/>
+        </a:p>
+      </dgm:t>
+    </dgm:pt>
+    <dgm:pt modelId="{BB599F5E-A5B9-44F8-97E6-DF9FCD692EF0}" type="parTrans" cxnId="{4108EBB3-9FC0-45B6-B849-DF7ACC5997AC}">
+      <dgm:prSet/>
+      <dgm:spPr/>
+      <dgm:t>
+        <a:bodyPr/>
+        <a:lstStyle/>
+        <a:p>
+          <a:endParaRPr lang="en-US"/>
+        </a:p>
+      </dgm:t>
+    </dgm:pt>
+    <dgm:pt modelId="{963A2F26-4F72-43B4-9DE6-6D52DA85FB6A}" type="sibTrans" cxnId="{4108EBB3-9FC0-45B6-B849-DF7ACC5997AC}">
+      <dgm:prSet/>
+      <dgm:spPr/>
+      <dgm:t>
+        <a:bodyPr/>
+        <a:lstStyle/>
+        <a:p>
+          <a:endParaRPr lang="en-US"/>
+        </a:p>
+      </dgm:t>
+    </dgm:pt>
+    <dgm:pt modelId="{7C44955F-EB0C-40F9-8B38-3CE1DDD7EAEC}" type="pres">
+      <dgm:prSet presAssocID="{B4D8C2EB-657B-4873-9225-3535DE7B6DB6}" presName="Name0" presStyleCnt="0">
+        <dgm:presLayoutVars>
+          <dgm:dir/>
+          <dgm:animLvl val="lvl"/>
+          <dgm:resizeHandles val="exact"/>
+        </dgm:presLayoutVars>
+      </dgm:prSet>
+      <dgm:spPr/>
+    </dgm:pt>
+    <dgm:pt modelId="{E4FA2293-8FDB-4303-AC74-4FF7B1862BD1}" type="pres">
+      <dgm:prSet presAssocID="{EFE587F7-10FC-47EB-893F-9CF2450C0878}" presName="linNode" presStyleCnt="0"/>
+      <dgm:spPr/>
+    </dgm:pt>
+    <dgm:pt modelId="{A11DF670-2988-45AC-AE31-3EB7DCDB4D30}" type="pres">
+      <dgm:prSet presAssocID="{EFE587F7-10FC-47EB-893F-9CF2450C0878}" presName="parentText" presStyleLbl="node1" presStyleIdx="0" presStyleCnt="4" custScaleX="177067">
+        <dgm:presLayoutVars>
+          <dgm:chMax val="1"/>
+          <dgm:bulletEnabled val="1"/>
+        </dgm:presLayoutVars>
+      </dgm:prSet>
+      <dgm:spPr/>
+    </dgm:pt>
+    <dgm:pt modelId="{9DD1BE67-738F-4822-9F77-F754FCDE55C5}" type="pres">
+      <dgm:prSet presAssocID="{FC2D358F-C2F0-4996-A310-25B60A5C8879}" presName="sp" presStyleCnt="0"/>
+      <dgm:spPr/>
+    </dgm:pt>
+    <dgm:pt modelId="{3342BF69-502D-4871-9241-C31B3B57F7B9}" type="pres">
+      <dgm:prSet presAssocID="{693F66A8-1C99-486F-8A70-29B74D89704F}" presName="linNode" presStyleCnt="0"/>
+      <dgm:spPr/>
+    </dgm:pt>
+    <dgm:pt modelId="{6DF9C006-7BBB-4546-96FD-CFC4F08587FB}" type="pres">
+      <dgm:prSet presAssocID="{693F66A8-1C99-486F-8A70-29B74D89704F}" presName="parentText" presStyleLbl="node1" presStyleIdx="1" presStyleCnt="4" custScaleX="145526">
+        <dgm:presLayoutVars>
+          <dgm:chMax val="1"/>
+          <dgm:bulletEnabled val="1"/>
+        </dgm:presLayoutVars>
+      </dgm:prSet>
+      <dgm:spPr/>
+    </dgm:pt>
+    <dgm:pt modelId="{E499D2F3-9190-4EA3-8D91-7D128992369A}" type="pres">
+      <dgm:prSet presAssocID="{AD338EC0-9D5B-49E4-B474-008185B5F714}" presName="sp" presStyleCnt="0"/>
+      <dgm:spPr/>
+    </dgm:pt>
+    <dgm:pt modelId="{1DBB6D76-5145-49A6-8E71-A37A859FB40E}" type="pres">
+      <dgm:prSet presAssocID="{D751B320-2932-4856-BFF6-2F9C102EA42D}" presName="linNode" presStyleCnt="0"/>
+      <dgm:spPr/>
+    </dgm:pt>
+    <dgm:pt modelId="{F3FA19F6-667F-448B-9031-03E48583DFAE}" type="pres">
+      <dgm:prSet presAssocID="{D751B320-2932-4856-BFF6-2F9C102EA42D}" presName="parentText" presStyleLbl="node1" presStyleIdx="2" presStyleCnt="4">
+        <dgm:presLayoutVars>
+          <dgm:chMax val="1"/>
+          <dgm:bulletEnabled val="1"/>
+        </dgm:presLayoutVars>
+      </dgm:prSet>
+      <dgm:spPr/>
+    </dgm:pt>
+    <dgm:pt modelId="{4980C328-376B-4444-953B-B449558BE948}" type="pres">
+      <dgm:prSet presAssocID="{2B4F7021-C775-472E-B4AC-D95B39D1B58A}" presName="sp" presStyleCnt="0"/>
+      <dgm:spPr/>
+    </dgm:pt>
+    <dgm:pt modelId="{B2A45A00-FE31-4FFF-9DE5-56A9D07E3525}" type="pres">
+      <dgm:prSet presAssocID="{796C6F3D-85FF-431E-B693-FE5B25F5A01C}" presName="linNode" presStyleCnt="0"/>
+      <dgm:spPr/>
+    </dgm:pt>
+    <dgm:pt modelId="{780A23D4-553F-4BAF-B937-ACACBAA53F97}" type="pres">
+      <dgm:prSet presAssocID="{796C6F3D-85FF-431E-B693-FE5B25F5A01C}" presName="parentText" presStyleLbl="node1" presStyleIdx="3" presStyleCnt="4" custLinFactY="-26206" custLinFactNeighborX="-76" custLinFactNeighborY="-100000">
+        <dgm:presLayoutVars>
+          <dgm:chMax val="1"/>
+          <dgm:bulletEnabled val="1"/>
+        </dgm:presLayoutVars>
+      </dgm:prSet>
+      <dgm:spPr/>
+    </dgm:pt>
+    <dgm:pt modelId="{E4B8D8F6-A6F8-4AFD-B808-3D74C570E9B8}" type="pres">
+      <dgm:prSet presAssocID="{796C6F3D-85FF-431E-B693-FE5B25F5A01C}" presName="descendantText" presStyleLbl="alignAccFollowNode1" presStyleIdx="0" presStyleCnt="1" custScaleX="143186" custScaleY="525226">
+        <dgm:presLayoutVars>
+          <dgm:bulletEnabled val="1"/>
+        </dgm:presLayoutVars>
+      </dgm:prSet>
+      <dgm:spPr/>
+      <dgm:t>
+        <a:bodyPr/>
+        <a:lstStyle/>
+        <a:p>
+          <a:endParaRPr lang="en-US"/>
+        </a:p>
+      </dgm:t>
+    </dgm:pt>
+  </dgm:ptLst>
+  <dgm:cxnLst>
+    <dgm:cxn modelId="{43FBDF97-5BDF-4FC2-9E62-51B6C132850F}" srcId="{B4D8C2EB-657B-4873-9225-3535DE7B6DB6}" destId="{796C6F3D-85FF-431E-B693-FE5B25F5A01C}" srcOrd="3" destOrd="0" parTransId="{2600DFE9-D454-4F92-95F6-E5DEF646BACA}" sibTransId="{3FBCC459-2975-4921-A997-119CADE6AB81}"/>
+    <dgm:cxn modelId="{C9CE3474-FC91-4A9E-BE94-FA55865D9A36}" type="presOf" srcId="{068BD4E6-C4B3-4BB7-9AB0-17BB6A2761CE}" destId="{E4B8D8F6-A6F8-4AFD-B808-3D74C570E9B8}" srcOrd="0" destOrd="11" presId="urn:microsoft.com/office/officeart/2005/8/layout/vList5"/>
+    <dgm:cxn modelId="{37E628A2-EF27-4416-8AD2-4AF2286FB663}" srcId="{796C6F3D-85FF-431E-B693-FE5B25F5A01C}" destId="{38AC03CB-9735-462A-B4C0-48C990F179B0}" srcOrd="2" destOrd="0" parTransId="{DF2F8EAA-C005-4DC0-8A51-000731D949D0}" sibTransId="{C63D97DF-4CD8-4057-A507-5436959670D4}"/>
+    <dgm:cxn modelId="{F4ED74D0-311D-4B22-9A62-747B225E34C4}" srcId="{F7A9C7AF-4AF5-46AB-B677-52EC8ED63C0C}" destId="{1875B551-F0AF-4F97-9175-97969CF05E7F}" srcOrd="1" destOrd="0" parTransId="{A31D4556-96B7-461A-B99F-F1ECDF55D4B5}" sibTransId="{F4442E90-7E17-417B-8EEF-63EC16E24157}"/>
+    <dgm:cxn modelId="{54D3D52D-1C13-4633-B45E-642A9464F973}" type="presOf" srcId="{693F66A8-1C99-486F-8A70-29B74D89704F}" destId="{6DF9C006-7BBB-4546-96FD-CFC4F08587FB}" srcOrd="0" destOrd="0" presId="urn:microsoft.com/office/officeart/2005/8/layout/vList5"/>
+    <dgm:cxn modelId="{BF8ED944-DE14-451C-A51B-4754957165E0}" type="presOf" srcId="{D751B320-2932-4856-BFF6-2F9C102EA42D}" destId="{F3FA19F6-667F-448B-9031-03E48583DFAE}" srcOrd="0" destOrd="0" presId="urn:microsoft.com/office/officeart/2005/8/layout/vList5"/>
+    <dgm:cxn modelId="{FD09B956-944C-4B59-B187-667023858E30}" type="presOf" srcId="{1875B551-F0AF-4F97-9175-97969CF05E7F}" destId="{E4B8D8F6-A6F8-4AFD-B808-3D74C570E9B8}" srcOrd="0" destOrd="3" presId="urn:microsoft.com/office/officeart/2005/8/layout/vList5"/>
+    <dgm:cxn modelId="{8174701A-3E97-43AD-B9AD-8970F4D3C1C1}" srcId="{796C6F3D-85FF-431E-B693-FE5B25F5A01C}" destId="{CDD015F5-8B00-4200-82C8-8AA33BEB5D6E}" srcOrd="3" destOrd="0" parTransId="{E152EBEC-0770-40C4-BEDD-B1AD73F32ABD}" sibTransId="{B3A3CC7F-A070-4054-BBD6-984D8C98C12B}"/>
+    <dgm:cxn modelId="{26DB4607-9623-4570-8C01-32C1D81E94EA}" srcId="{796C6F3D-85FF-431E-B693-FE5B25F5A01C}" destId="{6EE67EBB-485D-4C83-B5FD-6B8317D14500}" srcOrd="4" destOrd="0" parTransId="{17D8C809-8BB0-4831-A728-B2BB10D32730}" sibTransId="{970E4DDE-96F7-465F-B87F-9A2C3D73E69E}"/>
+    <dgm:cxn modelId="{720B0093-3DC9-4AA6-AB7A-93405D5DFF1E}" type="presOf" srcId="{F7A9C7AF-4AF5-46AB-B677-52EC8ED63C0C}" destId="{E4B8D8F6-A6F8-4AFD-B808-3D74C570E9B8}" srcOrd="0" destOrd="1" presId="urn:microsoft.com/office/officeart/2005/8/layout/vList5"/>
+    <dgm:cxn modelId="{BD05147F-2E5A-434E-AA9A-C4EE64E57806}" type="presOf" srcId="{38BDE1E2-296B-48A4-A9B8-0CE84FB987DC}" destId="{E4B8D8F6-A6F8-4AFD-B808-3D74C570E9B8}" srcOrd="0" destOrd="6" presId="urn:microsoft.com/office/officeart/2005/8/layout/vList5"/>
+    <dgm:cxn modelId="{566746D8-AFA5-4394-AF5D-D8AE21D17E24}" srcId="{796C6F3D-85FF-431E-B693-FE5B25F5A01C}" destId="{F7A9C7AF-4AF5-46AB-B677-52EC8ED63C0C}" srcOrd="1" destOrd="0" parTransId="{5A228936-5F98-4EF7-9C99-46C3D4EC5C34}" sibTransId="{C6AFB9D6-43A0-4C29-96FB-8365623310C3}"/>
+    <dgm:cxn modelId="{E368D4CD-CCC4-428A-9EBD-1B8614745BAE}" type="presOf" srcId="{38AC03CB-9735-462A-B4C0-48C990F179B0}" destId="{E4B8D8F6-A6F8-4AFD-B808-3D74C570E9B8}" srcOrd="0" destOrd="5" presId="urn:microsoft.com/office/officeart/2005/8/layout/vList5"/>
+    <dgm:cxn modelId="{E4FE45C0-91EB-4D31-8CD3-491404EF2A6F}" srcId="{38AC03CB-9735-462A-B4C0-48C990F179B0}" destId="{9E4D539F-E41A-4B09-8D9D-80128CDC35C5}" srcOrd="1" destOrd="0" parTransId="{125E81EA-3EF3-4A2E-A9D8-972EC0942588}" sibTransId="{2D5ECCA8-4CDB-4F94-92F5-E9097CD6D436}"/>
+    <dgm:cxn modelId="{5EAE88B1-7FA6-42CD-8EE7-8B887FFA862A}" type="presOf" srcId="{907B7CD8-847D-4067-9A07-05D79B56BF4F}" destId="{E4B8D8F6-A6F8-4AFD-B808-3D74C570E9B8}" srcOrd="0" destOrd="2" presId="urn:microsoft.com/office/officeart/2005/8/layout/vList5"/>
+    <dgm:cxn modelId="{B40FECC4-45B2-4F90-80E0-46170A5A0C4B}" type="presOf" srcId="{B4D8C2EB-657B-4873-9225-3535DE7B6DB6}" destId="{7C44955F-EB0C-40F9-8B38-3CE1DDD7EAEC}" srcOrd="0" destOrd="0" presId="urn:microsoft.com/office/officeart/2005/8/layout/vList5"/>
+    <dgm:cxn modelId="{25886237-2BD9-4E11-910F-A29AFE8A0E91}" type="presOf" srcId="{CDD015F5-8B00-4200-82C8-8AA33BEB5D6E}" destId="{E4B8D8F6-A6F8-4AFD-B808-3D74C570E9B8}" srcOrd="0" destOrd="9" presId="urn:microsoft.com/office/officeart/2005/8/layout/vList5"/>
+    <dgm:cxn modelId="{4E4675AB-19D5-47A2-A427-79F8CE8A5517}" srcId="{796C6F3D-85FF-431E-B693-FE5B25F5A01C}" destId="{068BD4E6-C4B3-4BB7-9AB0-17BB6A2761CE}" srcOrd="5" destOrd="0" parTransId="{3265876E-BEAA-48AC-A7A0-876D7D71E0E6}" sibTransId="{72C14AD5-BD16-4B83-927C-E65B023BF452}"/>
+    <dgm:cxn modelId="{60957B63-4286-4381-B972-F3440D969AEC}" type="presOf" srcId="{ED6D938F-4FD7-4F03-B534-CED55803F63F}" destId="{E4B8D8F6-A6F8-4AFD-B808-3D74C570E9B8}" srcOrd="0" destOrd="8" presId="urn:microsoft.com/office/officeart/2005/8/layout/vList5"/>
+    <dgm:cxn modelId="{F3136043-88E3-4397-8AC5-618A8ABACC5B}" srcId="{F7A9C7AF-4AF5-46AB-B677-52EC8ED63C0C}" destId="{907B7CD8-847D-4067-9A07-05D79B56BF4F}" srcOrd="0" destOrd="0" parTransId="{51244509-CC85-40AD-8D18-2F25FF932E63}" sibTransId="{AD4D2327-773A-4137-9C11-F517B4460624}"/>
+    <dgm:cxn modelId="{FB6AB0CC-8E19-426B-A318-2B3C238EA0F0}" srcId="{796C6F3D-85FF-431E-B693-FE5B25F5A01C}" destId="{63729AD7-5314-44EE-BF60-6BD038087F3A}" srcOrd="0" destOrd="0" parTransId="{AA153BF1-50C7-4B18-A2F1-CAF8ACC36BA1}" sibTransId="{ED217107-A92F-4C5F-87EA-AB9C1B7F0015}"/>
+    <dgm:cxn modelId="{3750E736-9117-438C-9414-F35873FB568D}" srcId="{38AC03CB-9735-462A-B4C0-48C990F179B0}" destId="{38BDE1E2-296B-48A4-A9B8-0CE84FB987DC}" srcOrd="0" destOrd="0" parTransId="{BE8CE4A0-6F9F-4BDF-8E3A-48B5D5A7A325}" sibTransId="{0FCC6341-60AD-4FB8-968A-42E63E432F8A}"/>
+    <dgm:cxn modelId="{CDF4B499-A80D-4F4C-A918-1134F58CB062}" srcId="{B4D8C2EB-657B-4873-9225-3535DE7B6DB6}" destId="{EFE587F7-10FC-47EB-893F-9CF2450C0878}" srcOrd="0" destOrd="0" parTransId="{E2A70233-FF80-41DC-BAE5-F61326C82006}" sibTransId="{FC2D358F-C2F0-4996-A310-25B60A5C8879}"/>
+    <dgm:cxn modelId="{D81B6506-0F58-44D1-8A00-0A8689F43C63}" srcId="{B4D8C2EB-657B-4873-9225-3535DE7B6DB6}" destId="{693F66A8-1C99-486F-8A70-29B74D89704F}" srcOrd="1" destOrd="0" parTransId="{CCEE4C04-E395-418A-A440-09C73101AEAC}" sibTransId="{AD338EC0-9D5B-49E4-B474-008185B5F714}"/>
+    <dgm:cxn modelId="{A9BFF3A3-5F9D-4691-88B1-B91CE37CADB7}" type="presOf" srcId="{63729AD7-5314-44EE-BF60-6BD038087F3A}" destId="{E4B8D8F6-A6F8-4AFD-B808-3D74C570E9B8}" srcOrd="0" destOrd="0" presId="urn:microsoft.com/office/officeart/2005/8/layout/vList5"/>
+    <dgm:cxn modelId="{88DAF4E1-2276-4DBD-821D-B7E5BADB44EE}" type="presOf" srcId="{6EE67EBB-485D-4C83-B5FD-6B8317D14500}" destId="{E4B8D8F6-A6F8-4AFD-B808-3D74C570E9B8}" srcOrd="0" destOrd="10" presId="urn:microsoft.com/office/officeart/2005/8/layout/vList5"/>
+    <dgm:cxn modelId="{EE64CAB7-6A83-4245-ACA6-87A883ADDF95}" type="presOf" srcId="{EFE587F7-10FC-47EB-893F-9CF2450C0878}" destId="{A11DF670-2988-45AC-AE31-3EB7DCDB4D30}" srcOrd="0" destOrd="0" presId="urn:microsoft.com/office/officeart/2005/8/layout/vList5"/>
+    <dgm:cxn modelId="{4108EBB3-9FC0-45B6-B849-DF7ACC5997AC}" srcId="{9E4D539F-E41A-4B09-8D9D-80128CDC35C5}" destId="{ED6D938F-4FD7-4F03-B534-CED55803F63F}" srcOrd="0" destOrd="0" parTransId="{BB599F5E-A5B9-44F8-97E6-DF9FCD692EF0}" sibTransId="{963A2F26-4F72-43B4-9DE6-6D52DA85FB6A}"/>
+    <dgm:cxn modelId="{6BE6DBC6-809B-45C9-8FA7-405E85508C1F}" srcId="{F7A9C7AF-4AF5-46AB-B677-52EC8ED63C0C}" destId="{9B9BEFA9-7442-4B7F-9AD8-63C3B7018457}" srcOrd="2" destOrd="0" parTransId="{CA9DB4F7-55FF-4A88-A0E7-565E6230B7D9}" sibTransId="{2DF54CF7-DD7F-4E41-9387-DD8133C5BE5E}"/>
+    <dgm:cxn modelId="{2761D809-4420-4DBD-80E2-9C893E9C301D}" srcId="{B4D8C2EB-657B-4873-9225-3535DE7B6DB6}" destId="{D751B320-2932-4856-BFF6-2F9C102EA42D}" srcOrd="2" destOrd="0" parTransId="{4E0ED6CD-C87A-401D-A460-A59FF156C976}" sibTransId="{2B4F7021-C775-472E-B4AC-D95B39D1B58A}"/>
+    <dgm:cxn modelId="{115DDA45-43AD-4675-BCBA-1F80E98F6716}" type="presOf" srcId="{9B9BEFA9-7442-4B7F-9AD8-63C3B7018457}" destId="{E4B8D8F6-A6F8-4AFD-B808-3D74C570E9B8}" srcOrd="0" destOrd="4" presId="urn:microsoft.com/office/officeart/2005/8/layout/vList5"/>
+    <dgm:cxn modelId="{640A93EB-F089-4822-9745-EBC8898144D1}" type="presOf" srcId="{9E4D539F-E41A-4B09-8D9D-80128CDC35C5}" destId="{E4B8D8F6-A6F8-4AFD-B808-3D74C570E9B8}" srcOrd="0" destOrd="7" presId="urn:microsoft.com/office/officeart/2005/8/layout/vList5"/>
+    <dgm:cxn modelId="{468631CF-80DA-4194-A947-C27CCAF280BB}" type="presOf" srcId="{796C6F3D-85FF-431E-B693-FE5B25F5A01C}" destId="{780A23D4-553F-4BAF-B937-ACACBAA53F97}" srcOrd="0" destOrd="0" presId="urn:microsoft.com/office/officeart/2005/8/layout/vList5"/>
+    <dgm:cxn modelId="{DD99DB47-0D09-4335-BF6E-F06F2D37A91C}" type="presParOf" srcId="{7C44955F-EB0C-40F9-8B38-3CE1DDD7EAEC}" destId="{E4FA2293-8FDB-4303-AC74-4FF7B1862BD1}" srcOrd="0" destOrd="0" presId="urn:microsoft.com/office/officeart/2005/8/layout/vList5"/>
+    <dgm:cxn modelId="{35550B6F-0C27-4959-894F-F5AFC0574982}" type="presParOf" srcId="{E4FA2293-8FDB-4303-AC74-4FF7B1862BD1}" destId="{A11DF670-2988-45AC-AE31-3EB7DCDB4D30}" srcOrd="0" destOrd="0" presId="urn:microsoft.com/office/officeart/2005/8/layout/vList5"/>
+    <dgm:cxn modelId="{DCF7BA78-44FC-4A81-BD57-B3F0D67D7E09}" type="presParOf" srcId="{7C44955F-EB0C-40F9-8B38-3CE1DDD7EAEC}" destId="{9DD1BE67-738F-4822-9F77-F754FCDE55C5}" srcOrd="1" destOrd="0" presId="urn:microsoft.com/office/officeart/2005/8/layout/vList5"/>
+    <dgm:cxn modelId="{9EB78694-A24C-4AD0-83E7-8DC09BBE5957}" type="presParOf" srcId="{7C44955F-EB0C-40F9-8B38-3CE1DDD7EAEC}" destId="{3342BF69-502D-4871-9241-C31B3B57F7B9}" srcOrd="2" destOrd="0" presId="urn:microsoft.com/office/officeart/2005/8/layout/vList5"/>
+    <dgm:cxn modelId="{DBFB7F29-2C3A-4FDB-9C59-5AB03727ADB9}" type="presParOf" srcId="{3342BF69-502D-4871-9241-C31B3B57F7B9}" destId="{6DF9C006-7BBB-4546-96FD-CFC4F08587FB}" srcOrd="0" destOrd="0" presId="urn:microsoft.com/office/officeart/2005/8/layout/vList5"/>
+    <dgm:cxn modelId="{4C7526CF-259C-46FF-80C7-427EA6BC2112}" type="presParOf" srcId="{7C44955F-EB0C-40F9-8B38-3CE1DDD7EAEC}" destId="{E499D2F3-9190-4EA3-8D91-7D128992369A}" srcOrd="3" destOrd="0" presId="urn:microsoft.com/office/officeart/2005/8/layout/vList5"/>
+    <dgm:cxn modelId="{1D9809C8-0ABE-4E17-A42B-7484EB537AB2}" type="presParOf" srcId="{7C44955F-EB0C-40F9-8B38-3CE1DDD7EAEC}" destId="{1DBB6D76-5145-49A6-8E71-A37A859FB40E}" srcOrd="4" destOrd="0" presId="urn:microsoft.com/office/officeart/2005/8/layout/vList5"/>
+    <dgm:cxn modelId="{9A063025-D011-41DA-A674-51203BAB37FA}" type="presParOf" srcId="{1DBB6D76-5145-49A6-8E71-A37A859FB40E}" destId="{F3FA19F6-667F-448B-9031-03E48583DFAE}" srcOrd="0" destOrd="0" presId="urn:microsoft.com/office/officeart/2005/8/layout/vList5"/>
+    <dgm:cxn modelId="{8D31117C-59DB-4D3B-A5D0-66088B7D79A1}" type="presParOf" srcId="{7C44955F-EB0C-40F9-8B38-3CE1DDD7EAEC}" destId="{4980C328-376B-4444-953B-B449558BE948}" srcOrd="5" destOrd="0" presId="urn:microsoft.com/office/officeart/2005/8/layout/vList5"/>
+    <dgm:cxn modelId="{929D8DAE-FE36-4888-AC31-F7F1BA9D1446}" type="presParOf" srcId="{7C44955F-EB0C-40F9-8B38-3CE1DDD7EAEC}" destId="{B2A45A00-FE31-4FFF-9DE5-56A9D07E3525}" srcOrd="6" destOrd="0" presId="urn:microsoft.com/office/officeart/2005/8/layout/vList5"/>
+    <dgm:cxn modelId="{4B5B70A8-4893-41A9-9364-52A3E3AA6742}" type="presParOf" srcId="{B2A45A00-FE31-4FFF-9DE5-56A9D07E3525}" destId="{780A23D4-553F-4BAF-B937-ACACBAA53F97}" srcOrd="0" destOrd="0" presId="urn:microsoft.com/office/officeart/2005/8/layout/vList5"/>
+    <dgm:cxn modelId="{E5F64B68-A3A1-4767-8E6C-A1DA910A993D}" type="presParOf" srcId="{B2A45A00-FE31-4FFF-9DE5-56A9D07E3525}" destId="{E4B8D8F6-A6F8-4AFD-B808-3D74C570E9B8}" srcOrd="1" destOrd="0" presId="urn:microsoft.com/office/officeart/2005/8/layout/vList5"/>
+  </dgm:cxnLst>
+  <dgm:bg/>
+  <dgm:whole/>
+  <dgm:extLst>
+    <a:ext uri="http://schemas.microsoft.com/office/drawing/2008/diagram">
+      <dsp:dataModelExt xmlns:dsp="http://schemas.microsoft.com/office/drawing/2008/diagram" relId="rId6" minVer="http://schemas.openxmlformats.org/drawingml/2006/diagram"/>
+    </a:ext>
+  </dgm:extLst>
+</dgm:dataModel>
+</file>
+
+<file path=ppt/diagrams/drawing1.xml><?xml version="1.0" encoding="utf-8"?>
+<dsp:drawing xmlns:dgm="http://schemas.openxmlformats.org/drawingml/2006/diagram" xmlns:dsp="http://schemas.microsoft.com/office/drawing/2008/diagram" xmlns:a="http://schemas.openxmlformats.org/drawingml/2006/main">
+  <dsp:spTree>
+    <dsp:nvGrpSpPr>
+      <dsp:cNvPr id="0" name=""/>
+      <dsp:cNvGrpSpPr/>
+    </dsp:nvGrpSpPr>
+    <dsp:grpSpPr/>
+    <dsp:sp modelId="{93AF92CF-BFE6-458C-B2C8-FF217BD8855C}">
+      <dsp:nvSpPr>
+        <dsp:cNvPr id="0" name=""/>
+        <dsp:cNvSpPr/>
+      </dsp:nvSpPr>
+      <dsp:spPr>
+        <a:xfrm>
+          <a:off x="3716" y="373"/>
+          <a:ext cx="2739771" cy="735578"/>
+        </a:xfrm>
+        <a:prstGeom prst="roundRect">
+          <a:avLst/>
+        </a:prstGeom>
+        <a:solidFill>
+          <a:schemeClr val="accent1">
+            <a:hueOff val="0"/>
+            <a:satOff val="0"/>
+            <a:lumOff val="0"/>
+            <a:alphaOff val="0"/>
+          </a:schemeClr>
+        </a:solidFill>
+        <a:ln w="25400" cap="flat" cmpd="sng" algn="ctr">
+          <a:solidFill>
+            <a:schemeClr val="lt1">
+              <a:hueOff val="0"/>
+              <a:satOff val="0"/>
+              <a:lumOff val="0"/>
+              <a:alphaOff val="0"/>
+            </a:schemeClr>
+          </a:solidFill>
+          <a:prstDash val="solid"/>
+        </a:ln>
+        <a:effectLst/>
+      </dsp:spPr>
+      <dsp:style>
+        <a:lnRef idx="2">
+          <a:scrgbClr r="0" g="0" b="0"/>
+        </a:lnRef>
+        <a:fillRef idx="1">
+          <a:scrgbClr r="0" g="0" b="0"/>
+        </a:fillRef>
+        <a:effectRef idx="0">
+          <a:scrgbClr r="0" g="0" b="0"/>
+        </a:effectRef>
+        <a:fontRef idx="minor">
+          <a:schemeClr val="lt1"/>
+        </a:fontRef>
+      </dsp:style>
+      <dsp:txBody>
+        <a:bodyPr spcFirstLastPara="0" vert="horz" wrap="square" lIns="34290" tIns="17145" rIns="34290" bIns="17145" numCol="1" spcCol="1270" anchor="ctr" anchorCtr="0">
+          <a:noAutofit/>
+        </a:bodyPr>
+        <a:lstStyle/>
+        <a:p>
+          <a:pPr lvl="0" algn="ctr" defTabSz="400050" rtl="0">
+            <a:lnSpc>
+              <a:spcPct val="90000"/>
+            </a:lnSpc>
+            <a:spcBef>
+              <a:spcPct val="0"/>
+            </a:spcBef>
+            <a:spcAft>
+              <a:spcPct val="35000"/>
+            </a:spcAft>
+          </a:pPr>
+          <a:r>
+            <a:rPr lang="en-US" sz="900" kern="1200" smtClean="0"/>
+            <a:t>Extract RDFa</a:t>
+          </a:r>
+          <a:endParaRPr lang="en-US" sz="900" kern="1200"/>
+        </a:p>
+      </dsp:txBody>
+      <dsp:txXfrm>
+        <a:off x="39624" y="36281"/>
+        <a:ext cx="2667955" cy="663762"/>
+      </dsp:txXfrm>
+    </dsp:sp>
+    <dsp:sp modelId="{DBA1C76E-62F6-4F96-AB96-C5CC9CBA7F77}">
+      <dsp:nvSpPr>
+        <dsp:cNvPr id="0" name=""/>
+        <dsp:cNvSpPr/>
+      </dsp:nvSpPr>
+      <dsp:spPr>
+        <a:xfrm>
+          <a:off x="3716" y="772730"/>
+          <a:ext cx="2737095" cy="768870"/>
+        </a:xfrm>
+        <a:prstGeom prst="roundRect">
+          <a:avLst/>
+        </a:prstGeom>
+        <a:solidFill>
+          <a:schemeClr val="accent1">
+            <a:hueOff val="0"/>
+            <a:satOff val="0"/>
+            <a:lumOff val="0"/>
+            <a:alphaOff val="0"/>
+          </a:schemeClr>
+        </a:solidFill>
+        <a:ln w="25400" cap="flat" cmpd="sng" algn="ctr">
+          <a:solidFill>
+            <a:schemeClr val="lt1">
+              <a:hueOff val="0"/>
+              <a:satOff val="0"/>
+              <a:lumOff val="0"/>
+              <a:alphaOff val="0"/>
+            </a:schemeClr>
+          </a:solidFill>
+          <a:prstDash val="solid"/>
+        </a:ln>
+        <a:effectLst/>
+      </dsp:spPr>
+      <dsp:style>
+        <a:lnRef idx="2">
+          <a:scrgbClr r="0" g="0" b="0"/>
+        </a:lnRef>
+        <a:fillRef idx="1">
+          <a:scrgbClr r="0" g="0" b="0"/>
+        </a:fillRef>
+        <a:effectRef idx="0">
+          <a:scrgbClr r="0" g="0" b="0"/>
+        </a:effectRef>
+        <a:fontRef idx="minor">
+          <a:schemeClr val="lt1"/>
+        </a:fontRef>
+      </dsp:style>
+      <dsp:txBody>
+        <a:bodyPr spcFirstLastPara="0" vert="horz" wrap="square" lIns="34290" tIns="17145" rIns="34290" bIns="17145" numCol="1" spcCol="1270" anchor="ctr" anchorCtr="0">
+          <a:noAutofit/>
+        </a:bodyPr>
+        <a:lstStyle/>
+        <a:p>
+          <a:pPr lvl="0" algn="ctr" defTabSz="400050" rtl="0">
+            <a:lnSpc>
+              <a:spcPct val="90000"/>
+            </a:lnSpc>
+            <a:spcBef>
+              <a:spcPct val="0"/>
+            </a:spcBef>
+            <a:spcAft>
+              <a:spcPct val="35000"/>
+            </a:spcAft>
+          </a:pPr>
+          <a:r>
+            <a:rPr lang="en-US" sz="900" kern="1200" dirty="0" smtClean="0"/>
+            <a:t>GET /http://getschema.org/rdfaliteextractor</a:t>
+          </a:r>
+          <a:endParaRPr lang="en-US" sz="900" kern="1200" dirty="0"/>
+        </a:p>
+      </dsp:txBody>
+      <dsp:txXfrm>
+        <a:off x="41249" y="810263"/>
+        <a:ext cx="2662029" cy="693804"/>
+      </dsp:txXfrm>
+    </dsp:sp>
+    <dsp:sp modelId="{E0826CD5-4D0A-4617-BF6E-39B81FB24F5B}">
+      <dsp:nvSpPr>
+        <dsp:cNvPr id="0" name=""/>
+        <dsp:cNvSpPr/>
+      </dsp:nvSpPr>
+      <dsp:spPr>
+        <a:xfrm>
+          <a:off x="3716" y="1578379"/>
+          <a:ext cx="2739771" cy="735578"/>
+        </a:xfrm>
+        <a:prstGeom prst="roundRect">
+          <a:avLst/>
+        </a:prstGeom>
+        <a:solidFill>
+          <a:schemeClr val="accent1">
+            <a:hueOff val="0"/>
+            <a:satOff val="0"/>
+            <a:lumOff val="0"/>
+            <a:alphaOff val="0"/>
+          </a:schemeClr>
+        </a:solidFill>
+        <a:ln w="25400" cap="flat" cmpd="sng" algn="ctr">
+          <a:solidFill>
+            <a:schemeClr val="lt1">
+              <a:hueOff val="0"/>
+              <a:satOff val="0"/>
+              <a:lumOff val="0"/>
+              <a:alphaOff val="0"/>
+            </a:schemeClr>
+          </a:solidFill>
+          <a:prstDash val="solid"/>
+        </a:ln>
+        <a:effectLst/>
+      </dsp:spPr>
+      <dsp:style>
+        <a:lnRef idx="2">
+          <a:scrgbClr r="0" g="0" b="0"/>
+        </a:lnRef>
+        <a:fillRef idx="1">
+          <a:scrgbClr r="0" g="0" b="0"/>
+        </a:fillRef>
+        <a:effectRef idx="0">
+          <a:scrgbClr r="0" g="0" b="0"/>
+        </a:effectRef>
+        <a:fontRef idx="minor">
+          <a:schemeClr val="lt1"/>
+        </a:fontRef>
+      </dsp:style>
+      <dsp:txBody>
+        <a:bodyPr spcFirstLastPara="0" vert="horz" wrap="square" lIns="34290" tIns="17145" rIns="34290" bIns="17145" numCol="1" spcCol="1270" anchor="ctr" anchorCtr="0">
+          <a:noAutofit/>
+        </a:bodyPr>
+        <a:lstStyle/>
+        <a:p>
+          <a:pPr lvl="0" algn="ctr" defTabSz="400050" rtl="0">
+            <a:lnSpc>
+              <a:spcPct val="90000"/>
+            </a:lnSpc>
+            <a:spcBef>
+              <a:spcPct val="0"/>
+            </a:spcBef>
+            <a:spcAft>
+              <a:spcPct val="35000"/>
+            </a:spcAft>
+          </a:pPr>
+          <a:r>
+            <a:rPr lang="en-US" sz="900" kern="1200" smtClean="0"/>
+            <a:t>Content-Type: application/json  </a:t>
+          </a:r>
+          <a:endParaRPr lang="en-US" sz="900" kern="1200"/>
+        </a:p>
+      </dsp:txBody>
+      <dsp:txXfrm>
+        <a:off x="39624" y="1614287"/>
+        <a:ext cx="2667955" cy="663762"/>
+      </dsp:txXfrm>
+    </dsp:sp>
+    <dsp:sp modelId="{DBD781F1-666C-45E1-B166-6276499A4F4C}">
+      <dsp:nvSpPr>
+        <dsp:cNvPr id="0" name=""/>
+        <dsp:cNvSpPr/>
+      </dsp:nvSpPr>
+      <dsp:spPr>
+        <a:xfrm>
+          <a:off x="3716" y="2350736"/>
+          <a:ext cx="2739771" cy="735578"/>
+        </a:xfrm>
+        <a:prstGeom prst="roundRect">
+          <a:avLst/>
+        </a:prstGeom>
+        <a:solidFill>
+          <a:schemeClr val="accent1">
+            <a:hueOff val="0"/>
+            <a:satOff val="0"/>
+            <a:lumOff val="0"/>
+            <a:alphaOff val="0"/>
+          </a:schemeClr>
+        </a:solidFill>
+        <a:ln w="25400" cap="flat" cmpd="sng" algn="ctr">
+          <a:solidFill>
+            <a:schemeClr val="lt1">
+              <a:hueOff val="0"/>
+              <a:satOff val="0"/>
+              <a:lumOff val="0"/>
+              <a:alphaOff val="0"/>
+            </a:schemeClr>
+          </a:solidFill>
+          <a:prstDash val="solid"/>
+        </a:ln>
+        <a:effectLst/>
+      </dsp:spPr>
+      <dsp:style>
+        <a:lnRef idx="2">
+          <a:scrgbClr r="0" g="0" b="0"/>
+        </a:lnRef>
+        <a:fillRef idx="1">
+          <a:scrgbClr r="0" g="0" b="0"/>
+        </a:fillRef>
+        <a:effectRef idx="0">
+          <a:scrgbClr r="0" g="0" b="0"/>
+        </a:effectRef>
+        <a:fontRef idx="minor">
+          <a:schemeClr val="lt1"/>
+        </a:fontRef>
+      </dsp:style>
+      <dsp:txBody>
+        <a:bodyPr spcFirstLastPara="0" vert="horz" wrap="square" lIns="34290" tIns="17145" rIns="34290" bIns="17145" numCol="1" spcCol="1270" anchor="ctr" anchorCtr="0">
+          <a:noAutofit/>
+        </a:bodyPr>
+        <a:lstStyle/>
+        <a:p>
+          <a:pPr lvl="0" algn="ctr" defTabSz="400050" rtl="0">
+            <a:lnSpc>
+              <a:spcPct val="90000"/>
+            </a:lnSpc>
+            <a:spcBef>
+              <a:spcPct val="0"/>
+            </a:spcBef>
+            <a:spcAft>
+              <a:spcPct val="35000"/>
+            </a:spcAft>
+          </a:pPr>
+          <a:r>
+            <a:rPr lang="en-US" sz="900" kern="1200" smtClean="0"/>
+            <a:t>Parameters :  {url : ‘www.google.ro’ , ‘out’: ‘json}</a:t>
+          </a:r>
+          <a:endParaRPr lang="en-US" sz="900" kern="1200"/>
+        </a:p>
+      </dsp:txBody>
+      <dsp:txXfrm>
+        <a:off x="39624" y="2386644"/>
+        <a:ext cx="2667955" cy="663762"/>
+      </dsp:txXfrm>
+    </dsp:sp>
+    <dsp:sp modelId="{D49D4D53-A0B9-41D8-A98A-B81D0A0BA326}">
+      <dsp:nvSpPr>
+        <dsp:cNvPr id="0" name=""/>
+        <dsp:cNvSpPr/>
+      </dsp:nvSpPr>
+      <dsp:spPr>
+        <a:xfrm rot="5400000">
+          <a:off x="4305739" y="1558166"/>
+          <a:ext cx="1736093" cy="4865948"/>
+        </a:xfrm>
+        <a:prstGeom prst="round2SameRect">
+          <a:avLst/>
+        </a:prstGeom>
+        <a:solidFill>
+          <a:schemeClr val="accent1">
+            <a:alpha val="90000"/>
+            <a:tint val="40000"/>
+            <a:hueOff val="0"/>
+            <a:satOff val="0"/>
+            <a:lumOff val="0"/>
+            <a:alphaOff val="0"/>
+          </a:schemeClr>
+        </a:solidFill>
+        <a:ln w="25400" cap="flat" cmpd="sng" algn="ctr">
+          <a:solidFill>
+            <a:schemeClr val="accent1">
+              <a:alpha val="90000"/>
+              <a:tint val="40000"/>
+              <a:hueOff val="0"/>
+              <a:satOff val="0"/>
+              <a:lumOff val="0"/>
+              <a:alphaOff val="0"/>
+            </a:schemeClr>
+          </a:solidFill>
+          <a:prstDash val="solid"/>
+        </a:ln>
+        <a:effectLst/>
+      </dsp:spPr>
+      <dsp:style>
+        <a:lnRef idx="2">
+          <a:scrgbClr r="0" g="0" b="0"/>
+        </a:lnRef>
+        <a:fillRef idx="1">
+          <a:scrgbClr r="0" g="0" b="0"/>
+        </a:fillRef>
+        <a:effectRef idx="0">
+          <a:scrgbClr r="0" g="0" b="0"/>
+        </a:effectRef>
+        <a:fontRef idx="minor"/>
+      </dsp:style>
+      <dsp:txBody>
+        <a:bodyPr spcFirstLastPara="0" vert="horz" wrap="square" lIns="49530" tIns="24765" rIns="49530" bIns="24765" numCol="1" spcCol="1270" anchor="ctr" anchorCtr="0">
+          <a:noAutofit/>
+        </a:bodyPr>
+        <a:lstStyle/>
+        <a:p>
+          <a:pPr marL="114300" lvl="1" indent="-114300" algn="l" defTabSz="577850" rtl="0">
+            <a:lnSpc>
+              <a:spcPct val="90000"/>
+            </a:lnSpc>
+            <a:spcBef>
+              <a:spcPct val="0"/>
+            </a:spcBef>
+            <a:spcAft>
+              <a:spcPct val="15000"/>
+            </a:spcAft>
+            <a:buChar char="••"/>
+          </a:pPr>
+          <a:r>
+            <a:rPr lang="en-US" sz="1300" kern="1200" smtClean="0"/>
+            <a:t>HTTP/1.1 200 OK</a:t>
+          </a:r>
+          <a:endParaRPr lang="en-US" sz="1300" kern="1200"/>
+        </a:p>
+        <a:p>
+          <a:pPr marL="114300" lvl="1" indent="-114300" algn="l" defTabSz="577850" rtl="0">
+            <a:lnSpc>
+              <a:spcPct val="90000"/>
+            </a:lnSpc>
+            <a:spcBef>
+              <a:spcPct val="0"/>
+            </a:spcBef>
+            <a:spcAft>
+              <a:spcPct val="15000"/>
+            </a:spcAft>
+            <a:buChar char="••"/>
+          </a:pPr>
+          <a:r>
+            <a:rPr lang="en-US" sz="1300" kern="1200" dirty="0" smtClean="0"/>
+            <a:t>Content-Type: application/</a:t>
+          </a:r>
+          <a:r>
+            <a:rPr lang="en-US" sz="1300" kern="1200" dirty="0" err="1" smtClean="0"/>
+            <a:t>json</a:t>
+          </a:r>
+          <a:r>
+            <a:rPr lang="en-US" sz="1300" kern="1200" dirty="0" smtClean="0"/>
+            <a:t>; charset=utf-8</a:t>
+          </a:r>
+          <a:endParaRPr lang="en-US" sz="1300" kern="1200" dirty="0"/>
+        </a:p>
+        <a:p>
+          <a:pPr marL="114300" lvl="1" indent="-114300" algn="l" defTabSz="577850" rtl="0">
+            <a:lnSpc>
+              <a:spcPct val="90000"/>
+            </a:lnSpc>
+            <a:spcBef>
+              <a:spcPct val="0"/>
+            </a:spcBef>
+            <a:spcAft>
+              <a:spcPct val="15000"/>
+            </a:spcAft>
+            <a:buChar char="••"/>
+          </a:pPr>
+          <a:r>
+            <a:rPr lang="en-US" sz="1300" kern="1200" dirty="0" smtClean="0"/>
+            <a:t>{ "_:gs0": </a:t>
+          </a:r>
+          <a:endParaRPr lang="en-US" sz="1300" kern="1200" dirty="0"/>
+        </a:p>
+        <a:p>
+          <a:pPr marL="114300" lvl="1" indent="-114300" algn="l" defTabSz="577850" rtl="0">
+            <a:lnSpc>
+              <a:spcPct val="90000"/>
+            </a:lnSpc>
+            <a:spcBef>
+              <a:spcPct val="0"/>
+            </a:spcBef>
+            <a:spcAft>
+              <a:spcPct val="15000"/>
+            </a:spcAft>
+            <a:buChar char="••"/>
+          </a:pPr>
+          <a:r>
+            <a:rPr lang="en-US" sz="1300" kern="1200" dirty="0" smtClean="0"/>
+            <a:t>    { "http://www.w3.org/1999/02/22-rdf-syntax-ns#type": [</a:t>
+          </a:r>
+          <a:endParaRPr lang="en-US" sz="1300" kern="1200" dirty="0"/>
+        </a:p>
+        <a:p>
+          <a:pPr marL="114300" lvl="1" indent="-114300" algn="l" defTabSz="577850" rtl="0">
+            <a:lnSpc>
+              <a:spcPct val="90000"/>
+            </a:lnSpc>
+            <a:spcBef>
+              <a:spcPct val="0"/>
+            </a:spcBef>
+            <a:spcAft>
+              <a:spcPct val="15000"/>
+            </a:spcAft>
+            <a:buChar char="••"/>
+          </a:pPr>
+          <a:r>
+            <a:rPr lang="en-US" sz="1300" kern="1200" dirty="0" smtClean="0"/>
+            <a:t>    { "type": "</a:t>
+          </a:r>
+          <a:r>
+            <a:rPr lang="en-US" sz="1300" kern="1200" dirty="0" err="1" smtClean="0"/>
+            <a:t>uri</a:t>
+          </a:r>
+          <a:r>
+            <a:rPr lang="en-US" sz="1300" kern="1200" dirty="0" smtClean="0"/>
+            <a:t>", "value": "http://schema.org/Review" }]</a:t>
+          </a:r>
+          <a:endParaRPr lang="en-US" sz="1300" kern="1200" dirty="0"/>
+        </a:p>
+        <a:p>
+          <a:pPr marL="114300" lvl="1" indent="-114300" algn="l" defTabSz="577850" rtl="0">
+            <a:lnSpc>
+              <a:spcPct val="90000"/>
+            </a:lnSpc>
+            <a:spcBef>
+              <a:spcPct val="0"/>
+            </a:spcBef>
+            <a:spcAft>
+              <a:spcPct val="15000"/>
+            </a:spcAft>
+            <a:buChar char="••"/>
+          </a:pPr>
+          <a:r>
+            <a:rPr lang="en-US" sz="1300" kern="1200" dirty="0" smtClean="0"/>
+            <a:t>}</a:t>
+          </a:r>
+          <a:endParaRPr lang="en-US" sz="1300" kern="1200" dirty="0"/>
+        </a:p>
+      </dsp:txBody>
+      <dsp:txXfrm rot="-5400000">
+        <a:off x="2740812" y="3207843"/>
+        <a:ext cx="4781199" cy="1566595"/>
+      </dsp:txXfrm>
+    </dsp:sp>
+    <dsp:sp modelId="{A446B69E-AB1A-438D-9941-633E1B85B67F}">
+      <dsp:nvSpPr>
+        <dsp:cNvPr id="0" name=""/>
+        <dsp:cNvSpPr/>
+      </dsp:nvSpPr>
+      <dsp:spPr>
+        <a:xfrm>
+          <a:off x="3716" y="3623351"/>
+          <a:ext cx="2737095" cy="735578"/>
+        </a:xfrm>
+        <a:prstGeom prst="roundRect">
+          <a:avLst/>
+        </a:prstGeom>
+        <a:solidFill>
+          <a:schemeClr val="accent1">
+            <a:hueOff val="0"/>
+            <a:satOff val="0"/>
+            <a:lumOff val="0"/>
+            <a:alphaOff val="0"/>
+          </a:schemeClr>
+        </a:solidFill>
+        <a:ln w="25400" cap="flat" cmpd="sng" algn="ctr">
+          <a:solidFill>
+            <a:schemeClr val="lt1">
+              <a:hueOff val="0"/>
+              <a:satOff val="0"/>
+              <a:lumOff val="0"/>
+              <a:alphaOff val="0"/>
+            </a:schemeClr>
+          </a:solidFill>
+          <a:prstDash val="solid"/>
+        </a:ln>
+        <a:effectLst/>
+      </dsp:spPr>
+      <dsp:style>
+        <a:lnRef idx="2">
+          <a:scrgbClr r="0" g="0" b="0"/>
+        </a:lnRef>
+        <a:fillRef idx="1">
+          <a:scrgbClr r="0" g="0" b="0"/>
+        </a:fillRef>
+        <a:effectRef idx="0">
+          <a:scrgbClr r="0" g="0" b="0"/>
+        </a:effectRef>
+        <a:fontRef idx="minor">
+          <a:schemeClr val="lt1"/>
+        </a:fontRef>
+      </dsp:style>
+      <dsp:txBody>
+        <a:bodyPr spcFirstLastPara="0" vert="horz" wrap="square" lIns="34290" tIns="17145" rIns="34290" bIns="17145" numCol="1" spcCol="1270" anchor="ctr" anchorCtr="0">
+          <a:noAutofit/>
+        </a:bodyPr>
+        <a:lstStyle/>
+        <a:p>
+          <a:pPr lvl="0" algn="ctr" defTabSz="400050" rtl="0">
+            <a:lnSpc>
+              <a:spcPct val="90000"/>
+            </a:lnSpc>
+            <a:spcBef>
+              <a:spcPct val="0"/>
+            </a:spcBef>
+            <a:spcAft>
+              <a:spcPct val="35000"/>
+            </a:spcAft>
+          </a:pPr>
+          <a:r>
+            <a:rPr lang="en-US" sz="900" kern="1200" smtClean="0"/>
+            <a:t>Response:</a:t>
+          </a:r>
+          <a:endParaRPr lang="en-US" sz="900" kern="1200"/>
+        </a:p>
+      </dsp:txBody>
+      <dsp:txXfrm>
+        <a:off x="39624" y="3659259"/>
+        <a:ext cx="2665279" cy="663762"/>
+      </dsp:txXfrm>
+    </dsp:sp>
+  </dsp:spTree>
+</dsp:drawing>
+</file>
+
+<file path=ppt/diagrams/drawing2.xml><?xml version="1.0" encoding="utf-8"?>
+<dsp:drawing xmlns:dgm="http://schemas.openxmlformats.org/drawingml/2006/diagram" xmlns:dsp="http://schemas.microsoft.com/office/drawing/2008/diagram" xmlns:a="http://schemas.openxmlformats.org/drawingml/2006/main">
+  <dsp:spTree>
+    <dsp:nvGrpSpPr>
+      <dsp:cNvPr id="0" name=""/>
+      <dsp:cNvGrpSpPr/>
+    </dsp:nvGrpSpPr>
+    <dsp:grpSpPr/>
+    <dsp:sp modelId="{A11DF670-2988-45AC-AE31-3EB7DCDB4D30}">
+      <dsp:nvSpPr>
+        <dsp:cNvPr id="0" name=""/>
+        <dsp:cNvSpPr/>
+      </dsp:nvSpPr>
+      <dsp:spPr>
+        <a:xfrm>
+          <a:off x="1244" y="618"/>
+          <a:ext cx="4851230" cy="660833"/>
+        </a:xfrm>
+        <a:prstGeom prst="roundRect">
+          <a:avLst/>
+        </a:prstGeom>
+        <a:solidFill>
+          <a:schemeClr val="accent1">
+            <a:hueOff val="0"/>
+            <a:satOff val="0"/>
+            <a:lumOff val="0"/>
+            <a:alphaOff val="0"/>
+          </a:schemeClr>
+        </a:solidFill>
+        <a:ln w="25400" cap="flat" cmpd="sng" algn="ctr">
+          <a:solidFill>
+            <a:schemeClr val="lt1">
+              <a:hueOff val="0"/>
+              <a:satOff val="0"/>
+              <a:lumOff val="0"/>
+              <a:alphaOff val="0"/>
+            </a:schemeClr>
+          </a:solidFill>
+          <a:prstDash val="solid"/>
+        </a:ln>
+        <a:effectLst/>
+      </dsp:spPr>
+      <dsp:style>
+        <a:lnRef idx="2">
+          <a:scrgbClr r="0" g="0" b="0"/>
+        </a:lnRef>
+        <a:fillRef idx="1">
+          <a:scrgbClr r="0" g="0" b="0"/>
+        </a:fillRef>
+        <a:effectRef idx="0">
+          <a:scrgbClr r="0" g="0" b="0"/>
+        </a:effectRef>
+        <a:fontRef idx="minor">
+          <a:schemeClr val="lt1"/>
+        </a:fontRef>
+      </dsp:style>
+      <dsp:txBody>
+        <a:bodyPr spcFirstLastPara="0" vert="horz" wrap="square" lIns="49530" tIns="24765" rIns="49530" bIns="24765" numCol="1" spcCol="1270" anchor="ctr" anchorCtr="0">
+          <a:noAutofit/>
+        </a:bodyPr>
+        <a:lstStyle/>
+        <a:p>
+          <a:pPr lvl="0" algn="ctr" defTabSz="577850" rtl="0">
+            <a:lnSpc>
+              <a:spcPct val="90000"/>
+            </a:lnSpc>
+            <a:spcBef>
+              <a:spcPct val="0"/>
+            </a:spcBef>
+            <a:spcAft>
+              <a:spcPct val="35000"/>
+            </a:spcAft>
+          </a:pPr>
+          <a:r>
+            <a:rPr lang="en-US" sz="1300" kern="1200" smtClean="0"/>
+            <a:t>Convert RDFa to RDF/XML</a:t>
+          </a:r>
+          <a:endParaRPr lang="en-US" sz="1300" kern="1200"/>
+        </a:p>
+      </dsp:txBody>
+      <dsp:txXfrm>
+        <a:off x="33503" y="32877"/>
+        <a:ext cx="4786712" cy="596315"/>
+      </dsp:txXfrm>
+    </dsp:sp>
+    <dsp:sp modelId="{6DF9C006-7BBB-4546-96FD-CFC4F08587FB}">
+      <dsp:nvSpPr>
+        <dsp:cNvPr id="0" name=""/>
+        <dsp:cNvSpPr/>
+      </dsp:nvSpPr>
+      <dsp:spPr>
+        <a:xfrm>
+          <a:off x="1244" y="694494"/>
+          <a:ext cx="3987079" cy="660833"/>
+        </a:xfrm>
+        <a:prstGeom prst="roundRect">
+          <a:avLst/>
+        </a:prstGeom>
+        <a:solidFill>
+          <a:schemeClr val="accent1">
+            <a:hueOff val="0"/>
+            <a:satOff val="0"/>
+            <a:lumOff val="0"/>
+            <a:alphaOff val="0"/>
+          </a:schemeClr>
+        </a:solidFill>
+        <a:ln w="25400" cap="flat" cmpd="sng" algn="ctr">
+          <a:solidFill>
+            <a:schemeClr val="lt1">
+              <a:hueOff val="0"/>
+              <a:satOff val="0"/>
+              <a:lumOff val="0"/>
+              <a:alphaOff val="0"/>
+            </a:schemeClr>
+          </a:solidFill>
+          <a:prstDash val="solid"/>
+        </a:ln>
+        <a:effectLst/>
+      </dsp:spPr>
+      <dsp:style>
+        <a:lnRef idx="2">
+          <a:scrgbClr r="0" g="0" b="0"/>
+        </a:lnRef>
+        <a:fillRef idx="1">
+          <a:scrgbClr r="0" g="0" b="0"/>
+        </a:fillRef>
+        <a:effectRef idx="0">
+          <a:scrgbClr r="0" g="0" b="0"/>
+        </a:effectRef>
+        <a:fontRef idx="minor">
+          <a:schemeClr val="lt1"/>
+        </a:fontRef>
+      </dsp:style>
+      <dsp:txBody>
+        <a:bodyPr spcFirstLastPara="0" vert="horz" wrap="square" lIns="49530" tIns="24765" rIns="49530" bIns="24765" numCol="1" spcCol="1270" anchor="ctr" anchorCtr="0">
+          <a:noAutofit/>
+        </a:bodyPr>
+        <a:lstStyle/>
+        <a:p>
+          <a:pPr lvl="0" algn="ctr" defTabSz="577850" rtl="0">
+            <a:lnSpc>
+              <a:spcPct val="90000"/>
+            </a:lnSpc>
+            <a:spcBef>
+              <a:spcPct val="0"/>
+            </a:spcBef>
+            <a:spcAft>
+              <a:spcPct val="35000"/>
+            </a:spcAft>
+          </a:pPr>
+          <a:r>
+            <a:rPr lang="en-US" sz="1300" kern="1200" dirty="0" smtClean="0"/>
+            <a:t>POST /convert/{detect}/{pretty-xml}/{</a:t>
+          </a:r>
+          <a:r>
+            <a:rPr lang="en-US" sz="1300" kern="1200" dirty="0" err="1" smtClean="0"/>
+            <a:t>uri</a:t>
+          </a:r>
+          <a:r>
+            <a:rPr lang="en-US" sz="1300" kern="1200" dirty="0" smtClean="0"/>
+            <a:t>}</a:t>
+          </a:r>
+          <a:endParaRPr lang="en-US" sz="1300" kern="1200" dirty="0"/>
+        </a:p>
+      </dsp:txBody>
+      <dsp:txXfrm>
+        <a:off x="33503" y="726753"/>
+        <a:ext cx="3922561" cy="596315"/>
+      </dsp:txXfrm>
+    </dsp:sp>
+    <dsp:sp modelId="{F3FA19F6-667F-448B-9031-03E48583DFAE}">
+      <dsp:nvSpPr>
+        <dsp:cNvPr id="0" name=""/>
+        <dsp:cNvSpPr/>
+      </dsp:nvSpPr>
+      <dsp:spPr>
+        <a:xfrm>
+          <a:off x="1244" y="1388369"/>
+          <a:ext cx="2739771" cy="660833"/>
+        </a:xfrm>
+        <a:prstGeom prst="roundRect">
+          <a:avLst/>
+        </a:prstGeom>
+        <a:solidFill>
+          <a:schemeClr val="accent1">
+            <a:hueOff val="0"/>
+            <a:satOff val="0"/>
+            <a:lumOff val="0"/>
+            <a:alphaOff val="0"/>
+          </a:schemeClr>
+        </a:solidFill>
+        <a:ln w="25400" cap="flat" cmpd="sng" algn="ctr">
+          <a:solidFill>
+            <a:schemeClr val="lt1">
+              <a:hueOff val="0"/>
+              <a:satOff val="0"/>
+              <a:lumOff val="0"/>
+              <a:alphaOff val="0"/>
+            </a:schemeClr>
+          </a:solidFill>
+          <a:prstDash val="solid"/>
+        </a:ln>
+        <a:effectLst/>
+      </dsp:spPr>
+      <dsp:style>
+        <a:lnRef idx="2">
+          <a:scrgbClr r="0" g="0" b="0"/>
+        </a:lnRef>
+        <a:fillRef idx="1">
+          <a:scrgbClr r="0" g="0" b="0"/>
+        </a:fillRef>
+        <a:effectRef idx="0">
+          <a:scrgbClr r="0" g="0" b="0"/>
+        </a:effectRef>
+        <a:fontRef idx="minor">
+          <a:schemeClr val="lt1"/>
+        </a:fontRef>
+      </dsp:style>
+      <dsp:txBody>
+        <a:bodyPr spcFirstLastPara="0" vert="horz" wrap="square" lIns="49530" tIns="24765" rIns="49530" bIns="24765" numCol="1" spcCol="1270" anchor="ctr" anchorCtr="0">
+          <a:noAutofit/>
+        </a:bodyPr>
+        <a:lstStyle/>
+        <a:p>
+          <a:pPr lvl="0" algn="ctr" defTabSz="577850" rtl="0">
+            <a:lnSpc>
+              <a:spcPct val="90000"/>
+            </a:lnSpc>
+            <a:spcBef>
+              <a:spcPct val="0"/>
+            </a:spcBef>
+            <a:spcAft>
+              <a:spcPct val="35000"/>
+            </a:spcAft>
+          </a:pPr>
+          <a:r>
+            <a:rPr lang="en-US" sz="1300" kern="1200" smtClean="0"/>
+            <a:t>Parameters :  {detect} – input , {pretty-xml} – output, {uri} - url</a:t>
+          </a:r>
+          <a:endParaRPr lang="en-US" sz="1300" kern="1200"/>
+        </a:p>
+      </dsp:txBody>
+      <dsp:txXfrm>
+        <a:off x="33503" y="1420628"/>
+        <a:ext cx="2675253" cy="596315"/>
+      </dsp:txXfrm>
+    </dsp:sp>
+    <dsp:sp modelId="{E4B8D8F6-A6F8-4AFD-B808-3D74C570E9B8}">
+      <dsp:nvSpPr>
+        <dsp:cNvPr id="0" name=""/>
+        <dsp:cNvSpPr/>
+      </dsp:nvSpPr>
+      <dsp:spPr>
+        <a:xfrm rot="5400000">
+          <a:off x="3489788" y="739499"/>
+          <a:ext cx="2776696" cy="5462189"/>
+        </a:xfrm>
+        <a:prstGeom prst="round2SameRect">
+          <a:avLst/>
+        </a:prstGeom>
+        <a:solidFill>
+          <a:schemeClr val="accent1">
+            <a:alpha val="90000"/>
+            <a:tint val="40000"/>
+            <a:hueOff val="0"/>
+            <a:satOff val="0"/>
+            <a:lumOff val="0"/>
+            <a:alphaOff val="0"/>
+          </a:schemeClr>
+        </a:solidFill>
+        <a:ln w="25400" cap="flat" cmpd="sng" algn="ctr">
+          <a:solidFill>
+            <a:schemeClr val="accent1">
+              <a:alpha val="90000"/>
+              <a:tint val="40000"/>
+              <a:hueOff val="0"/>
+              <a:satOff val="0"/>
+              <a:lumOff val="0"/>
+              <a:alphaOff val="0"/>
+            </a:schemeClr>
+          </a:solidFill>
+          <a:prstDash val="solid"/>
+        </a:ln>
+        <a:effectLst/>
+      </dsp:spPr>
+      <dsp:style>
+        <a:lnRef idx="2">
+          <a:scrgbClr r="0" g="0" b="0"/>
+        </a:lnRef>
+        <a:fillRef idx="1">
+          <a:scrgbClr r="0" g="0" b="0"/>
+        </a:fillRef>
+        <a:effectRef idx="0">
+          <a:scrgbClr r="0" g="0" b="0"/>
+        </a:effectRef>
+        <a:fontRef idx="minor"/>
+      </dsp:style>
+      <dsp:txBody>
+        <a:bodyPr spcFirstLastPara="0" vert="horz" wrap="square" lIns="41910" tIns="20955" rIns="41910" bIns="20955" numCol="1" spcCol="1270" anchor="ctr" anchorCtr="0">
+          <a:noAutofit/>
+        </a:bodyPr>
+        <a:lstStyle/>
+        <a:p>
+          <a:pPr marL="57150" lvl="1" indent="-57150" algn="l" defTabSz="488950" rtl="0">
+            <a:lnSpc>
+              <a:spcPct val="90000"/>
+            </a:lnSpc>
+            <a:spcBef>
+              <a:spcPct val="0"/>
+            </a:spcBef>
+            <a:spcAft>
+              <a:spcPct val="15000"/>
+            </a:spcAft>
+            <a:buChar char="••"/>
+          </a:pPr>
+          <a:r>
+            <a:rPr lang="en-US" sz="1100" kern="1200" smtClean="0"/>
+            <a:t>HTTP/1.1 200 OK</a:t>
+          </a:r>
+          <a:endParaRPr lang="en-US" sz="1100" kern="1200"/>
+        </a:p>
+        <a:p>
+          <a:pPr marL="57150" lvl="1" indent="-57150" algn="l" defTabSz="488950" rtl="0">
+            <a:lnSpc>
+              <a:spcPct val="90000"/>
+            </a:lnSpc>
+            <a:spcBef>
+              <a:spcPct val="0"/>
+            </a:spcBef>
+            <a:spcAft>
+              <a:spcPct val="15000"/>
+            </a:spcAft>
+            <a:buChar char="••"/>
+          </a:pPr>
+          <a:r>
+            <a:rPr lang="en-US" sz="1100" kern="1200" smtClean="0"/>
+            <a:t>Content-Type: application/rdf+xml; charset=utf-8</a:t>
+          </a:r>
+          <a:endParaRPr lang="en-US" sz="1100" kern="1200"/>
+        </a:p>
+        <a:p>
+          <a:pPr marL="114300" lvl="2" indent="-57150" algn="l" defTabSz="488950" rtl="0">
+            <a:lnSpc>
+              <a:spcPct val="90000"/>
+            </a:lnSpc>
+            <a:spcBef>
+              <a:spcPct val="0"/>
+            </a:spcBef>
+            <a:spcAft>
+              <a:spcPct val="15000"/>
+            </a:spcAft>
+            <a:buChar char="••"/>
+          </a:pPr>
+          <a:endParaRPr lang="en-US" sz="1100" kern="1200"/>
+        </a:p>
+        <a:p>
+          <a:pPr marL="114300" lvl="2" indent="-57150" algn="l" defTabSz="488950" rtl="0">
+            <a:lnSpc>
+              <a:spcPct val="90000"/>
+            </a:lnSpc>
+            <a:spcBef>
+              <a:spcPct val="0"/>
+            </a:spcBef>
+            <a:spcAft>
+              <a:spcPct val="15000"/>
+            </a:spcAft>
+            <a:buChar char="••"/>
+          </a:pPr>
+          <a:r>
+            <a:rPr lang="en-US" sz="1100" kern="1200" dirty="0" smtClean="0"/>
+            <a:t>&lt;?xml version="1.0" encoding="utf-8"?&gt;</a:t>
+          </a:r>
+          <a:endParaRPr lang="en-US" sz="1100" kern="1200" dirty="0"/>
+        </a:p>
+        <a:p>
+          <a:pPr marL="114300" lvl="2" indent="-57150" algn="l" defTabSz="488950" rtl="0">
+            <a:lnSpc>
+              <a:spcPct val="90000"/>
+            </a:lnSpc>
+            <a:spcBef>
+              <a:spcPct val="0"/>
+            </a:spcBef>
+            <a:spcAft>
+              <a:spcPct val="15000"/>
+            </a:spcAft>
+            <a:buChar char="••"/>
+          </a:pPr>
+          <a:r>
+            <a:rPr lang="en-US" sz="1100" kern="1200" dirty="0" smtClean="0"/>
+            <a:t>&lt;</a:t>
+          </a:r>
+          <a:r>
+            <a:rPr lang="en-US" sz="1100" kern="1200" dirty="0" err="1" smtClean="0"/>
+            <a:t>rdf:RDF</a:t>
+          </a:r>
+          <a:r>
+            <a:rPr lang="en-US" sz="1100" kern="1200" dirty="0" smtClean="0"/>
+            <a:t>  </a:t>
+          </a:r>
+          <a:r>
+            <a:rPr lang="en-US" sz="1100" kern="1200" dirty="0" err="1" smtClean="0"/>
+            <a:t>xmlns:rdf</a:t>
+          </a:r>
+          <a:r>
+            <a:rPr lang="en-US" sz="1100" kern="1200" dirty="0" smtClean="0"/>
+            <a:t>=</a:t>
+          </a:r>
+          <a:r>
+            <a:rPr lang="en-US" sz="1100" kern="1200" dirty="0" smtClean="0">
+              <a:hlinkClick xmlns:r="http://schemas.openxmlformats.org/officeDocument/2006/relationships" r:id="rId1"/>
+            </a:rPr>
+            <a:t>http://www.w3.org/1999/02/22-rdf-syntax-ns#</a:t>
+          </a:r>
+          <a:endParaRPr lang="en-US" sz="1100" kern="1200" dirty="0"/>
+        </a:p>
+        <a:p>
+          <a:pPr marL="57150" lvl="1" indent="-57150" algn="l" defTabSz="488950" rtl="0">
+            <a:lnSpc>
+              <a:spcPct val="90000"/>
+            </a:lnSpc>
+            <a:spcBef>
+              <a:spcPct val="0"/>
+            </a:spcBef>
+            <a:spcAft>
+              <a:spcPct val="15000"/>
+            </a:spcAft>
+            <a:buChar char="••"/>
+          </a:pPr>
+          <a:r>
+            <a:rPr lang="en-US" sz="1100" kern="1200" dirty="0" smtClean="0"/>
+            <a:t>             </a:t>
+          </a:r>
+          <a:r>
+            <a:rPr lang="en-US" sz="1100" kern="1200" dirty="0" err="1" smtClean="0"/>
+            <a:t>xmlns:rdfa</a:t>
+          </a:r>
+          <a:r>
+            <a:rPr lang="en-US" sz="1100" kern="1200" dirty="0" smtClean="0"/>
+            <a:t>="http://www.w3.org/ns/rdfa#"                                             </a:t>
+          </a:r>
+          <a:r>
+            <a:rPr lang="en-US" sz="1100" kern="1200" dirty="0" err="1" smtClean="0"/>
+            <a:t>xmlns:schema</a:t>
+          </a:r>
+          <a:r>
+            <a:rPr lang="en-US" sz="1100" kern="1200" dirty="0" smtClean="0"/>
+            <a:t>="http://schema.org/"&gt;</a:t>
+          </a:r>
+          <a:endParaRPr lang="en-US" sz="1100" kern="1200" dirty="0"/>
+        </a:p>
+        <a:p>
+          <a:pPr marL="114300" lvl="2" indent="-57150" algn="l" defTabSz="488950" rtl="0">
+            <a:lnSpc>
+              <a:spcPct val="90000"/>
+            </a:lnSpc>
+            <a:spcBef>
+              <a:spcPct val="0"/>
+            </a:spcBef>
+            <a:spcAft>
+              <a:spcPct val="15000"/>
+            </a:spcAft>
+            <a:buChar char="••"/>
+          </a:pPr>
+          <a:r>
+            <a:rPr lang="en-US" sz="1100" kern="1200" dirty="0" smtClean="0"/>
+            <a:t>&lt;</a:t>
+          </a:r>
+          <a:r>
+            <a:rPr lang="en-US" sz="1100" kern="1200" dirty="0" err="1" smtClean="0"/>
+            <a:t>schema:Review</a:t>
+          </a:r>
+          <a:r>
+            <a:rPr lang="en-US" sz="1100" kern="1200" dirty="0" smtClean="0"/>
+            <a:t> </a:t>
+          </a:r>
+          <a:r>
+            <a:rPr lang="en-US" sz="1100" kern="1200" dirty="0" err="1" smtClean="0"/>
+            <a:t>rdf:nodeID</a:t>
+          </a:r>
+          <a:r>
+            <a:rPr lang="en-US" sz="1100" kern="1200" dirty="0" smtClean="0"/>
+            <a:t>="N81e6c286b22945d9a8e10c5c0812e166"&gt;</a:t>
+          </a:r>
+          <a:endParaRPr lang="en-US" sz="1100" kern="1200" dirty="0"/>
+        </a:p>
+        <a:p>
+          <a:pPr marL="114300" lvl="2" indent="-57150" algn="l" defTabSz="488950" rtl="0">
+            <a:lnSpc>
+              <a:spcPct val="90000"/>
+            </a:lnSpc>
+            <a:spcBef>
+              <a:spcPct val="0"/>
+            </a:spcBef>
+            <a:spcAft>
+              <a:spcPct val="15000"/>
+            </a:spcAft>
+            <a:buChar char="••"/>
+          </a:pPr>
+          <a:r>
+            <a:rPr lang="en-US" sz="1100" kern="1200" dirty="0" smtClean="0"/>
+            <a:t>&lt;</a:t>
+          </a:r>
+          <a:r>
+            <a:rPr lang="en-US" sz="1100" kern="1200" dirty="0" err="1" smtClean="0"/>
+            <a:t>schema:reviewRating</a:t>
+          </a:r>
+          <a:r>
+            <a:rPr lang="en-US" sz="1100" kern="1200" dirty="0" smtClean="0"/>
+            <a:t>&gt;</a:t>
+          </a:r>
+          <a:endParaRPr lang="en-US" sz="1100" kern="1200" dirty="0"/>
+        </a:p>
+        <a:p>
+          <a:pPr marL="171450" lvl="3" indent="-57150" algn="l" defTabSz="488950" rtl="0">
+            <a:lnSpc>
+              <a:spcPct val="90000"/>
+            </a:lnSpc>
+            <a:spcBef>
+              <a:spcPct val="0"/>
+            </a:spcBef>
+            <a:spcAft>
+              <a:spcPct val="15000"/>
+            </a:spcAft>
+            <a:buChar char="••"/>
+          </a:pPr>
+          <a:r>
+            <a:rPr lang="en-US" sz="1100" kern="1200" dirty="0" smtClean="0"/>
+            <a:t>     5/ 5stars</a:t>
+          </a:r>
+          <a:endParaRPr lang="en-US" sz="1100" kern="1200" dirty="0"/>
+        </a:p>
+        <a:p>
+          <a:pPr marL="57150" lvl="1" indent="-57150" algn="l" defTabSz="488950" rtl="0">
+            <a:lnSpc>
+              <a:spcPct val="90000"/>
+            </a:lnSpc>
+            <a:spcBef>
+              <a:spcPct val="0"/>
+            </a:spcBef>
+            <a:spcAft>
+              <a:spcPct val="15000"/>
+            </a:spcAft>
+            <a:buChar char="••"/>
+          </a:pPr>
+          <a:r>
+            <a:rPr lang="en-US" sz="1100" kern="1200" dirty="0" smtClean="0"/>
+            <a:t>  &lt;/</a:t>
+          </a:r>
+          <a:r>
+            <a:rPr lang="en-US" sz="1100" kern="1200" dirty="0" err="1" smtClean="0"/>
+            <a:t>schema:reviewRating</a:t>
+          </a:r>
+          <a:r>
+            <a:rPr lang="en-US" sz="1100" kern="1200" dirty="0" smtClean="0"/>
+            <a:t>&gt;</a:t>
+          </a:r>
+          <a:endParaRPr lang="en-US" sz="1100" kern="1200" dirty="0"/>
+        </a:p>
+        <a:p>
+          <a:pPr marL="57150" lvl="1" indent="-57150" algn="l" defTabSz="488950" rtl="0">
+            <a:lnSpc>
+              <a:spcPct val="90000"/>
+            </a:lnSpc>
+            <a:spcBef>
+              <a:spcPct val="0"/>
+            </a:spcBef>
+            <a:spcAft>
+              <a:spcPct val="15000"/>
+            </a:spcAft>
+            <a:buChar char="••"/>
+          </a:pPr>
+          <a:r>
+            <a:rPr lang="en-US" sz="1100" kern="1200" dirty="0" smtClean="0"/>
+            <a:t> &lt;/</a:t>
+          </a:r>
+          <a:r>
+            <a:rPr lang="en-US" sz="1100" kern="1200" dirty="0" err="1" smtClean="0"/>
+            <a:t>schema:Review</a:t>
+          </a:r>
+          <a:r>
+            <a:rPr lang="en-US" sz="1100" kern="1200" dirty="0" smtClean="0"/>
+            <a:t>&gt;</a:t>
+          </a:r>
+          <a:endParaRPr lang="en-US" sz="1100" kern="1200" dirty="0"/>
+        </a:p>
+        <a:p>
+          <a:pPr marL="57150" lvl="1" indent="-57150" algn="l" defTabSz="488950" rtl="0">
+            <a:lnSpc>
+              <a:spcPct val="90000"/>
+            </a:lnSpc>
+            <a:spcBef>
+              <a:spcPct val="0"/>
+            </a:spcBef>
+            <a:spcAft>
+              <a:spcPct val="15000"/>
+            </a:spcAft>
+            <a:buChar char="••"/>
+          </a:pPr>
+          <a:r>
+            <a:rPr lang="en-US" sz="1100" kern="1200" dirty="0" smtClean="0"/>
+            <a:t>&lt;/</a:t>
+          </a:r>
+          <a:r>
+            <a:rPr lang="en-US" sz="1100" kern="1200" dirty="0" err="1" smtClean="0"/>
+            <a:t>rdf:RDF</a:t>
+          </a:r>
+          <a:r>
+            <a:rPr lang="en-US" sz="1100" kern="1200" dirty="0" smtClean="0"/>
+            <a:t>&gt;</a:t>
+          </a:r>
+          <a:endParaRPr lang="en-US" sz="1100" kern="1200" dirty="0"/>
+        </a:p>
+      </dsp:txBody>
+      <dsp:txXfrm rot="-5400000">
+        <a:off x="2147042" y="2217793"/>
+        <a:ext cx="5326642" cy="2505602"/>
+      </dsp:txXfrm>
+    </dsp:sp>
+    <dsp:sp modelId="{780A23D4-553F-4BAF-B937-ACACBAA53F97}">
+      <dsp:nvSpPr>
+        <dsp:cNvPr id="0" name=""/>
+        <dsp:cNvSpPr/>
+      </dsp:nvSpPr>
+      <dsp:spPr>
+        <a:xfrm>
+          <a:off x="0" y="2306164"/>
+          <a:ext cx="2145797" cy="660833"/>
+        </a:xfrm>
+        <a:prstGeom prst="roundRect">
+          <a:avLst/>
+        </a:prstGeom>
+        <a:solidFill>
+          <a:schemeClr val="accent1">
+            <a:hueOff val="0"/>
+            <a:satOff val="0"/>
+            <a:lumOff val="0"/>
+            <a:alphaOff val="0"/>
+          </a:schemeClr>
+        </a:solidFill>
+        <a:ln w="25400" cap="flat" cmpd="sng" algn="ctr">
+          <a:solidFill>
+            <a:schemeClr val="lt1">
+              <a:hueOff val="0"/>
+              <a:satOff val="0"/>
+              <a:lumOff val="0"/>
+              <a:alphaOff val="0"/>
+            </a:schemeClr>
+          </a:solidFill>
+          <a:prstDash val="solid"/>
+        </a:ln>
+        <a:effectLst/>
+      </dsp:spPr>
+      <dsp:style>
+        <a:lnRef idx="2">
+          <a:scrgbClr r="0" g="0" b="0"/>
+        </a:lnRef>
+        <a:fillRef idx="1">
+          <a:scrgbClr r="0" g="0" b="0"/>
+        </a:fillRef>
+        <a:effectRef idx="0">
+          <a:scrgbClr r="0" g="0" b="0"/>
+        </a:effectRef>
+        <a:fontRef idx="minor">
+          <a:schemeClr val="lt1"/>
+        </a:fontRef>
+      </dsp:style>
+      <dsp:txBody>
+        <a:bodyPr spcFirstLastPara="0" vert="horz" wrap="square" lIns="49530" tIns="24765" rIns="49530" bIns="24765" numCol="1" spcCol="1270" anchor="ctr" anchorCtr="0">
+          <a:noAutofit/>
+        </a:bodyPr>
+        <a:lstStyle/>
+        <a:p>
+          <a:pPr lvl="0" algn="ctr" defTabSz="577850" rtl="0">
+            <a:lnSpc>
+              <a:spcPct val="90000"/>
+            </a:lnSpc>
+            <a:spcBef>
+              <a:spcPct val="0"/>
+            </a:spcBef>
+            <a:spcAft>
+              <a:spcPct val="35000"/>
+            </a:spcAft>
+          </a:pPr>
+          <a:r>
+            <a:rPr lang="en-US" sz="1300" kern="1200" smtClean="0"/>
+            <a:t>Response:</a:t>
+          </a:r>
+          <a:endParaRPr lang="en-US" sz="1300" kern="1200"/>
+        </a:p>
+      </dsp:txBody>
+      <dsp:txXfrm>
+        <a:off x="32259" y="2338423"/>
+        <a:ext cx="2081279" cy="596315"/>
+      </dsp:txXfrm>
+    </dsp:sp>
+  </dsp:spTree>
+</dsp:drawing>
+</file>
+
+<file path=ppt/diagrams/layout1.xml><?xml version="1.0" encoding="utf-8"?>
+<dgm:layoutDef xmlns:dgm="http://schemas.openxmlformats.org/drawingml/2006/diagram" xmlns:a="http://schemas.openxmlformats.org/drawingml/2006/main" uniqueId="urn:microsoft.com/office/officeart/2005/8/layout/vList5">
+  <dgm:title val=""/>
+  <dgm:desc val=""/>
+  <dgm:catLst>
+    <dgm:cat type="list" pri="15000"/>
+    <dgm:cat type="convert" pri="2000"/>
+  </dgm:catLst>
+  <dgm:sampData>
+    <dgm:dataModel>
+      <dgm:ptLst>
+        <dgm:pt modelId="0" type="doc"/>
+        <dgm:pt modelId="1">
+          <dgm:prSet phldr="1"/>
+        </dgm:pt>
+        <dgm:pt modelId="11">
+          <dgm:prSet phldr="1"/>
+        </dgm:pt>
+        <dgm:pt modelId="12">
+          <dgm:prSet phldr="1"/>
+        </dgm:pt>
+        <dgm:pt modelId="2">
+          <dgm:prSet phldr="1"/>
+        </dgm:pt>
+        <dgm:pt modelId="21">
+          <dgm:prSet phldr="1"/>
+        </dgm:pt>
+        <dgm:pt modelId="22">
+          <dgm:prSet phldr="1"/>
+        </dgm:pt>
+        <dgm:pt modelId="3">
+          <dgm:prSet phldr="1"/>
+        </dgm:pt>
+        <dgm:pt modelId="31">
+          <dgm:prSet phldr="1"/>
+        </dgm:pt>
+        <dgm:pt modelId="32">
+          <dgm:prSet phldr="1"/>
+        </dgm:pt>
+      </dgm:ptLst>
+      <dgm:cxnLst>
+        <dgm:cxn modelId="4" srcId="0" destId="1" srcOrd="0" destOrd="0"/>
+        <dgm:cxn modelId="5" srcId="0" destId="2" srcOrd="1" destOrd="0"/>
+        <dgm:cxn modelId="6" srcId="0" destId="3" srcOrd="2" destOrd="0"/>
+        <dgm:cxn modelId="13" srcId="1" destId="11" srcOrd="0" destOrd="0"/>
+        <dgm:cxn modelId="14" srcId="1" destId="12" srcOrd="1" destOrd="0"/>
+        <dgm:cxn modelId="23" srcId="2" destId="21" srcOrd="0" destOrd="0"/>
+        <dgm:cxn modelId="24" srcId="2" destId="22" srcOrd="1" destOrd="0"/>
+        <dgm:cxn modelId="33" srcId="3" destId="31" srcOrd="0" destOrd="0"/>
+        <dgm:cxn modelId="34" srcId="3" destId="32" srcOrd="1" destOrd="0"/>
+      </dgm:cxnLst>
+      <dgm:bg/>
+      <dgm:whole/>
+    </dgm:dataModel>
+  </dgm:sampData>
+  <dgm:styleData>
+    <dgm:dataModel>
+      <dgm:ptLst>
+        <dgm:pt modelId="0" type="doc"/>
+        <dgm:pt modelId="1"/>
+        <dgm:pt modelId="11"/>
+        <dgm:pt modelId="2"/>
+        <dgm:pt modelId="21"/>
+      </dgm:ptLst>
+      <dgm:cxnLst>
+        <dgm:cxn modelId="4" srcId="0" destId="1" srcOrd="0" destOrd="0"/>
+        <dgm:cxn modelId="5" srcId="0" destId="2" srcOrd="1" destOrd="0"/>
+        <dgm:cxn modelId="13" srcId="1" destId="11" srcOrd="0" destOrd="0"/>
+        <dgm:cxn modelId="23" srcId="2" destId="21" srcOrd="0" destOrd="0"/>
+      </dgm:cxnLst>
+      <dgm:bg/>
+      <dgm:whole/>
+    </dgm:dataModel>
+  </dgm:styleData>
+  <dgm:clrData>
+    <dgm:dataModel>
+      <dgm:ptLst>
+        <dgm:pt modelId="0" type="doc"/>
+        <dgm:pt modelId="1"/>
+        <dgm:pt modelId="11"/>
+        <dgm:pt modelId="2"/>
+        <dgm:pt modelId="21"/>
+        <dgm:pt modelId="3"/>
+        <dgm:pt modelId="31"/>
+        <dgm:pt modelId="4"/>
+        <dgm:pt modelId="41"/>
+      </dgm:ptLst>
+      <dgm:cxnLst>
+        <dgm:cxn modelId="5" srcId="0" destId="1" srcOrd="0" destOrd="0"/>
+        <dgm:cxn modelId="6" srcId="0" destId="2" srcOrd="1" destOrd="0"/>
+        <dgm:cxn modelId="7" srcId="0" destId="3" srcOrd="2" destOrd="0"/>
+        <dgm:cxn modelId="8" srcId="0" destId="4" srcOrd="3" destOrd="0"/>
+        <dgm:cxn modelId="13" srcId="1" destId="11" srcOrd="0" destOrd="0"/>
+        <dgm:cxn modelId="23" srcId="2" destId="21" srcOrd="0" destOrd="0"/>
+        <dgm:cxn modelId="33" srcId="3" destId="31" srcOrd="0" destOrd="0"/>
+        <dgm:cxn modelId="43" srcId="4" destId="41" srcOrd="0" destOrd="0"/>
+      </dgm:cxnLst>
+      <dgm:bg/>
+      <dgm:whole/>
+    </dgm:dataModel>
+  </dgm:clrData>
+  <dgm:layoutNode name="Name0">
+    <dgm:varLst>
+      <dgm:dir/>
+      <dgm:animLvl val="lvl"/>
+      <dgm:resizeHandles val="exact"/>
+    </dgm:varLst>
+    <dgm:choose name="Name1">
+      <dgm:if name="Name2" func="var" arg="dir" op="equ" val="norm">
+        <dgm:alg type="lin">
+          <dgm:param type="linDir" val="fromT"/>
+          <dgm:param type="nodeHorzAlign" val="l"/>
+        </dgm:alg>
+      </dgm:if>
+      <dgm:else name="Name3">
+        <dgm:alg type="lin">
+          <dgm:param type="linDir" val="fromT"/>
+          <dgm:param type="nodeHorzAlign" val="r"/>
+        </dgm:alg>
+      </dgm:else>
+    </dgm:choose>
+    <dgm:shape xmlns:r="http://schemas.openxmlformats.org/officeDocument/2006/relationships" r:blip="">
+      <dgm:adjLst/>
+    </dgm:shape>
+    <dgm:presOf/>
+    <dgm:constrLst>
+      <dgm:constr type="h" for="ch" forName="linNode" refType="h"/>
+      <dgm:constr type="w" for="ch" forName="linNode" refType="w"/>
+      <dgm:constr type="h" for="ch" forName="sp" refType="h" fact="0.05"/>
+      <dgm:constr type="primFontSz" for="des" forName="parentText" op="equ" val="65"/>
+      <dgm:constr type="secFontSz" for="des" forName="descendantText" op="equ"/>
+    </dgm:constrLst>
+    <dgm:ruleLst/>
+    <dgm:forEach name="Name4" axis="ch" ptType="node">
+      <dgm:layoutNode name="linNode">
+        <dgm:choose name="Name5">
+          <dgm:if name="Name6" func="var" arg="dir" op="equ" val="norm">
+            <dgm:alg type="lin">
+              <dgm:param type="linDir" val="fromL"/>
+            </dgm:alg>
+          </dgm:if>
+          <dgm:else name="Name7">
+            <dgm:alg type="lin">
+              <dgm:param type="linDir" val="fromR"/>
+            </dgm:alg>
+          </dgm:else>
+        </dgm:choose>
+        <dgm:shape xmlns:r="http://schemas.openxmlformats.org/officeDocument/2006/relationships" r:blip="">
+          <dgm:adjLst/>
+        </dgm:shape>
+        <dgm:presOf/>
+        <dgm:constrLst>
+          <dgm:constr type="w" for="ch" forName="parentText" refType="w" fact="0.36"/>
+          <dgm:constr type="w" for="ch" forName="descendantText" refType="w" fact="0.64"/>
+          <dgm:constr type="h" for="ch" forName="parentText" refType="h"/>
+          <dgm:constr type="h" for="ch" forName="descendantText" refType="h" refFor="ch" refForName="parentText" fact="0.8"/>
+        </dgm:constrLst>
+        <dgm:ruleLst/>
+        <dgm:layoutNode name="parentText">
+          <dgm:varLst>
+            <dgm:chMax val="1"/>
+            <dgm:bulletEnabled val="1"/>
+          </dgm:varLst>
+          <dgm:alg type="tx"/>
+          <dgm:shape xmlns:r="http://schemas.openxmlformats.org/officeDocument/2006/relationships" type="roundRect" r:blip="" zOrderOff="3">
+            <dgm:adjLst/>
+          </dgm:shape>
+          <dgm:presOf axis="self" ptType="node"/>
+          <dgm:constrLst>
+            <dgm:constr type="tMarg" refType="primFontSz" fact="0.15"/>
+            <dgm:constr type="bMarg" refType="primFontSz" fact="0.15"/>
+            <dgm:constr type="lMarg" refType="primFontSz" fact="0.3"/>
+            <dgm:constr type="rMarg" refType="primFontSz" fact="0.3"/>
+          </dgm:constrLst>
+          <dgm:ruleLst>
+            <dgm:rule type="primFontSz" val="5" fact="NaN" max="NaN"/>
+          </dgm:ruleLst>
+        </dgm:layoutNode>
+        <dgm:choose name="Name8">
+          <dgm:if name="Name9" axis="ch" ptType="node" func="cnt" op="gte" val="1">
+            <dgm:layoutNode name="descendantText" styleLbl="alignAccFollowNode1">
+              <dgm:varLst>
+                <dgm:bulletEnabled val="1"/>
+              </dgm:varLst>
+              <dgm:alg type="tx">
+                <dgm:param type="stBulletLvl" val="1"/>
+                <dgm:param type="txAnchorVertCh" val="mid"/>
+              </dgm:alg>
+              <dgm:choose name="Name10">
+                <dgm:if name="Name11" func="var" arg="dir" op="equ" val="norm">
+                  <dgm:shape xmlns:r="http://schemas.openxmlformats.org/officeDocument/2006/relationships" rot="90" type="round2SameRect" r:blip="">
+                    <dgm:adjLst/>
+                  </dgm:shape>
+                </dgm:if>
+                <dgm:else name="Name12">
+                  <dgm:shape xmlns:r="http://schemas.openxmlformats.org/officeDocument/2006/relationships" rot="-90" type="round2SameRect" r:blip="">
+                    <dgm:adjLst/>
+                  </dgm:shape>
+                </dgm:else>
+              </dgm:choose>
+              <dgm:presOf axis="des" ptType="node"/>
+              <dgm:constrLst>
+                <dgm:constr type="secFontSz" val="65"/>
+                <dgm:constr type="primFontSz" refType="secFontSz"/>
+                <dgm:constr type="lMarg" refType="secFontSz" fact="0.3"/>
+                <dgm:constr type="rMarg" refType="secFontSz" fact="0.3"/>
+                <dgm:constr type="tMarg" refType="secFontSz" fact="0.15"/>
+                <dgm:constr type="bMarg" refType="secFontSz" fact="0.15"/>
+              </dgm:constrLst>
+              <dgm:ruleLst>
+                <dgm:rule type="secFontSz" val="5" fact="NaN" max="NaN"/>
+              </dgm:ruleLst>
+            </dgm:layoutNode>
+          </dgm:if>
+          <dgm:else name="Name13"/>
+        </dgm:choose>
+      </dgm:layoutNode>
+      <dgm:forEach name="Name14" axis="followSib" ptType="sibTrans" cnt="1">
+        <dgm:layoutNode name="sp">
+          <dgm:alg type="sp"/>
+          <dgm:shape xmlns:r="http://schemas.openxmlformats.org/officeDocument/2006/relationships" r:blip="">
+            <dgm:adjLst/>
+          </dgm:shape>
+          <dgm:presOf/>
+          <dgm:constrLst/>
+          <dgm:ruleLst/>
+        </dgm:layoutNode>
+      </dgm:forEach>
+    </dgm:forEach>
+  </dgm:layoutNode>
+</dgm:layoutDef>
+</file>
+
+<file path=ppt/diagrams/layout2.xml><?xml version="1.0" encoding="utf-8"?>
+<dgm:layoutDef xmlns:dgm="http://schemas.openxmlformats.org/drawingml/2006/diagram" xmlns:a="http://schemas.openxmlformats.org/drawingml/2006/main" uniqueId="urn:microsoft.com/office/officeart/2005/8/layout/vList5">
+  <dgm:title val=""/>
+  <dgm:desc val=""/>
+  <dgm:catLst>
+    <dgm:cat type="list" pri="15000"/>
+    <dgm:cat type="convert" pri="2000"/>
+  </dgm:catLst>
+  <dgm:sampData>
+    <dgm:dataModel>
+      <dgm:ptLst>
+        <dgm:pt modelId="0" type="doc"/>
+        <dgm:pt modelId="1">
+          <dgm:prSet phldr="1"/>
+        </dgm:pt>
+        <dgm:pt modelId="11">
+          <dgm:prSet phldr="1"/>
+        </dgm:pt>
+        <dgm:pt modelId="12">
+          <dgm:prSet phldr="1"/>
+        </dgm:pt>
+        <dgm:pt modelId="2">
+          <dgm:prSet phldr="1"/>
+        </dgm:pt>
+        <dgm:pt modelId="21">
+          <dgm:prSet phldr="1"/>
+        </dgm:pt>
+        <dgm:pt modelId="22">
+          <dgm:prSet phldr="1"/>
+        </dgm:pt>
+        <dgm:pt modelId="3">
+          <dgm:prSet phldr="1"/>
+        </dgm:pt>
+        <dgm:pt modelId="31">
+          <dgm:prSet phldr="1"/>
+        </dgm:pt>
+        <dgm:pt modelId="32">
+          <dgm:prSet phldr="1"/>
+        </dgm:pt>
+      </dgm:ptLst>
+      <dgm:cxnLst>
+        <dgm:cxn modelId="4" srcId="0" destId="1" srcOrd="0" destOrd="0"/>
+        <dgm:cxn modelId="5" srcId="0" destId="2" srcOrd="1" destOrd="0"/>
+        <dgm:cxn modelId="6" srcId="0" destId="3" srcOrd="2" destOrd="0"/>
+        <dgm:cxn modelId="13" srcId="1" destId="11" srcOrd="0" destOrd="0"/>
+        <dgm:cxn modelId="14" srcId="1" destId="12" srcOrd="1" destOrd="0"/>
+        <dgm:cxn modelId="23" srcId="2" destId="21" srcOrd="0" destOrd="0"/>
+        <dgm:cxn modelId="24" srcId="2" destId="22" srcOrd="1" destOrd="0"/>
+        <dgm:cxn modelId="33" srcId="3" destId="31" srcOrd="0" destOrd="0"/>
+        <dgm:cxn modelId="34" srcId="3" destId="32" srcOrd="1" destOrd="0"/>
+      </dgm:cxnLst>
+      <dgm:bg/>
+      <dgm:whole/>
+    </dgm:dataModel>
+  </dgm:sampData>
+  <dgm:styleData>
+    <dgm:dataModel>
+      <dgm:ptLst>
+        <dgm:pt modelId="0" type="doc"/>
+        <dgm:pt modelId="1"/>
+        <dgm:pt modelId="11"/>
+        <dgm:pt modelId="2"/>
+        <dgm:pt modelId="21"/>
+      </dgm:ptLst>
+      <dgm:cxnLst>
+        <dgm:cxn modelId="4" srcId="0" destId="1" srcOrd="0" destOrd="0"/>
+        <dgm:cxn modelId="5" srcId="0" destId="2" srcOrd="1" destOrd="0"/>
+        <dgm:cxn modelId="13" srcId="1" destId="11" srcOrd="0" destOrd="0"/>
+        <dgm:cxn modelId="23" srcId="2" destId="21" srcOrd="0" destOrd="0"/>
+      </dgm:cxnLst>
+      <dgm:bg/>
+      <dgm:whole/>
+    </dgm:dataModel>
+  </dgm:styleData>
+  <dgm:clrData>
+    <dgm:dataModel>
+      <dgm:ptLst>
+        <dgm:pt modelId="0" type="doc"/>
+        <dgm:pt modelId="1"/>
+        <dgm:pt modelId="11"/>
+        <dgm:pt modelId="2"/>
+        <dgm:pt modelId="21"/>
+        <dgm:pt modelId="3"/>
+        <dgm:pt modelId="31"/>
+        <dgm:pt modelId="4"/>
+        <dgm:pt modelId="41"/>
+      </dgm:ptLst>
+      <dgm:cxnLst>
+        <dgm:cxn modelId="5" srcId="0" destId="1" srcOrd="0" destOrd="0"/>
+        <dgm:cxn modelId="6" srcId="0" destId="2" srcOrd="1" destOrd="0"/>
+        <dgm:cxn modelId="7" srcId="0" destId="3" srcOrd="2" destOrd="0"/>
+        <dgm:cxn modelId="8" srcId="0" destId="4" srcOrd="3" destOrd="0"/>
+        <dgm:cxn modelId="13" srcId="1" destId="11" srcOrd="0" destOrd="0"/>
+        <dgm:cxn modelId="23" srcId="2" destId="21" srcOrd="0" destOrd="0"/>
+        <dgm:cxn modelId="33" srcId="3" destId="31" srcOrd="0" destOrd="0"/>
+        <dgm:cxn modelId="43" srcId="4" destId="41" srcOrd="0" destOrd="0"/>
+      </dgm:cxnLst>
+      <dgm:bg/>
+      <dgm:whole/>
+    </dgm:dataModel>
+  </dgm:clrData>
+  <dgm:layoutNode name="Name0">
+    <dgm:varLst>
+      <dgm:dir/>
+      <dgm:animLvl val="lvl"/>
+      <dgm:resizeHandles val="exact"/>
+    </dgm:varLst>
+    <dgm:choose name="Name1">
+      <dgm:if name="Name2" func="var" arg="dir" op="equ" val="norm">
+        <dgm:alg type="lin">
+          <dgm:param type="linDir" val="fromT"/>
+          <dgm:param type="nodeHorzAlign" val="l"/>
+        </dgm:alg>
+      </dgm:if>
+      <dgm:else name="Name3">
+        <dgm:alg type="lin">
+          <dgm:param type="linDir" val="fromT"/>
+          <dgm:param type="nodeHorzAlign" val="r"/>
+        </dgm:alg>
+      </dgm:else>
+    </dgm:choose>
+    <dgm:shape xmlns:r="http://schemas.openxmlformats.org/officeDocument/2006/relationships" r:blip="">
+      <dgm:adjLst/>
+    </dgm:shape>
+    <dgm:presOf/>
+    <dgm:constrLst>
+      <dgm:constr type="h" for="ch" forName="linNode" refType="h"/>
+      <dgm:constr type="w" for="ch" forName="linNode" refType="w"/>
+      <dgm:constr type="h" for="ch" forName="sp" refType="h" fact="0.05"/>
+      <dgm:constr type="primFontSz" for="des" forName="parentText" op="equ" val="65"/>
+      <dgm:constr type="secFontSz" for="des" forName="descendantText" op="equ"/>
+    </dgm:constrLst>
+    <dgm:ruleLst/>
+    <dgm:forEach name="Name4" axis="ch" ptType="node">
+      <dgm:layoutNode name="linNode">
+        <dgm:choose name="Name5">
+          <dgm:if name="Name6" func="var" arg="dir" op="equ" val="norm">
+            <dgm:alg type="lin">
+              <dgm:param type="linDir" val="fromL"/>
+            </dgm:alg>
+          </dgm:if>
+          <dgm:else name="Name7">
+            <dgm:alg type="lin">
+              <dgm:param type="linDir" val="fromR"/>
+            </dgm:alg>
+          </dgm:else>
+        </dgm:choose>
+        <dgm:shape xmlns:r="http://schemas.openxmlformats.org/officeDocument/2006/relationships" r:blip="">
+          <dgm:adjLst/>
+        </dgm:shape>
+        <dgm:presOf/>
+        <dgm:constrLst>
+          <dgm:constr type="w" for="ch" forName="parentText" refType="w" fact="0.36"/>
+          <dgm:constr type="w" for="ch" forName="descendantText" refType="w" fact="0.64"/>
+          <dgm:constr type="h" for="ch" forName="parentText" refType="h"/>
+          <dgm:constr type="h" for="ch" forName="descendantText" refType="h" refFor="ch" refForName="parentText" fact="0.8"/>
+        </dgm:constrLst>
+        <dgm:ruleLst/>
+        <dgm:layoutNode name="parentText">
+          <dgm:varLst>
+            <dgm:chMax val="1"/>
+            <dgm:bulletEnabled val="1"/>
+          </dgm:varLst>
+          <dgm:alg type="tx"/>
+          <dgm:shape xmlns:r="http://schemas.openxmlformats.org/officeDocument/2006/relationships" type="roundRect" r:blip="" zOrderOff="3">
+            <dgm:adjLst/>
+          </dgm:shape>
+          <dgm:presOf axis="self" ptType="node"/>
+          <dgm:constrLst>
+            <dgm:constr type="tMarg" refType="primFontSz" fact="0.15"/>
+            <dgm:constr type="bMarg" refType="primFontSz" fact="0.15"/>
+            <dgm:constr type="lMarg" refType="primFontSz" fact="0.3"/>
+            <dgm:constr type="rMarg" refType="primFontSz" fact="0.3"/>
+          </dgm:constrLst>
+          <dgm:ruleLst>
+            <dgm:rule type="primFontSz" val="5" fact="NaN" max="NaN"/>
+          </dgm:ruleLst>
+        </dgm:layoutNode>
+        <dgm:choose name="Name8">
+          <dgm:if name="Name9" axis="ch" ptType="node" func="cnt" op="gte" val="1">
+            <dgm:layoutNode name="descendantText" styleLbl="alignAccFollowNode1">
+              <dgm:varLst>
+                <dgm:bulletEnabled val="1"/>
+              </dgm:varLst>
+              <dgm:alg type="tx">
+                <dgm:param type="stBulletLvl" val="1"/>
+                <dgm:param type="txAnchorVertCh" val="mid"/>
+              </dgm:alg>
+              <dgm:choose name="Name10">
+                <dgm:if name="Name11" func="var" arg="dir" op="equ" val="norm">
+                  <dgm:shape xmlns:r="http://schemas.openxmlformats.org/officeDocument/2006/relationships" rot="90" type="round2SameRect" r:blip="">
+                    <dgm:adjLst/>
+                  </dgm:shape>
+                </dgm:if>
+                <dgm:else name="Name12">
+                  <dgm:shape xmlns:r="http://schemas.openxmlformats.org/officeDocument/2006/relationships" rot="-90" type="round2SameRect" r:blip="">
+                    <dgm:adjLst/>
+                  </dgm:shape>
+                </dgm:else>
+              </dgm:choose>
+              <dgm:presOf axis="des" ptType="node"/>
+              <dgm:constrLst>
+                <dgm:constr type="secFontSz" val="65"/>
+                <dgm:constr type="primFontSz" refType="secFontSz"/>
+                <dgm:constr type="lMarg" refType="secFontSz" fact="0.3"/>
+                <dgm:constr type="rMarg" refType="secFontSz" fact="0.3"/>
+                <dgm:constr type="tMarg" refType="secFontSz" fact="0.15"/>
+                <dgm:constr type="bMarg" refType="secFontSz" fact="0.15"/>
+              </dgm:constrLst>
+              <dgm:ruleLst>
+                <dgm:rule type="secFontSz" val="5" fact="NaN" max="NaN"/>
+              </dgm:ruleLst>
+            </dgm:layoutNode>
+          </dgm:if>
+          <dgm:else name="Name13"/>
+        </dgm:choose>
+      </dgm:layoutNode>
+      <dgm:forEach name="Name14" axis="followSib" ptType="sibTrans" cnt="1">
+        <dgm:layoutNode name="sp">
+          <dgm:alg type="sp"/>
+          <dgm:shape xmlns:r="http://schemas.openxmlformats.org/officeDocument/2006/relationships" r:blip="">
+            <dgm:adjLst/>
+          </dgm:shape>
+          <dgm:presOf/>
+          <dgm:constrLst/>
+          <dgm:ruleLst/>
+        </dgm:layoutNode>
+      </dgm:forEach>
+    </dgm:forEach>
+  </dgm:layoutNode>
+</dgm:layoutDef>
+</file>
+
+<file path=ppt/diagrams/quickStyle1.xml><?xml version="1.0" encoding="utf-8"?>
+<dgm:styleDef xmlns:dgm="http://schemas.openxmlformats.org/drawingml/2006/diagram" xmlns:a="http://schemas.openxmlformats.org/drawingml/2006/main" uniqueId="urn:microsoft.com/office/officeart/2005/8/quickstyle/simple1">
+  <dgm:title val=""/>
+  <dgm:desc val=""/>
+  <dgm:catLst>
+    <dgm:cat type="simple" pri="10100"/>
+  </dgm:catLst>
+  <dgm:scene3d>
+    <a:camera prst="orthographicFront"/>
+    <a:lightRig rig="threePt" dir="t"/>
+  </dgm:scene3d>
+  <dgm:styleLbl name="node0">
+    <dgm:scene3d>
+      <a:camera prst="orthographicFront"/>
+      <a:lightRig rig="threePt" dir="t"/>
+    </dgm:scene3d>
+    <dgm:sp3d/>
+    <dgm:txPr/>
+    <dgm:style>
+      <a:lnRef idx="2">
+        <a:scrgbClr r="0" g="0" b="0"/>
+      </a:lnRef>
+      <a:fillRef idx="1">
+        <a:scrgbClr r="0" g="0" b="0"/>
+      </a:fillRef>
+      <a:effectRef idx="0">
+        <a:scrgbClr r="0" g="0" b="0"/>
+      </a:effectRef>
+      <a:fontRef idx="minor">
+        <a:schemeClr val="lt1"/>
+      </a:fontRef>
+    </dgm:style>
+  </dgm:styleLbl>
+  <dgm:styleLbl name="lnNode1">
+    <dgm:scene3d>
+      <a:camera prst="orthographicFront"/>
+      <a:lightRig rig="threePt" dir="t"/>
+    </dgm:scene3d>
+    <dgm:sp3d/>
+    <dgm:txPr/>
+    <dgm:style>
+      <a:lnRef idx="2">
+        <a:scrgbClr r="0" g="0" b="0"/>
+      </a:lnRef>
+      <a:fillRef idx="1">
+        <a:scrgbClr r="0" g="0" b="0"/>
+      </a:fillRef>
+      <a:effectRef idx="0">
+        <a:scrgbClr r="0" g="0" b="0"/>
+      </a:effectRef>
+      <a:fontRef idx="minor">
+        <a:schemeClr val="lt1"/>
+      </a:fontRef>
+    </dgm:style>
+  </dgm:styleLbl>
+  <dgm:styleLbl name="vennNode1">
+    <dgm:scene3d>
+      <a:camera prst="orthographicFront"/>
+      <a:lightRig rig="threePt" dir="t"/>
+    </dgm:scene3d>
+    <dgm:sp3d/>
+    <dgm:txPr/>
+    <dgm:style>
+      <a:lnRef idx="2">
+        <a:scrgbClr r="0" g="0" b="0"/>
+      </a:lnRef>
+      <a:fillRef idx="1">
+        <a:scrgbClr r="0" g="0" b="0"/>
+      </a:fillRef>
+      <a:effectRef idx="0">
+        <a:scrgbClr r="0" g="0" b="0"/>
+      </a:effectRef>
+      <a:fontRef idx="minor">
+        <a:schemeClr val="tx1"/>
+      </a:fontRef>
+    </dgm:style>
+  </dgm:styleLbl>
+  <dgm:styleLbl name="alignNode1">
+    <dgm:scene3d>
+      <a:camera prst="orthographicFront"/>
+      <a:lightRig rig="threePt" dir="t"/>
+    </dgm:scene3d>
+    <dgm:sp3d/>
+    <dgm:txPr/>
+    <dgm:style>
+      <a:lnRef idx="2">
+        <a:scrgbClr r="0" g="0" b="0"/>
+      </a:lnRef>
+      <a:fillRef idx="1">
+        <a:scrgbClr r="0" g="0" b="0"/>
+      </a:fillRef>
+      <a:effectRef idx="0">
+        <a:scrgbClr r="0" g="0" b="0"/>
+      </a:effectRef>
+      <a:fontRef idx="minor">
+        <a:schemeClr val="lt1"/>
+      </a:fontRef>
+    </dgm:style>
+  </dgm:styleLbl>
+  <dgm:styleLbl name="node1">
+    <dgm:scene3d>
+      <a:camera prst="orthographicFront"/>
+      <a:lightRig rig="threePt" dir="t"/>
+    </dgm:scene3d>
+    <dgm:sp3d/>
+    <dgm:txPr/>
+    <dgm:style>
+      <a:lnRef idx="2">
+        <a:scrgbClr r="0" g="0" b="0"/>
+      </a:lnRef>
+      <a:fillRef idx="1">
+        <a:scrgbClr r="0" g="0" b="0"/>
+      </a:fillRef>
+      <a:effectRef idx="0">
+        <a:scrgbClr r="0" g="0" b="0"/>
+      </a:effectRef>
+      <a:fontRef idx="minor">
+        <a:schemeClr val="lt1"/>
+      </a:fontRef>
+    </dgm:style>
+  </dgm:styleLbl>
+  <dgm:styleLbl name="node2">
+    <dgm:scene3d>
+      <a:camera prst="orthographicFront"/>
+      <a:lightRig rig="threePt" dir="t"/>
+    </dgm:scene3d>
+    <dgm:sp3d/>
+    <dgm:txPr/>
+    <dgm:style>
+      <a:lnRef idx="2">
+        <a:scrgbClr r="0" g="0" b="0"/>
+      </a:lnRef>
+      <a:fillRef idx="1">
+        <a:scrgbClr r="0" g="0" b="0"/>
+      </a:fillRef>
+      <a:effectRef idx="0">
+        <a:scrgbClr r="0" g="0" b="0"/>
+      </a:effectRef>
+      <a:fontRef idx="minor">
+        <a:schemeClr val="lt1"/>
+      </a:fontRef>
+    </dgm:style>
+  </dgm:styleLbl>
+  <dgm:styleLbl name="node3">
+    <dgm:scene3d>
+      <a:camera prst="orthographicFront"/>
+      <a:lightRig rig="threePt" dir="t"/>
+    </dgm:scene3d>
+    <dgm:sp3d/>
+    <dgm:txPr/>
+    <dgm:style>
+      <a:lnRef idx="2">
+        <a:scrgbClr r="0" g="0" b="0"/>
+      </a:lnRef>
+      <a:fillRef idx="1">
+        <a:scrgbClr r="0" g="0" b="0"/>
+      </a:fillRef>
+      <a:effectRef idx="0">
+        <a:scrgbClr r="0" g="0" b="0"/>
+      </a:effectRef>
+      <a:fontRef idx="minor">
+        <a:schemeClr val="lt1"/>
+      </a:fontRef>
+    </dgm:style>
+  </dgm:styleLbl>
+  <dgm:styleLbl name="node4">
+    <dgm:scene3d>
+      <a:camera prst="orthographicFront"/>
+      <a:lightRig rig="threePt" dir="t"/>
+    </dgm:scene3d>
+    <dgm:sp3d/>
+    <dgm:txPr/>
+    <dgm:style>
+      <a:lnRef idx="2">
+        <a:scrgbClr r="0" g="0" b="0"/>
+      </a:lnRef>
+      <a:fillRef idx="1">
+        <a:scrgbClr r="0" g="0" b="0"/>
+      </a:fillRef>
+      <a:effectRef idx="0">
+        <a:scrgbClr r="0" g="0" b="0"/>
+      </a:effectRef>
+      <a:fontRef idx="minor">
+        <a:schemeClr val="lt1"/>
+      </a:fontRef>
+    </dgm:style>
+  </dgm:styleLbl>
+  <dgm:styleLbl name="fgImgPlace1">
+    <dgm:scene3d>
+      <a:camera prst="orthographicFront"/>
+      <a:lightRig rig="threePt" dir="t"/>
+    </dgm:scene3d>
+    <dgm:sp3d/>
+    <dgm:txPr/>
+    <dgm:style>
+      <a:lnRef idx="2">
+        <a:scrgbClr r="0" g="0" b="0"/>
+      </a:lnRef>
+      <a:fillRef idx="1">
+        <a:scrgbClr r="0" g="0" b="0"/>
+      </a:fillRef>
+      <a:effectRef idx="0">
+        <a:scrgbClr r="0" g="0" b="0"/>
+      </a:effectRef>
+      <a:fontRef idx="minor"/>
+    </dgm:style>
+  </dgm:styleLbl>
+  <dgm:styleLbl name="alignImgPlace1">
+    <dgm:scene3d>
+      <a:camera prst="orthographicFront"/>
+      <a:lightRig rig="threePt" dir="t"/>
+    </dgm:scene3d>
+    <dgm:sp3d/>
+    <dgm:txPr/>
+    <dgm:style>
+      <a:lnRef idx="2">
+        <a:scrgbClr r="0" g="0" b="0"/>
+      </a:lnRef>
+      <a:fillRef idx="1">
+        <a:scrgbClr r="0" g="0" b="0"/>
+      </a:fillRef>
+      <a:effectRef idx="0">
+        <a:scrgbClr r="0" g="0" b="0"/>
+      </a:effectRef>
+      <a:fontRef idx="minor"/>
+    </dgm:style>
+  </dgm:styleLbl>
+  <dgm:styleLbl name="bgImgPlace1">
+    <dgm:scene3d>
+      <a:camera prst="orthographicFront"/>
+      <a:lightRig rig="threePt" dir="t"/>
+    </dgm:scene3d>
+    <dgm:sp3d/>
+    <dgm:txPr/>
+    <dgm:style>
+      <a:lnRef idx="2">
+        <a:scrgbClr r="0" g="0" b="0"/>
+      </a:lnRef>
+      <a:fillRef idx="1">
+        <a:scrgbClr r="0" g="0" b="0"/>
+      </a:fillRef>
+      <a:effectRef idx="0">
+        <a:scrgbClr r="0" g="0" b="0"/>
+      </a:effectRef>
+      <a:fontRef idx="minor"/>
+    </dgm:style>
+  </dgm:styleLbl>
+  <dgm:styleLbl name="sibTrans2D1">
+    <dgm:scene3d>
+      <a:camera prst="orthographicFront"/>
+      <a:lightRig rig="threePt" dir="t"/>
+    </dgm:scene3d>
+    <dgm:sp3d/>
+    <dgm:txPr/>
+    <dgm:style>
+      <a:lnRef idx="0">
+        <a:scrgbClr r="0" g="0" b="0"/>
+      </a:lnRef>
+      <a:fillRef idx="1">
+        <a:scrgbClr r="0" g="0" b="0"/>
+      </a:fillRef>
+      <a:effectRef idx="0">
+        <a:scrgbClr r="0" g="0" b="0"/>
+      </a:effectRef>
+      <a:fontRef idx="minor">
+        <a:schemeClr val="lt1"/>
+      </a:fontRef>
+    </dgm:style>
+  </dgm:styleLbl>
+  <dgm:styleLbl name="fgSibTrans2D1">
+    <dgm:scene3d>
+      <a:camera prst="orthographicFront"/>
+      <a:lightRig rig="threePt" dir="t"/>
+    </dgm:scene3d>
+    <dgm:sp3d/>
+    <dgm:txPr/>
+    <dgm:style>
+      <a:lnRef idx="0">
+        <a:scrgbClr r="0" g="0" b="0"/>
+      </a:lnRef>
+      <a:fillRef idx="1">
+        <a:scrgbClr r="0" g="0" b="0"/>
+      </a:fillRef>
+      <a:effectRef idx="0">
+        <a:scrgbClr r="0" g="0" b="0"/>
+      </a:effectRef>
+      <a:fontRef idx="minor">
+        <a:schemeClr val="lt1"/>
+      </a:fontRef>
+    </dgm:style>
+  </dgm:styleLbl>
+  <dgm:styleLbl name="bgSibTrans2D1">
+    <dgm:scene3d>
+      <a:camera prst="orthographicFront"/>
+      <a:lightRig rig="threePt" dir="t"/>
+    </dgm:scene3d>
+    <dgm:sp3d/>
+    <dgm:txPr/>
+    <dgm:style>
+      <a:lnRef idx="0">
+        <a:scrgbClr r="0" g="0" b="0"/>
+      </a:lnRef>
+      <a:fillRef idx="1">
+        <a:scrgbClr r="0" g="0" b="0"/>
+      </a:fillRef>
+      <a:effectRef idx="0">
+        <a:scrgbClr r="0" g="0" b="0"/>
+      </a:effectRef>
+      <a:fontRef idx="minor">
+        <a:schemeClr val="lt1"/>
+      </a:fontRef>
+    </dgm:style>
+  </dgm:styleLbl>
+  <dgm:styleLbl name="sibTrans1D1">
+    <dgm:scene3d>
+      <a:camera prst="orthographicFront"/>
+      <a:lightRig rig="threePt" dir="t"/>
+    </dgm:scene3d>
+    <dgm:sp3d/>
+    <dgm:txPr/>
+    <dgm:style>
+      <a:lnRef idx="1">
+        <a:scrgbClr r="0" g="0" b="0"/>
+      </a:lnRef>
+      <a:fillRef idx="0">
+        <a:scrgbClr r="0" g="0" b="0"/>
+      </a:fillRef>
+      <a:effectRef idx="0">
+        <a:scrgbClr r="0" g="0" b="0"/>
+      </a:effectRef>
+      <a:fontRef idx="minor"/>
+    </dgm:style>
+  </dgm:styleLbl>
+  <dgm:styleLbl name="callout">
+    <dgm:scene3d>
+      <a:camera prst="orthographicFront"/>
+      <a:lightRig rig="threePt" dir="t"/>
+    </dgm:scene3d>
+    <dgm:sp3d/>
+    <dgm:txPr/>
+    <dgm:style>
+      <a:lnRef idx="2">
+        <a:scrgbClr r="0" g="0" b="0"/>
+      </a:lnRef>
+      <a:fillRef idx="1">
+        <a:scrgbClr r="0" g="0" b="0"/>
+      </a:fillRef>
+      <a:effectRef idx="0">
+        <a:scrgbClr r="0" g="0" b="0"/>
+      </a:effectRef>
+      <a:fontRef idx="minor"/>
+    </dgm:style>
+  </dgm:styleLbl>
+  <dgm:styleLbl name="asst0">
+    <dgm:scene3d>
+      <a:camera prst="orthographicFront"/>
+      <a:lightRig rig="threePt" dir="t"/>
+    </dgm:scene3d>
+    <dgm:sp3d/>
+    <dgm:txPr/>
+    <dgm:style>
+      <a:lnRef idx="2">
+        <a:scrgbClr r="0" g="0" b="0"/>
+      </a:lnRef>
+      <a:fillRef idx="1">
+        <a:scrgbClr r="0" g="0" b="0"/>
+      </a:fillRef>
+      <a:effectRef idx="0">
+        <a:scrgbClr r="0" g="0" b="0"/>
+      </a:effectRef>
+      <a:fontRef idx="minor">
+        <a:schemeClr val="lt1"/>
+      </a:fontRef>
+    </dgm:style>
+  </dgm:styleLbl>
+  <dgm:styleLbl name="asst1">
+    <dgm:scene3d>
+      <a:camera prst="orthographicFront"/>
+      <a:lightRig rig="threePt" dir="t"/>
+    </dgm:scene3d>
+    <dgm:sp3d/>
+    <dgm:txPr/>
+    <dgm:style>
+      <a:lnRef idx="2">
+        <a:scrgbClr r="0" g="0" b="0"/>
+      </a:lnRef>
+      <a:fillRef idx="1">
+        <a:scrgbClr r="0" g="0" b="0"/>
+      </a:fillRef>
+      <a:effectRef idx="0">
+        <a:scrgbClr r="0" g="0" b="0"/>
+      </a:effectRef>
+      <a:fontRef idx="minor">
+        <a:schemeClr val="lt1"/>
+      </a:fontRef>
+    </dgm:style>
+  </dgm:styleLbl>
+  <dgm:styleLbl name="asst2">
+    <dgm:scene3d>
+      <a:camera prst="orthographicFront"/>
+      <a:lightRig rig="threePt" dir="t"/>
+    </dgm:scene3d>
+    <dgm:sp3d/>
+    <dgm:txPr/>
+    <dgm:style>
+      <a:lnRef idx="2">
+        <a:scrgbClr r="0" g="0" b="0"/>
+      </a:lnRef>
+      <a:fillRef idx="1">
+        <a:scrgbClr r="0" g="0" b="0"/>
+      </a:fillRef>
+      <a:effectRef idx="0">
+        <a:scrgbClr r="0" g="0" b="0"/>
+      </a:effectRef>
+      <a:fontRef idx="minor">
+        <a:schemeClr val="lt1"/>
+      </a:fontRef>
+    </dgm:style>
+  </dgm:styleLbl>
+  <dgm:styleLbl name="asst3">
+    <dgm:scene3d>
+      <a:camera prst="orthographicFront"/>
+      <a:lightRig rig="threePt" dir="t"/>
+    </dgm:scene3d>
+    <dgm:sp3d/>
+    <dgm:txPr/>
+    <dgm:style>
+      <a:lnRef idx="2">
+        <a:scrgbClr r="0" g="0" b="0"/>
+      </a:lnRef>
+      <a:fillRef idx="1">
+        <a:scrgbClr r="0" g="0" b="0"/>
+      </a:fillRef>
+      <a:effectRef idx="0">
+        <a:scrgbClr r="0" g="0" b="0"/>
+      </a:effectRef>
+      <a:fontRef idx="minor">
+        <a:schemeClr val="lt1"/>
+      </a:fontRef>
+    </dgm:style>
+  </dgm:styleLbl>
+  <dgm:styleLbl name="asst4">
+    <dgm:scene3d>
+      <a:camera prst="orthographicFront"/>
+      <a:lightRig rig="threePt" dir="t"/>
+    </dgm:scene3d>
+    <dgm:sp3d/>
+    <dgm:txPr/>
+    <dgm:style>
+      <a:lnRef idx="2">
+        <a:scrgbClr r="0" g="0" b="0"/>
+      </a:lnRef>
+      <a:fillRef idx="1">
+        <a:scrgbClr r="0" g="0" b="0"/>
+      </a:fillRef>
+      <a:effectRef idx="0">
+        <a:scrgbClr r="0" g="0" b="0"/>
+      </a:effectRef>
+      <a:fontRef idx="minor">
+        <a:schemeClr val="lt1"/>
+      </a:fontRef>
+    </dgm:style>
+  </dgm:styleLbl>
+  <dgm:styleLbl name="parChTrans2D1">
+    <dgm:scene3d>
+      <a:camera prst="orthographicFront"/>
+      <a:lightRig rig="threePt" dir="t"/>
+    </dgm:scene3d>
+    <dgm:sp3d/>
+    <dgm:txPr/>
+    <dgm:style>
+      <a:lnRef idx="2">
+        <a:scrgbClr r="0" g="0" b="0"/>
+      </a:lnRef>
+      <a:fillRef idx="1">
+        <a:scrgbClr r="0" g="0" b="0"/>
+      </a:fillRef>
+      <a:effectRef idx="0">
+        <a:scrgbClr r="0" g="0" b="0"/>
+      </a:effectRef>
+      <a:fontRef idx="minor">
+        <a:schemeClr val="lt1"/>
+      </a:fontRef>
+    </dgm:style>
+  </dgm:styleLbl>
+  <dgm:styleLbl name="parChTrans2D2">
+    <dgm:scene3d>
+      <a:camera prst="orthographicFront"/>
+      <a:lightRig rig="threePt" dir="t"/>
+    </dgm:scene3d>
+    <dgm:sp3d/>
+    <dgm:txPr/>
+    <dgm:style>
+      <a:lnRef idx="2">
+        <a:scrgbClr r="0" g="0" b="0"/>
+      </a:lnRef>
+      <a:fillRef idx="1">
+        <a:scrgbClr r="0" g="0" b="0"/>
+      </a:fillRef>
+      <a:effectRef idx="0">
+        <a:scrgbClr r="0" g="0" b="0"/>
+      </a:effectRef>
+      <a:fontRef idx="minor">
+        <a:schemeClr val="lt1"/>
+      </a:fontRef>
+    </dgm:style>
+  </dgm:styleLbl>
+  <dgm:styleLbl name="parChTrans2D3">
+    <dgm:scene3d>
+      <a:camera prst="orthographicFront"/>
+      <a:lightRig rig="threePt" dir="t"/>
+    </dgm:scene3d>
+    <dgm:sp3d/>
+    <dgm:txPr/>
+    <dgm:style>
+      <a:lnRef idx="2">
+        <a:scrgbClr r="0" g="0" b="0"/>
+      </a:lnRef>
+      <a:fillRef idx="1">
+        <a:scrgbClr r="0" g="0" b="0"/>
+      </a:fillRef>
+      <a:effectRef idx="0">
+        <a:scrgbClr r="0" g="0" b="0"/>
+      </a:effectRef>
+      <a:fontRef idx="minor">
+        <a:schemeClr val="lt1"/>
+      </a:fontRef>
+    </dgm:style>
+  </dgm:styleLbl>
+  <dgm:styleLbl name="parChTrans2D4">
+    <dgm:scene3d>
+      <a:camera prst="orthographicFront"/>
+      <a:lightRig rig="threePt" dir="t"/>
+    </dgm:scene3d>
+    <dgm:sp3d/>
+    <dgm:txPr/>
+    <dgm:style>
+      <a:lnRef idx="2">
+        <a:scrgbClr r="0" g="0" b="0"/>
+      </a:lnRef>
+      <a:fillRef idx="1">
+        <a:scrgbClr r="0" g="0" b="0"/>
+      </a:fillRef>
+      <a:effectRef idx="0">
+        <a:scrgbClr r="0" g="0" b="0"/>
+      </a:effectRef>
+      <a:fontRef idx="minor">
+        <a:schemeClr val="lt1"/>
+      </a:fontRef>
+    </dgm:style>
+  </dgm:styleLbl>
+  <dgm:styleLbl name="parChTrans1D1">
+    <dgm:scene3d>
+      <a:camera prst="orthographicFront"/>
+      <a:lightRig rig="threePt" dir="t"/>
+    </dgm:scene3d>
+    <dgm:sp3d/>
+    <dgm:txPr/>
+    <dgm:style>
+      <a:lnRef idx="2">
+        <a:scrgbClr r="0" g="0" b="0"/>
+      </a:lnRef>
+      <a:fillRef idx="0">
+        <a:scrgbClr r="0" g="0" b="0"/>
+      </a:fillRef>
+      <a:effectRef idx="0">
+        <a:scrgbClr r="0" g="0" b="0"/>
+      </a:effectRef>
+      <a:fontRef idx="minor"/>
+    </dgm:style>
+  </dgm:styleLbl>
+  <dgm:styleLbl name="parChTrans1D2">
+    <dgm:scene3d>
+      <a:camera prst="orthographicFront"/>
+      <a:lightRig rig="threePt" dir="t"/>
+    </dgm:scene3d>
+    <dgm:sp3d/>
+    <dgm:txPr/>
+    <dgm:style>
+      <a:lnRef idx="2">
+        <a:scrgbClr r="0" g="0" b="0"/>
+      </a:lnRef>
+      <a:fillRef idx="0">
+        <a:scrgbClr r="0" g="0" b="0"/>
+      </a:fillRef>
+      <a:effectRef idx="0">
+        <a:scrgbClr r="0" g="0" b="0"/>
+      </a:effectRef>
+      <a:fontRef idx="minor"/>
+    </dgm:style>
+  </dgm:styleLbl>
+  <dgm:styleLbl name="parChTrans1D3">
+    <dgm:scene3d>
+      <a:camera prst="orthographicFront"/>
+      <a:lightRig rig="threePt" dir="t"/>
+    </dgm:scene3d>
+    <dgm:sp3d/>
+    <dgm:txPr/>
+    <dgm:style>
+      <a:lnRef idx="2">
+        <a:scrgbClr r="0" g="0" b="0"/>
+      </a:lnRef>
+      <a:fillRef idx="0">
+        <a:scrgbClr r="0" g="0" b="0"/>
+      </a:fillRef>
+      <a:effectRef idx="0">
+        <a:scrgbClr r="0" g="0" b="0"/>
+      </a:effectRef>
+      <a:fontRef idx="minor"/>
+    </dgm:style>
+  </dgm:styleLbl>
+  <dgm:styleLbl name="parChTrans1D4">
+    <dgm:scene3d>
+      <a:camera prst="orthographicFront"/>
+      <a:lightRig rig="threePt" dir="t"/>
+    </dgm:scene3d>
+    <dgm:sp3d/>
+    <dgm:txPr/>
+    <dgm:style>
+      <a:lnRef idx="2">
+        <a:scrgbClr r="0" g="0" b="0"/>
+      </a:lnRef>
+      <a:fillRef idx="0">
+        <a:scrgbClr r="0" g="0" b="0"/>
+      </a:fillRef>
+      <a:effectRef idx="0">
+        <a:scrgbClr r="0" g="0" b="0"/>
+      </a:effectRef>
+      <a:fontRef idx="minor"/>
+    </dgm:style>
+  </dgm:styleLbl>
+  <dgm:styleLbl name="fgAcc1">
+    <dgm:scene3d>
+      <a:camera prst="orthographicFront"/>
+      <a:lightRig rig="threePt" dir="t"/>
+    </dgm:scene3d>
+    <dgm:sp3d/>
+    <dgm:txPr/>
+    <dgm:style>
+      <a:lnRef idx="2">
+        <a:scrgbClr r="0" g="0" b="0"/>
+      </a:lnRef>
+      <a:fillRef idx="1">
+        <a:scrgbClr r="0" g="0" b="0"/>
+      </a:fillRef>
+      <a:effectRef idx="0">
+        <a:scrgbClr r="0" g="0" b="0"/>
+      </a:effectRef>
+      <a:fontRef idx="minor"/>
+    </dgm:style>
+  </dgm:styleLbl>
+  <dgm:styleLbl name="conFgAcc1">
+    <dgm:scene3d>
+      <a:camera prst="orthographicFront"/>
+      <a:lightRig rig="threePt" dir="t"/>
+    </dgm:scene3d>
+    <dgm:sp3d/>
+    <dgm:txPr/>
+    <dgm:style>
+      <a:lnRef idx="2">
+        <a:scrgbClr r="0" g="0" b="0"/>
+      </a:lnRef>
+      <a:fillRef idx="1">
+        <a:scrgbClr r="0" g="0" b="0"/>
+      </a:fillRef>
+      <a:effectRef idx="0">
+        <a:scrgbClr r="0" g="0" b="0"/>
+      </a:effectRef>
+      <a:fontRef idx="minor"/>
+    </dgm:style>
+  </dgm:styleLbl>
+  <dgm:styleLbl name="alignAcc1">
+    <dgm:scene3d>
+      <a:camera prst="orthographicFront"/>
+      <a:lightRig rig="threePt" dir="t"/>
+    </dgm:scene3d>
+    <dgm:sp3d/>
+    <dgm:txPr/>
+    <dgm:style>
+      <a:lnRef idx="2">
+        <a:scrgbClr r="0" g="0" b="0"/>
+      </a:lnRef>
+      <a:fillRef idx="1">
+        <a:scrgbClr r="0" g="0" b="0"/>
+      </a:fillRef>
+      <a:effectRef idx="0">
+        <a:scrgbClr r="0" g="0" b="0"/>
+      </a:effectRef>
+      <a:fontRef idx="minor"/>
+    </dgm:style>
+  </dgm:styleLbl>
+  <dgm:styleLbl name="trAlignAcc1">
+    <dgm:scene3d>
+      <a:camera prst="orthographicFront"/>
+      <a:lightRig rig="threePt" dir="t"/>
+    </dgm:scene3d>
+    <dgm:sp3d/>
+    <dgm:txPr/>
+    <dgm:style>
+      <a:lnRef idx="1">
+        <a:scrgbClr r="0" g="0" b="0"/>
+      </a:lnRef>
+      <a:fillRef idx="1">
+        <a:scrgbClr r="0" g="0" b="0"/>
+      </a:fillRef>
+      <a:effectRef idx="0">
+        <a:scrgbClr r="0" g="0" b="0"/>
+      </a:effectRef>
+      <a:fontRef idx="minor"/>
+    </dgm:style>
+  </dgm:styleLbl>
+  <dgm:styleLbl name="bgAcc1">
+    <dgm:scene3d>
+      <a:camera prst="orthographicFront"/>
+      <a:lightRig rig="threePt" dir="t"/>
+    </dgm:scene3d>
+    <dgm:sp3d/>
+    <dgm:txPr/>
+    <dgm:style>
+      <a:lnRef idx="2">
+        <a:scrgbClr r="0" g="0" b="0"/>
+      </a:lnRef>
+      <a:fillRef idx="1">
+        <a:scrgbClr r="0" g="0" b="0"/>
+      </a:fillRef>
+      <a:effectRef idx="0">
+        <a:scrgbClr r="0" g="0" b="0"/>
+      </a:effectRef>
+      <a:fontRef idx="minor"/>
+    </dgm:style>
+  </dgm:styleLbl>
+  <dgm:styleLbl name="solidFgAcc1">
+    <dgm:scene3d>
+      <a:camera prst="orthographicFront"/>
+      <a:lightRig rig="threePt" dir="t"/>
+    </dgm:scene3d>
+    <dgm:sp3d/>
+    <dgm:txPr/>
+    <dgm:style>
+      <a:lnRef idx="2">
+        <a:scrgbClr r="0" g="0" b="0"/>
+      </a:lnRef>
+      <a:fillRef idx="1">
+        <a:scrgbClr r="0" g="0" b="0"/>
+      </a:fillRef>
+      <a:effectRef idx="0">
+        <a:scrgbClr r="0" g="0" b="0"/>
+      </a:effectRef>
+      <a:fontRef idx="minor"/>
+    </dgm:style>
+  </dgm:styleLbl>
+  <dgm:styleLbl name="solidAlignAcc1">
+    <dgm:scene3d>
+      <a:camera prst="orthographicFront"/>
+      <a:lightRig rig="threePt" dir="t"/>
+    </dgm:scene3d>
+    <dgm:sp3d/>
+    <dgm:txPr/>
+    <dgm:style>
+      <a:lnRef idx="2">
+        <a:scrgbClr r="0" g="0" b="0"/>
+      </a:lnRef>
+      <a:fillRef idx="1">
+        <a:scrgbClr r="0" g="0" b="0"/>
+      </a:fillRef>
+      <a:effectRef idx="0">
+        <a:scrgbClr r="0" g="0" b="0"/>
+      </a:effectRef>
+      <a:fontRef idx="minor"/>
+    </dgm:style>
+  </dgm:styleLbl>
+  <dgm:styleLbl name="solidBgAcc1">
+    <dgm:scene3d>
+      <a:camera prst="orthographicFront"/>
+      <a:lightRig rig="threePt" dir="t"/>
+    </dgm:scene3d>
+    <dgm:sp3d/>
+    <dgm:txPr/>
+    <dgm:style>
+      <a:lnRef idx="2">
+        <a:scrgbClr r="0" g="0" b="0"/>
+      </a:lnRef>
+      <a:fillRef idx="1">
+        <a:scrgbClr r="0" g="0" b="0"/>
+      </a:fillRef>
+      <a:effectRef idx="0">
+        <a:scrgbClr r="0" g="0" b="0"/>
+      </a:effectRef>
+      <a:fontRef idx="minor"/>
+    </dgm:style>
+  </dgm:styleLbl>
+  <dgm:styleLbl name="fgAccFollowNode1">
+    <dgm:scene3d>
+      <a:camera prst="orthographicFront"/>
+      <a:lightRig rig="threePt" dir="t"/>
+    </dgm:scene3d>
+    <dgm:sp3d/>
+    <dgm:txPr/>
+    <dgm:style>
+      <a:lnRef idx="2">
+        <a:scrgbClr r="0" g="0" b="0"/>
+      </a:lnRef>
+      <a:fillRef idx="1">
+        <a:scrgbClr r="0" g="0" b="0"/>
+      </a:fillRef>
+      <a:effectRef idx="0">
+        <a:scrgbClr r="0" g="0" b="0"/>
+      </a:effectRef>
+      <a:fontRef idx="minor"/>
+    </dgm:style>
+  </dgm:styleLbl>
+  <dgm:styleLbl name="alignAccFollowNode1">
+    <dgm:scene3d>
+      <a:camera prst="orthographicFront"/>
+      <a:lightRig rig="threePt" dir="t"/>
+    </dgm:scene3d>
+    <dgm:sp3d/>
+    <dgm:txPr/>
+    <dgm:style>
+      <a:lnRef idx="2">
+        <a:scrgbClr r="0" g="0" b="0"/>
+      </a:lnRef>
+      <a:fillRef idx="1">
+        <a:scrgbClr r="0" g="0" b="0"/>
+      </a:fillRef>
+      <a:effectRef idx="0">
+        <a:scrgbClr r="0" g="0" b="0"/>
+      </a:effectRef>
+      <a:fontRef idx="minor"/>
+    </dgm:style>
+  </dgm:styleLbl>
+  <dgm:styleLbl name="bgAccFollowNode1">
+    <dgm:scene3d>
+      <a:camera prst="orthographicFront"/>
+      <a:lightRig rig="threePt" dir="t"/>
+    </dgm:scene3d>
+    <dgm:sp3d/>
+    <dgm:txPr/>
+    <dgm:style>
+      <a:lnRef idx="2">
+        <a:scrgbClr r="0" g="0" b="0"/>
+      </a:lnRef>
+      <a:fillRef idx="1">
+        <a:scrgbClr r="0" g="0" b="0"/>
+      </a:fillRef>
+      <a:effectRef idx="0">
+        <a:scrgbClr r="0" g="0" b="0"/>
+      </a:effectRef>
+      <a:fontRef idx="minor"/>
+    </dgm:style>
+  </dgm:styleLbl>
+  <dgm:styleLbl name="fgAcc0">
+    <dgm:scene3d>
+      <a:camera prst="orthographicFront"/>
+      <a:lightRig rig="threePt" dir="t"/>
+    </dgm:scene3d>
+    <dgm:sp3d/>
+    <dgm:txPr/>
+    <dgm:style>
+      <a:lnRef idx="2">
+        <a:scrgbClr r="0" g="0" b="0"/>
+      </a:lnRef>
+      <a:fillRef idx="1">
+        <a:scrgbClr r="0" g="0" b="0"/>
+      </a:fillRef>
+      <a:effectRef idx="0">
+        <a:scrgbClr r="0" g="0" b="0"/>
+      </a:effectRef>
+      <a:fontRef idx="minor"/>
+    </dgm:style>
+  </dgm:styleLbl>
+  <dgm:styleLbl name="fgAcc2">
+    <dgm:scene3d>
+      <a:camera prst="orthographicFront"/>
+      <a:lightRig rig="threePt" dir="t"/>
+    </dgm:scene3d>
+    <dgm:sp3d/>
+    <dgm:txPr/>
+    <dgm:style>
+      <a:lnRef idx="2">
+        <a:scrgbClr r="0" g="0" b="0"/>
+      </a:lnRef>
+      <a:fillRef idx="1">
+        <a:scrgbClr r="0" g="0" b="0"/>
+      </a:fillRef>
+      <a:effectRef idx="0">
+        <a:scrgbClr r="0" g="0" b="0"/>
+      </a:effectRef>
+      <a:fontRef idx="minor"/>
+    </dgm:style>
+  </dgm:styleLbl>
+  <dgm:styleLbl name="fgAcc3">
+    <dgm:scene3d>
+      <a:camera prst="orthographicFront"/>
+      <a:lightRig rig="threePt" dir="t"/>
+    </dgm:scene3d>
+    <dgm:sp3d/>
+    <dgm:txPr/>
+    <dgm:style>
+      <a:lnRef idx="2">
+        <a:scrgbClr r="0" g="0" b="0"/>
+      </a:lnRef>
+      <a:fillRef idx="1">
+        <a:scrgbClr r="0" g="0" b="0"/>
+      </a:fillRef>
+      <a:effectRef idx="0">
+        <a:scrgbClr r="0" g="0" b="0"/>
+      </a:effectRef>
+      <a:fontRef idx="minor"/>
+    </dgm:style>
+  </dgm:styleLbl>
+  <dgm:styleLbl name="fgAcc4">
+    <dgm:scene3d>
+      <a:camera prst="orthographicFront"/>
+      <a:lightRig rig="threePt" dir="t"/>
+    </dgm:scene3d>
+    <dgm:sp3d/>
+    <dgm:txPr/>
+    <dgm:style>
+      <a:lnRef idx="2">
+        <a:scrgbClr r="0" g="0" b="0"/>
+      </a:lnRef>
+      <a:fillRef idx="1">
+        <a:scrgbClr r="0" g="0" b="0"/>
+      </a:fillRef>
+      <a:effectRef idx="0">
+        <a:scrgbClr r="0" g="0" b="0"/>
+      </a:effectRef>
+      <a:fontRef idx="minor"/>
+    </dgm:style>
+  </dgm:styleLbl>
+  <dgm:styleLbl name="bgShp">
+    <dgm:scene3d>
+      <a:camera prst="orthographicFront"/>
+      <a:lightRig rig="threePt" dir="t"/>
+    </dgm:scene3d>
+    <dgm:sp3d/>
+    <dgm:txPr/>
+    <dgm:style>
+      <a:lnRef idx="0">
+        <a:scrgbClr r="0" g="0" b="0"/>
+      </a:lnRef>
+      <a:fillRef idx="1">
+        <a:scrgbClr r="0" g="0" b="0"/>
+      </a:fillRef>
+      <a:effectRef idx="0">
+        <a:scrgbClr r="0" g="0" b="0"/>
+      </a:effectRef>
+      <a:fontRef idx="minor"/>
+    </dgm:style>
+  </dgm:styleLbl>
+  <dgm:styleLbl name="dkBgShp">
+    <dgm:scene3d>
+      <a:camera prst="orthographicFront"/>
+      <a:lightRig rig="threePt" dir="t"/>
+    </dgm:scene3d>
+    <dgm:sp3d/>
+    <dgm:txPr/>
+    <dgm:style>
+      <a:lnRef idx="0">
+        <a:scrgbClr r="0" g="0" b="0"/>
+      </a:lnRef>
+      <a:fillRef idx="1">
+        <a:scrgbClr r="0" g="0" b="0"/>
+      </a:fillRef>
+      <a:effectRef idx="0">
+        <a:scrgbClr r="0" g="0" b="0"/>
+      </a:effectRef>
+      <a:fontRef idx="minor"/>
+    </dgm:style>
+  </dgm:styleLbl>
+  <dgm:styleLbl name="trBgShp">
+    <dgm:scene3d>
+      <a:camera prst="orthographicFront"/>
+      <a:lightRig rig="threePt" dir="t"/>
+    </dgm:scene3d>
+    <dgm:sp3d/>
+    <dgm:txPr/>
+    <dgm:style>
+      <a:lnRef idx="0">
+        <a:scrgbClr r="0" g="0" b="0"/>
+      </a:lnRef>
+      <a:fillRef idx="1">
+        <a:scrgbClr r="0" g="0" b="0"/>
+      </a:fillRef>
+      <a:effectRef idx="0">
+        <a:scrgbClr r="0" g="0" b="0"/>
+      </a:effectRef>
+      <a:fontRef idx="minor"/>
+    </dgm:style>
+  </dgm:styleLbl>
+  <dgm:styleLbl name="fgShp">
+    <dgm:scene3d>
+      <a:camera prst="orthographicFront"/>
+      <a:lightRig rig="threePt" dir="t"/>
+    </dgm:scene3d>
+    <dgm:sp3d/>
+    <dgm:txPr/>
+    <dgm:style>
+      <a:lnRef idx="2">
+        <a:scrgbClr r="0" g="0" b="0"/>
+      </a:lnRef>
+      <a:fillRef idx="1">
+        <a:scrgbClr r="0" g="0" b="0"/>
+      </a:fillRef>
+      <a:effectRef idx="0">
+        <a:scrgbClr r="0" g="0" b="0"/>
+      </a:effectRef>
+      <a:fontRef idx="minor"/>
+    </dgm:style>
+  </dgm:styleLbl>
+  <dgm:styleLbl name="revTx">
+    <dgm:scene3d>
+      <a:camera prst="orthographicFront"/>
+      <a:lightRig rig="threePt" dir="t"/>
+    </dgm:scene3d>
+    <dgm:sp3d/>
+    <dgm:txPr/>
+    <dgm:style>
+      <a:lnRef idx="0">
+        <a:scrgbClr r="0" g="0" b="0"/>
+      </a:lnRef>
+      <a:fillRef idx="0">
+        <a:scrgbClr r="0" g="0" b="0"/>
+      </a:fillRef>
+      <a:effectRef idx="0">
+        <a:scrgbClr r="0" g="0" b="0"/>
+      </a:effectRef>
+      <a:fontRef idx="minor"/>
+    </dgm:style>
+  </dgm:styleLbl>
+</dgm:styleDef>
+</file>
+
+<file path=ppt/diagrams/quickStyle2.xml><?xml version="1.0" encoding="utf-8"?>
+<dgm:styleDef xmlns:dgm="http://schemas.openxmlformats.org/drawingml/2006/diagram" xmlns:a="http://schemas.openxmlformats.org/drawingml/2006/main" uniqueId="urn:microsoft.com/office/officeart/2005/8/quickstyle/simple1">
+  <dgm:title val=""/>
+  <dgm:desc val=""/>
+  <dgm:catLst>
+    <dgm:cat type="simple" pri="10100"/>
+  </dgm:catLst>
+  <dgm:scene3d>
+    <a:camera prst="orthographicFront"/>
+    <a:lightRig rig="threePt" dir="t"/>
+  </dgm:scene3d>
+  <dgm:styleLbl name="node0">
+    <dgm:scene3d>
+      <a:camera prst="orthographicFront"/>
+      <a:lightRig rig="threePt" dir="t"/>
+    </dgm:scene3d>
+    <dgm:sp3d/>
+    <dgm:txPr/>
+    <dgm:style>
+      <a:lnRef idx="2">
+        <a:scrgbClr r="0" g="0" b="0"/>
+      </a:lnRef>
+      <a:fillRef idx="1">
+        <a:scrgbClr r="0" g="0" b="0"/>
+      </a:fillRef>
+      <a:effectRef idx="0">
+        <a:scrgbClr r="0" g="0" b="0"/>
+      </a:effectRef>
+      <a:fontRef idx="minor">
+        <a:schemeClr val="lt1"/>
+      </a:fontRef>
+    </dgm:style>
+  </dgm:styleLbl>
+  <dgm:styleLbl name="lnNode1">
+    <dgm:scene3d>
+      <a:camera prst="orthographicFront"/>
+      <a:lightRig rig="threePt" dir="t"/>
+    </dgm:scene3d>
+    <dgm:sp3d/>
+    <dgm:txPr/>
+    <dgm:style>
+      <a:lnRef idx="2">
+        <a:scrgbClr r="0" g="0" b="0"/>
+      </a:lnRef>
+      <a:fillRef idx="1">
+        <a:scrgbClr r="0" g="0" b="0"/>
+      </a:fillRef>
+      <a:effectRef idx="0">
+        <a:scrgbClr r="0" g="0" b="0"/>
+      </a:effectRef>
+      <a:fontRef idx="minor">
+        <a:schemeClr val="lt1"/>
+      </a:fontRef>
+    </dgm:style>
+  </dgm:styleLbl>
+  <dgm:styleLbl name="vennNode1">
+    <dgm:scene3d>
+      <a:camera prst="orthographicFront"/>
+      <a:lightRig rig="threePt" dir="t"/>
+    </dgm:scene3d>
+    <dgm:sp3d/>
+    <dgm:txPr/>
+    <dgm:style>
+      <a:lnRef idx="2">
+        <a:scrgbClr r="0" g="0" b="0"/>
+      </a:lnRef>
+      <a:fillRef idx="1">
+        <a:scrgbClr r="0" g="0" b="0"/>
+      </a:fillRef>
+      <a:effectRef idx="0">
+        <a:scrgbClr r="0" g="0" b="0"/>
+      </a:effectRef>
+      <a:fontRef idx="minor">
+        <a:schemeClr val="tx1"/>
+      </a:fontRef>
+    </dgm:style>
+  </dgm:styleLbl>
+  <dgm:styleLbl name="alignNode1">
+    <dgm:scene3d>
+      <a:camera prst="orthographicFront"/>
+      <a:lightRig rig="threePt" dir="t"/>
+    </dgm:scene3d>
+    <dgm:sp3d/>
+    <dgm:txPr/>
+    <dgm:style>
+      <a:lnRef idx="2">
+        <a:scrgbClr r="0" g="0" b="0"/>
+      </a:lnRef>
+      <a:fillRef idx="1">
+        <a:scrgbClr r="0" g="0" b="0"/>
+      </a:fillRef>
+      <a:effectRef idx="0">
+        <a:scrgbClr r="0" g="0" b="0"/>
+      </a:effectRef>
+      <a:fontRef idx="minor">
+        <a:schemeClr val="lt1"/>
+      </a:fontRef>
+    </dgm:style>
+  </dgm:styleLbl>
+  <dgm:styleLbl name="node1">
+    <dgm:scene3d>
+      <a:camera prst="orthographicFront"/>
+      <a:lightRig rig="threePt" dir="t"/>
+    </dgm:scene3d>
+    <dgm:sp3d/>
+    <dgm:txPr/>
+    <dgm:style>
+      <a:lnRef idx="2">
+        <a:scrgbClr r="0" g="0" b="0"/>
+      </a:lnRef>
+      <a:fillRef idx="1">
+        <a:scrgbClr r="0" g="0" b="0"/>
+      </a:fillRef>
+      <a:effectRef idx="0">
+        <a:scrgbClr r="0" g="0" b="0"/>
+      </a:effectRef>
+      <a:fontRef idx="minor">
+        <a:schemeClr val="lt1"/>
+      </a:fontRef>
+    </dgm:style>
+  </dgm:styleLbl>
+  <dgm:styleLbl name="node2">
+    <dgm:scene3d>
+      <a:camera prst="orthographicFront"/>
+      <a:lightRig rig="threePt" dir="t"/>
+    </dgm:scene3d>
+    <dgm:sp3d/>
+    <dgm:txPr/>
+    <dgm:style>
+      <a:lnRef idx="2">
+        <a:scrgbClr r="0" g="0" b="0"/>
+      </a:lnRef>
+      <a:fillRef idx="1">
+        <a:scrgbClr r="0" g="0" b="0"/>
+      </a:fillRef>
+      <a:effectRef idx="0">
+        <a:scrgbClr r="0" g="0" b="0"/>
+      </a:effectRef>
+      <a:fontRef idx="minor">
+        <a:schemeClr val="lt1"/>
+      </a:fontRef>
+    </dgm:style>
+  </dgm:styleLbl>
+  <dgm:styleLbl name="node3">
+    <dgm:scene3d>
+      <a:camera prst="orthographicFront"/>
+      <a:lightRig rig="threePt" dir="t"/>
+    </dgm:scene3d>
+    <dgm:sp3d/>
+    <dgm:txPr/>
+    <dgm:style>
+      <a:lnRef idx="2">
+        <a:scrgbClr r="0" g="0" b="0"/>
+      </a:lnRef>
+      <a:fillRef idx="1">
+        <a:scrgbClr r="0" g="0" b="0"/>
+      </a:fillRef>
+      <a:effectRef idx="0">
+        <a:scrgbClr r="0" g="0" b="0"/>
+      </a:effectRef>
+      <a:fontRef idx="minor">
+        <a:schemeClr val="lt1"/>
+      </a:fontRef>
+    </dgm:style>
+  </dgm:styleLbl>
+  <dgm:styleLbl name="node4">
+    <dgm:scene3d>
+      <a:camera prst="orthographicFront"/>
+      <a:lightRig rig="threePt" dir="t"/>
+    </dgm:scene3d>
+    <dgm:sp3d/>
+    <dgm:txPr/>
+    <dgm:style>
+      <a:lnRef idx="2">
+        <a:scrgbClr r="0" g="0" b="0"/>
+      </a:lnRef>
+      <a:fillRef idx="1">
+        <a:scrgbClr r="0" g="0" b="0"/>
+      </a:fillRef>
+      <a:effectRef idx="0">
+        <a:scrgbClr r="0" g="0" b="0"/>
+      </a:effectRef>
+      <a:fontRef idx="minor">
+        <a:schemeClr val="lt1"/>
+      </a:fontRef>
+    </dgm:style>
+  </dgm:styleLbl>
+  <dgm:styleLbl name="fgImgPlace1">
+    <dgm:scene3d>
+      <a:camera prst="orthographicFront"/>
+      <a:lightRig rig="threePt" dir="t"/>
+    </dgm:scene3d>
+    <dgm:sp3d/>
+    <dgm:txPr/>
+    <dgm:style>
+      <a:lnRef idx="2">
+        <a:scrgbClr r="0" g="0" b="0"/>
+      </a:lnRef>
+      <a:fillRef idx="1">
+        <a:scrgbClr r="0" g="0" b="0"/>
+      </a:fillRef>
+      <a:effectRef idx="0">
+        <a:scrgbClr r="0" g="0" b="0"/>
+      </a:effectRef>
+      <a:fontRef idx="minor"/>
+    </dgm:style>
+  </dgm:styleLbl>
+  <dgm:styleLbl name="alignImgPlace1">
+    <dgm:scene3d>
+      <a:camera prst="orthographicFront"/>
+      <a:lightRig rig="threePt" dir="t"/>
+    </dgm:scene3d>
+    <dgm:sp3d/>
+    <dgm:txPr/>
+    <dgm:style>
+      <a:lnRef idx="2">
+        <a:scrgbClr r="0" g="0" b="0"/>
+      </a:lnRef>
+      <a:fillRef idx="1">
+        <a:scrgbClr r="0" g="0" b="0"/>
+      </a:fillRef>
+      <a:effectRef idx="0">
+        <a:scrgbClr r="0" g="0" b="0"/>
+      </a:effectRef>
+      <a:fontRef idx="minor"/>
+    </dgm:style>
+  </dgm:styleLbl>
+  <dgm:styleLbl name="bgImgPlace1">
+    <dgm:scene3d>
+      <a:camera prst="orthographicFront"/>
+      <a:lightRig rig="threePt" dir="t"/>
+    </dgm:scene3d>
+    <dgm:sp3d/>
+    <dgm:txPr/>
+    <dgm:style>
+      <a:lnRef idx="2">
+        <a:scrgbClr r="0" g="0" b="0"/>
+      </a:lnRef>
+      <a:fillRef idx="1">
+        <a:scrgbClr r="0" g="0" b="0"/>
+      </a:fillRef>
+      <a:effectRef idx="0">
+        <a:scrgbClr r="0" g="0" b="0"/>
+      </a:effectRef>
+      <a:fontRef idx="minor"/>
+    </dgm:style>
+  </dgm:styleLbl>
+  <dgm:styleLbl name="sibTrans2D1">
+    <dgm:scene3d>
+      <a:camera prst="orthographicFront"/>
+      <a:lightRig rig="threePt" dir="t"/>
+    </dgm:scene3d>
+    <dgm:sp3d/>
+    <dgm:txPr/>
+    <dgm:style>
+      <a:lnRef idx="0">
+        <a:scrgbClr r="0" g="0" b="0"/>
+      </a:lnRef>
+      <a:fillRef idx="1">
+        <a:scrgbClr r="0" g="0" b="0"/>
+      </a:fillRef>
+      <a:effectRef idx="0">
+        <a:scrgbClr r="0" g="0" b="0"/>
+      </a:effectRef>
+      <a:fontRef idx="minor">
+        <a:schemeClr val="lt1"/>
+      </a:fontRef>
+    </dgm:style>
+  </dgm:styleLbl>
+  <dgm:styleLbl name="fgSibTrans2D1">
+    <dgm:scene3d>
+      <a:camera prst="orthographicFront"/>
+      <a:lightRig rig="threePt" dir="t"/>
+    </dgm:scene3d>
+    <dgm:sp3d/>
+    <dgm:txPr/>
+    <dgm:style>
+      <a:lnRef idx="0">
+        <a:scrgbClr r="0" g="0" b="0"/>
+      </a:lnRef>
+      <a:fillRef idx="1">
+        <a:scrgbClr r="0" g="0" b="0"/>
+      </a:fillRef>
+      <a:effectRef idx="0">
+        <a:scrgbClr r="0" g="0" b="0"/>
+      </a:effectRef>
+      <a:fontRef idx="minor">
+        <a:schemeClr val="lt1"/>
+      </a:fontRef>
+    </dgm:style>
+  </dgm:styleLbl>
+  <dgm:styleLbl name="bgSibTrans2D1">
+    <dgm:scene3d>
+      <a:camera prst="orthographicFront"/>
+      <a:lightRig rig="threePt" dir="t"/>
+    </dgm:scene3d>
+    <dgm:sp3d/>
+    <dgm:txPr/>
+    <dgm:style>
+      <a:lnRef idx="0">
+        <a:scrgbClr r="0" g="0" b="0"/>
+      </a:lnRef>
+      <a:fillRef idx="1">
+        <a:scrgbClr r="0" g="0" b="0"/>
+      </a:fillRef>
+      <a:effectRef idx="0">
+        <a:scrgbClr r="0" g="0" b="0"/>
+      </a:effectRef>
+      <a:fontRef idx="minor">
+        <a:schemeClr val="lt1"/>
+      </a:fontRef>
+    </dgm:style>
+  </dgm:styleLbl>
+  <dgm:styleLbl name="sibTrans1D1">
+    <dgm:scene3d>
+      <a:camera prst="orthographicFront"/>
+      <a:lightRig rig="threePt" dir="t"/>
+    </dgm:scene3d>
+    <dgm:sp3d/>
+    <dgm:txPr/>
+    <dgm:style>
+      <a:lnRef idx="1">
+        <a:scrgbClr r="0" g="0" b="0"/>
+      </a:lnRef>
+      <a:fillRef idx="0">
+        <a:scrgbClr r="0" g="0" b="0"/>
+      </a:fillRef>
+      <a:effectRef idx="0">
+        <a:scrgbClr r="0" g="0" b="0"/>
+      </a:effectRef>
+      <a:fontRef idx="minor"/>
+    </dgm:style>
+  </dgm:styleLbl>
+  <dgm:styleLbl name="callout">
+    <dgm:scene3d>
+      <a:camera prst="orthographicFront"/>
+      <a:lightRig rig="threePt" dir="t"/>
+    </dgm:scene3d>
+    <dgm:sp3d/>
+    <dgm:txPr/>
+    <dgm:style>
+      <a:lnRef idx="2">
+        <a:scrgbClr r="0" g="0" b="0"/>
+      </a:lnRef>
+      <a:fillRef idx="1">
+        <a:scrgbClr r="0" g="0" b="0"/>
+      </a:fillRef>
+      <a:effectRef idx="0">
+        <a:scrgbClr r="0" g="0" b="0"/>
+      </a:effectRef>
+      <a:fontRef idx="minor"/>
+    </dgm:style>
+  </dgm:styleLbl>
+  <dgm:styleLbl name="asst0">
+    <dgm:scene3d>
+      <a:camera prst="orthographicFront"/>
+      <a:lightRig rig="threePt" dir="t"/>
+    </dgm:scene3d>
+    <dgm:sp3d/>
+    <dgm:txPr/>
+    <dgm:style>
+      <a:lnRef idx="2">
+        <a:scrgbClr r="0" g="0" b="0"/>
+      </a:lnRef>
+      <a:fillRef idx="1">
+        <a:scrgbClr r="0" g="0" b="0"/>
+      </a:fillRef>
+      <a:effectRef idx="0">
+        <a:scrgbClr r="0" g="0" b="0"/>
+      </a:effectRef>
+      <a:fontRef idx="minor">
+        <a:schemeClr val="lt1"/>
+      </a:fontRef>
+    </dgm:style>
+  </dgm:styleLbl>
+  <dgm:styleLbl name="asst1">
+    <dgm:scene3d>
+      <a:camera prst="orthographicFront"/>
+      <a:lightRig rig="threePt" dir="t"/>
+    </dgm:scene3d>
+    <dgm:sp3d/>
+    <dgm:txPr/>
+    <dgm:style>
+      <a:lnRef idx="2">
+        <a:scrgbClr r="0" g="0" b="0"/>
+      </a:lnRef>
+      <a:fillRef idx="1">
+        <a:scrgbClr r="0" g="0" b="0"/>
+      </a:fillRef>
+      <a:effectRef idx="0">
+        <a:scrgbClr r="0" g="0" b="0"/>
+      </a:effectRef>
+      <a:fontRef idx="minor">
+        <a:schemeClr val="lt1"/>
+      </a:fontRef>
+    </dgm:style>
+  </dgm:styleLbl>
+  <dgm:styleLbl name="asst2">
+    <dgm:scene3d>
+      <a:camera prst="orthographicFront"/>
+      <a:lightRig rig="threePt" dir="t"/>
+    </dgm:scene3d>
+    <dgm:sp3d/>
+    <dgm:txPr/>
+    <dgm:style>
+      <a:lnRef idx="2">
+        <a:scrgbClr r="0" g="0" b="0"/>
+      </a:lnRef>
+      <a:fillRef idx="1">
+        <a:scrgbClr r="0" g="0" b="0"/>
+      </a:fillRef>
+      <a:effectRef idx="0">
+        <a:scrgbClr r="0" g="0" b="0"/>
+      </a:effectRef>
+      <a:fontRef idx="minor">
+        <a:schemeClr val="lt1"/>
+      </a:fontRef>
+    </dgm:style>
+  </dgm:styleLbl>
+  <dgm:styleLbl name="asst3">
+    <dgm:scene3d>
+      <a:camera prst="orthographicFront"/>
+      <a:lightRig rig="threePt" dir="t"/>
+    </dgm:scene3d>
+    <dgm:sp3d/>
+    <dgm:txPr/>
+    <dgm:style>
+      <a:lnRef idx="2">
+        <a:scrgbClr r="0" g="0" b="0"/>
+      </a:lnRef>
+      <a:fillRef idx="1">
+        <a:scrgbClr r="0" g="0" b="0"/>
+      </a:fillRef>
+      <a:effectRef idx="0">
+        <a:scrgbClr r="0" g="0" b="0"/>
+      </a:effectRef>
+      <a:fontRef idx="minor">
+        <a:schemeClr val="lt1"/>
+      </a:fontRef>
+    </dgm:style>
+  </dgm:styleLbl>
+  <dgm:styleLbl name="asst4">
+    <dgm:scene3d>
+      <a:camera prst="orthographicFront"/>
+      <a:lightRig rig="threePt" dir="t"/>
+    </dgm:scene3d>
+    <dgm:sp3d/>
+    <dgm:txPr/>
+    <dgm:style>
+      <a:lnRef idx="2">
+        <a:scrgbClr r="0" g="0" b="0"/>
+      </a:lnRef>
+      <a:fillRef idx="1">
+        <a:scrgbClr r="0" g="0" b="0"/>
+      </a:fillRef>
+      <a:effectRef idx="0">
+        <a:scrgbClr r="0" g="0" b="0"/>
+      </a:effectRef>
+      <a:fontRef idx="minor">
+        <a:schemeClr val="lt1"/>
+      </a:fontRef>
+    </dgm:style>
+  </dgm:styleLbl>
+  <dgm:styleLbl name="parChTrans2D1">
+    <dgm:scene3d>
+      <a:camera prst="orthographicFront"/>
+      <a:lightRig rig="threePt" dir="t"/>
+    </dgm:scene3d>
+    <dgm:sp3d/>
+    <dgm:txPr/>
+    <dgm:style>
+      <a:lnRef idx="2">
+        <a:scrgbClr r="0" g="0" b="0"/>
+      </a:lnRef>
+      <a:fillRef idx="1">
+        <a:scrgbClr r="0" g="0" b="0"/>
+      </a:fillRef>
+      <a:effectRef idx="0">
+        <a:scrgbClr r="0" g="0" b="0"/>
+      </a:effectRef>
+      <a:fontRef idx="minor">
+        <a:schemeClr val="lt1"/>
+      </a:fontRef>
+    </dgm:style>
+  </dgm:styleLbl>
+  <dgm:styleLbl name="parChTrans2D2">
+    <dgm:scene3d>
+      <a:camera prst="orthographicFront"/>
+      <a:lightRig rig="threePt" dir="t"/>
+    </dgm:scene3d>
+    <dgm:sp3d/>
+    <dgm:txPr/>
+    <dgm:style>
+      <a:lnRef idx="2">
+        <a:scrgbClr r="0" g="0" b="0"/>
+      </a:lnRef>
+      <a:fillRef idx="1">
+        <a:scrgbClr r="0" g="0" b="0"/>
+      </a:fillRef>
+      <a:effectRef idx="0">
+        <a:scrgbClr r="0" g="0" b="0"/>
+      </a:effectRef>
+      <a:fontRef idx="minor">
+        <a:schemeClr val="lt1"/>
+      </a:fontRef>
+    </dgm:style>
+  </dgm:styleLbl>
+  <dgm:styleLbl name="parChTrans2D3">
+    <dgm:scene3d>
+      <a:camera prst="orthographicFront"/>
+      <a:lightRig rig="threePt" dir="t"/>
+    </dgm:scene3d>
+    <dgm:sp3d/>
+    <dgm:txPr/>
+    <dgm:style>
+      <a:lnRef idx="2">
+        <a:scrgbClr r="0" g="0" b="0"/>
+      </a:lnRef>
+      <a:fillRef idx="1">
+        <a:scrgbClr r="0" g="0" b="0"/>
+      </a:fillRef>
+      <a:effectRef idx="0">
+        <a:scrgbClr r="0" g="0" b="0"/>
+      </a:effectRef>
+      <a:fontRef idx="minor">
+        <a:schemeClr val="lt1"/>
+      </a:fontRef>
+    </dgm:style>
+  </dgm:styleLbl>
+  <dgm:styleLbl name="parChTrans2D4">
+    <dgm:scene3d>
+      <a:camera prst="orthographicFront"/>
+      <a:lightRig rig="threePt" dir="t"/>
+    </dgm:scene3d>
+    <dgm:sp3d/>
+    <dgm:txPr/>
+    <dgm:style>
+      <a:lnRef idx="2">
+        <a:scrgbClr r="0" g="0" b="0"/>
+      </a:lnRef>
+      <a:fillRef idx="1">
+        <a:scrgbClr r="0" g="0" b="0"/>
+      </a:fillRef>
+      <a:effectRef idx="0">
+        <a:scrgbClr r="0" g="0" b="0"/>
+      </a:effectRef>
+      <a:fontRef idx="minor">
+        <a:schemeClr val="lt1"/>
+      </a:fontRef>
+    </dgm:style>
+  </dgm:styleLbl>
+  <dgm:styleLbl name="parChTrans1D1">
+    <dgm:scene3d>
+      <a:camera prst="orthographicFront"/>
+      <a:lightRig rig="threePt" dir="t"/>
+    </dgm:scene3d>
+    <dgm:sp3d/>
+    <dgm:txPr/>
+    <dgm:style>
+      <a:lnRef idx="2">
+        <a:scrgbClr r="0" g="0" b="0"/>
+      </a:lnRef>
+      <a:fillRef idx="0">
+        <a:scrgbClr r="0" g="0" b="0"/>
+      </a:fillRef>
+      <a:effectRef idx="0">
+        <a:scrgbClr r="0" g="0" b="0"/>
+      </a:effectRef>
+      <a:fontRef idx="minor"/>
+    </dgm:style>
+  </dgm:styleLbl>
+  <dgm:styleLbl name="parChTrans1D2">
+    <dgm:scene3d>
+      <a:camera prst="orthographicFront"/>
+      <a:lightRig rig="threePt" dir="t"/>
+    </dgm:scene3d>
+    <dgm:sp3d/>
+    <dgm:txPr/>
+    <dgm:style>
+      <a:lnRef idx="2">
+        <a:scrgbClr r="0" g="0" b="0"/>
+      </a:lnRef>
+      <a:fillRef idx="0">
+        <a:scrgbClr r="0" g="0" b="0"/>
+      </a:fillRef>
+      <a:effectRef idx="0">
+        <a:scrgbClr r="0" g="0" b="0"/>
+      </a:effectRef>
+      <a:fontRef idx="minor"/>
+    </dgm:style>
+  </dgm:styleLbl>
+  <dgm:styleLbl name="parChTrans1D3">
+    <dgm:scene3d>
+      <a:camera prst="orthographicFront"/>
+      <a:lightRig rig="threePt" dir="t"/>
+    </dgm:scene3d>
+    <dgm:sp3d/>
+    <dgm:txPr/>
+    <dgm:style>
+      <a:lnRef idx="2">
+        <a:scrgbClr r="0" g="0" b="0"/>
+      </a:lnRef>
+      <a:fillRef idx="0">
+        <a:scrgbClr r="0" g="0" b="0"/>
+      </a:fillRef>
+      <a:effectRef idx="0">
+        <a:scrgbClr r="0" g="0" b="0"/>
+      </a:effectRef>
+      <a:fontRef idx="minor"/>
+    </dgm:style>
+  </dgm:styleLbl>
+  <dgm:styleLbl name="parChTrans1D4">
+    <dgm:scene3d>
+      <a:camera prst="orthographicFront"/>
+      <a:lightRig rig="threePt" dir="t"/>
+    </dgm:scene3d>
+    <dgm:sp3d/>
+    <dgm:txPr/>
+    <dgm:style>
+      <a:lnRef idx="2">
+        <a:scrgbClr r="0" g="0" b="0"/>
+      </a:lnRef>
+      <a:fillRef idx="0">
+        <a:scrgbClr r="0" g="0" b="0"/>
+      </a:fillRef>
+      <a:effectRef idx="0">
+        <a:scrgbClr r="0" g="0" b="0"/>
+      </a:effectRef>
+      <a:fontRef idx="minor"/>
+    </dgm:style>
+  </dgm:styleLbl>
+  <dgm:styleLbl name="fgAcc1">
+    <dgm:scene3d>
+      <a:camera prst="orthographicFront"/>
+      <a:lightRig rig="threePt" dir="t"/>
+    </dgm:scene3d>
+    <dgm:sp3d/>
+    <dgm:txPr/>
+    <dgm:style>
+      <a:lnRef idx="2">
+        <a:scrgbClr r="0" g="0" b="0"/>
+      </a:lnRef>
+      <a:fillRef idx="1">
+        <a:scrgbClr r="0" g="0" b="0"/>
+      </a:fillRef>
+      <a:effectRef idx="0">
+        <a:scrgbClr r="0" g="0" b="0"/>
+      </a:effectRef>
+      <a:fontRef idx="minor"/>
+    </dgm:style>
+  </dgm:styleLbl>
+  <dgm:styleLbl name="conFgAcc1">
+    <dgm:scene3d>
+      <a:camera prst="orthographicFront"/>
+      <a:lightRig rig="threePt" dir="t"/>
+    </dgm:scene3d>
+    <dgm:sp3d/>
+    <dgm:txPr/>
+    <dgm:style>
+      <a:lnRef idx="2">
+        <a:scrgbClr r="0" g="0" b="0"/>
+      </a:lnRef>
+      <a:fillRef idx="1">
+        <a:scrgbClr r="0" g="0" b="0"/>
+      </a:fillRef>
+      <a:effectRef idx="0">
+        <a:scrgbClr r="0" g="0" b="0"/>
+      </a:effectRef>
+      <a:fontRef idx="minor"/>
+    </dgm:style>
+  </dgm:styleLbl>
+  <dgm:styleLbl name="alignAcc1">
+    <dgm:scene3d>
+      <a:camera prst="orthographicFront"/>
+      <a:lightRig rig="threePt" dir="t"/>
+    </dgm:scene3d>
+    <dgm:sp3d/>
+    <dgm:txPr/>
+    <dgm:style>
+      <a:lnRef idx="2">
+        <a:scrgbClr r="0" g="0" b="0"/>
+      </a:lnRef>
+      <a:fillRef idx="1">
+        <a:scrgbClr r="0" g="0" b="0"/>
+      </a:fillRef>
+      <a:effectRef idx="0">
+        <a:scrgbClr r="0" g="0" b="0"/>
+      </a:effectRef>
+      <a:fontRef idx="minor"/>
+    </dgm:style>
+  </dgm:styleLbl>
+  <dgm:styleLbl name="trAlignAcc1">
+    <dgm:scene3d>
+      <a:camera prst="orthographicFront"/>
+      <a:lightRig rig="threePt" dir="t"/>
+    </dgm:scene3d>
+    <dgm:sp3d/>
+    <dgm:txPr/>
+    <dgm:style>
+      <a:lnRef idx="1">
+        <a:scrgbClr r="0" g="0" b="0"/>
+      </a:lnRef>
+      <a:fillRef idx="1">
+        <a:scrgbClr r="0" g="0" b="0"/>
+      </a:fillRef>
+      <a:effectRef idx="0">
+        <a:scrgbClr r="0" g="0" b="0"/>
+      </a:effectRef>
+      <a:fontRef idx="minor"/>
+    </dgm:style>
+  </dgm:styleLbl>
+  <dgm:styleLbl name="bgAcc1">
+    <dgm:scene3d>
+      <a:camera prst="orthographicFront"/>
+      <a:lightRig rig="threePt" dir="t"/>
+    </dgm:scene3d>
+    <dgm:sp3d/>
+    <dgm:txPr/>
+    <dgm:style>
+      <a:lnRef idx="2">
+        <a:scrgbClr r="0" g="0" b="0"/>
+      </a:lnRef>
+      <a:fillRef idx="1">
+        <a:scrgbClr r="0" g="0" b="0"/>
+      </a:fillRef>
+      <a:effectRef idx="0">
+        <a:scrgbClr r="0" g="0" b="0"/>
+      </a:effectRef>
+      <a:fontRef idx="minor"/>
+    </dgm:style>
+  </dgm:styleLbl>
+  <dgm:styleLbl name="solidFgAcc1">
+    <dgm:scene3d>
+      <a:camera prst="orthographicFront"/>
+      <a:lightRig rig="threePt" dir="t"/>
+    </dgm:scene3d>
+    <dgm:sp3d/>
+    <dgm:txPr/>
+    <dgm:style>
+      <a:lnRef idx="2">
+        <a:scrgbClr r="0" g="0" b="0"/>
+      </a:lnRef>
+      <a:fillRef idx="1">
+        <a:scrgbClr r="0" g="0" b="0"/>
+      </a:fillRef>
+      <a:effectRef idx="0">
+        <a:scrgbClr r="0" g="0" b="0"/>
+      </a:effectRef>
+      <a:fontRef idx="minor"/>
+    </dgm:style>
+  </dgm:styleLbl>
+  <dgm:styleLbl name="solidAlignAcc1">
+    <dgm:scene3d>
+      <a:camera prst="orthographicFront"/>
+      <a:lightRig rig="threePt" dir="t"/>
+    </dgm:scene3d>
+    <dgm:sp3d/>
+    <dgm:txPr/>
+    <dgm:style>
+      <a:lnRef idx="2">
+        <a:scrgbClr r="0" g="0" b="0"/>
+      </a:lnRef>
+      <a:fillRef idx="1">
+        <a:scrgbClr r="0" g="0" b="0"/>
+      </a:fillRef>
+      <a:effectRef idx="0">
+        <a:scrgbClr r="0" g="0" b="0"/>
+      </a:effectRef>
+      <a:fontRef idx="minor"/>
+    </dgm:style>
+  </dgm:styleLbl>
+  <dgm:styleLbl name="solidBgAcc1">
+    <dgm:scene3d>
+      <a:camera prst="orthographicFront"/>
+      <a:lightRig rig="threePt" dir="t"/>
+    </dgm:scene3d>
+    <dgm:sp3d/>
+    <dgm:txPr/>
+    <dgm:style>
+      <a:lnRef idx="2">
+        <a:scrgbClr r="0" g="0" b="0"/>
+      </a:lnRef>
+      <a:fillRef idx="1">
+        <a:scrgbClr r="0" g="0" b="0"/>
+      </a:fillRef>
+      <a:effectRef idx="0">
+        <a:scrgbClr r="0" g="0" b="0"/>
+      </a:effectRef>
+      <a:fontRef idx="minor"/>
+    </dgm:style>
+  </dgm:styleLbl>
+  <dgm:styleLbl name="fgAccFollowNode1">
+    <dgm:scene3d>
+      <a:camera prst="orthographicFront"/>
+      <a:lightRig rig="threePt" dir="t"/>
+    </dgm:scene3d>
+    <dgm:sp3d/>
+    <dgm:txPr/>
+    <dgm:style>
+      <a:lnRef idx="2">
+        <a:scrgbClr r="0" g="0" b="0"/>
+      </a:lnRef>
+      <a:fillRef idx="1">
+        <a:scrgbClr r="0" g="0" b="0"/>
+      </a:fillRef>
+      <a:effectRef idx="0">
+        <a:scrgbClr r="0" g="0" b="0"/>
+      </a:effectRef>
+      <a:fontRef idx="minor"/>
+    </dgm:style>
+  </dgm:styleLbl>
+  <dgm:styleLbl name="alignAccFollowNode1">
+    <dgm:scene3d>
+      <a:camera prst="orthographicFront"/>
+      <a:lightRig rig="threePt" dir="t"/>
+    </dgm:scene3d>
+    <dgm:sp3d/>
+    <dgm:txPr/>
+    <dgm:style>
+      <a:lnRef idx="2">
+        <a:scrgbClr r="0" g="0" b="0"/>
+      </a:lnRef>
+      <a:fillRef idx="1">
+        <a:scrgbClr r="0" g="0" b="0"/>
+      </a:fillRef>
+      <a:effectRef idx="0">
+        <a:scrgbClr r="0" g="0" b="0"/>
+      </a:effectRef>
+      <a:fontRef idx="minor"/>
+    </dgm:style>
+  </dgm:styleLbl>
+  <dgm:styleLbl name="bgAccFollowNode1">
+    <dgm:scene3d>
+      <a:camera prst="orthographicFront"/>
+      <a:lightRig rig="threePt" dir="t"/>
+    </dgm:scene3d>
+    <dgm:sp3d/>
+    <dgm:txPr/>
+    <dgm:style>
+      <a:lnRef idx="2">
+        <a:scrgbClr r="0" g="0" b="0"/>
+      </a:lnRef>
+      <a:fillRef idx="1">
+        <a:scrgbClr r="0" g="0" b="0"/>
+      </a:fillRef>
+      <a:effectRef idx="0">
+        <a:scrgbClr r="0" g="0" b="0"/>
+      </a:effectRef>
+      <a:fontRef idx="minor"/>
+    </dgm:style>
+  </dgm:styleLbl>
+  <dgm:styleLbl name="fgAcc0">
+    <dgm:scene3d>
+      <a:camera prst="orthographicFront"/>
+      <a:lightRig rig="threePt" dir="t"/>
+    </dgm:scene3d>
+    <dgm:sp3d/>
+    <dgm:txPr/>
+    <dgm:style>
+      <a:lnRef idx="2">
+        <a:scrgbClr r="0" g="0" b="0"/>
+      </a:lnRef>
+      <a:fillRef idx="1">
+        <a:scrgbClr r="0" g="0" b="0"/>
+      </a:fillRef>
+      <a:effectRef idx="0">
+        <a:scrgbClr r="0" g="0" b="0"/>
+      </a:effectRef>
+      <a:fontRef idx="minor"/>
+    </dgm:style>
+  </dgm:styleLbl>
+  <dgm:styleLbl name="fgAcc2">
+    <dgm:scene3d>
+      <a:camera prst="orthographicFront"/>
+      <a:lightRig rig="threePt" dir="t"/>
+    </dgm:scene3d>
+    <dgm:sp3d/>
+    <dgm:txPr/>
+    <dgm:style>
+      <a:lnRef idx="2">
+        <a:scrgbClr r="0" g="0" b="0"/>
+      </a:lnRef>
+      <a:fillRef idx="1">
+        <a:scrgbClr r="0" g="0" b="0"/>
+      </a:fillRef>
+      <a:effectRef idx="0">
+        <a:scrgbClr r="0" g="0" b="0"/>
+      </a:effectRef>
+      <a:fontRef idx="minor"/>
+    </dgm:style>
+  </dgm:styleLbl>
+  <dgm:styleLbl name="fgAcc3">
+    <dgm:scene3d>
+      <a:camera prst="orthographicFront"/>
+      <a:lightRig rig="threePt" dir="t"/>
+    </dgm:scene3d>
+    <dgm:sp3d/>
+    <dgm:txPr/>
+    <dgm:style>
+      <a:lnRef idx="2">
+        <a:scrgbClr r="0" g="0" b="0"/>
+      </a:lnRef>
+      <a:fillRef idx="1">
+        <a:scrgbClr r="0" g="0" b="0"/>
+      </a:fillRef>
+      <a:effectRef idx="0">
+        <a:scrgbClr r="0" g="0" b="0"/>
+      </a:effectRef>
+      <a:fontRef idx="minor"/>
+    </dgm:style>
+  </dgm:styleLbl>
+  <dgm:styleLbl name="fgAcc4">
+    <dgm:scene3d>
+      <a:camera prst="orthographicFront"/>
+      <a:lightRig rig="threePt" dir="t"/>
+    </dgm:scene3d>
+    <dgm:sp3d/>
+    <dgm:txPr/>
+    <dgm:style>
+      <a:lnRef idx="2">
+        <a:scrgbClr r="0" g="0" b="0"/>
+      </a:lnRef>
+      <a:fillRef idx="1">
+        <a:scrgbClr r="0" g="0" b="0"/>
+      </a:fillRef>
+      <a:effectRef idx="0">
+        <a:scrgbClr r="0" g="0" b="0"/>
+      </a:effectRef>
+      <a:fontRef idx="minor"/>
+    </dgm:style>
+  </dgm:styleLbl>
+  <dgm:styleLbl name="bgShp">
+    <dgm:scene3d>
+      <a:camera prst="orthographicFront"/>
+      <a:lightRig rig="threePt" dir="t"/>
+    </dgm:scene3d>
+    <dgm:sp3d/>
+    <dgm:txPr/>
+    <dgm:style>
+      <a:lnRef idx="0">
+        <a:scrgbClr r="0" g="0" b="0"/>
+      </a:lnRef>
+      <a:fillRef idx="1">
+        <a:scrgbClr r="0" g="0" b="0"/>
+      </a:fillRef>
+      <a:effectRef idx="0">
+        <a:scrgbClr r="0" g="0" b="0"/>
+      </a:effectRef>
+      <a:fontRef idx="minor"/>
+    </dgm:style>
+  </dgm:styleLbl>
+  <dgm:styleLbl name="dkBgShp">
+    <dgm:scene3d>
+      <a:camera prst="orthographicFront"/>
+      <a:lightRig rig="threePt" dir="t"/>
+    </dgm:scene3d>
+    <dgm:sp3d/>
+    <dgm:txPr/>
+    <dgm:style>
+      <a:lnRef idx="0">
+        <a:scrgbClr r="0" g="0" b="0"/>
+      </a:lnRef>
+      <a:fillRef idx="1">
+        <a:scrgbClr r="0" g="0" b="0"/>
+      </a:fillRef>
+      <a:effectRef idx="0">
+        <a:scrgbClr r="0" g="0" b="0"/>
+      </a:effectRef>
+      <a:fontRef idx="minor"/>
+    </dgm:style>
+  </dgm:styleLbl>
+  <dgm:styleLbl name="trBgShp">
+    <dgm:scene3d>
+      <a:camera prst="orthographicFront"/>
+      <a:lightRig rig="threePt" dir="t"/>
+    </dgm:scene3d>
+    <dgm:sp3d/>
+    <dgm:txPr/>
+    <dgm:style>
+      <a:lnRef idx="0">
+        <a:scrgbClr r="0" g="0" b="0"/>
+      </a:lnRef>
+      <a:fillRef idx="1">
+        <a:scrgbClr r="0" g="0" b="0"/>
+      </a:fillRef>
+      <a:effectRef idx="0">
+        <a:scrgbClr r="0" g="0" b="0"/>
+      </a:effectRef>
+      <a:fontRef idx="minor"/>
+    </dgm:style>
+  </dgm:styleLbl>
+  <dgm:styleLbl name="fgShp">
+    <dgm:scene3d>
+      <a:camera prst="orthographicFront"/>
+      <a:lightRig rig="threePt" dir="t"/>
+    </dgm:scene3d>
+    <dgm:sp3d/>
+    <dgm:txPr/>
+    <dgm:style>
+      <a:lnRef idx="2">
+        <a:scrgbClr r="0" g="0" b="0"/>
+      </a:lnRef>
+      <a:fillRef idx="1">
+        <a:scrgbClr r="0" g="0" b="0"/>
+      </a:fillRef>
+      <a:effectRef idx="0">
+        <a:scrgbClr r="0" g="0" b="0"/>
+      </a:effectRef>
+      <a:fontRef idx="minor"/>
+    </dgm:style>
+  </dgm:styleLbl>
+  <dgm:styleLbl name="revTx">
+    <dgm:scene3d>
+      <a:camera prst="orthographicFront"/>
+      <a:lightRig rig="threePt" dir="t"/>
+    </dgm:scene3d>
+    <dgm:sp3d/>
+    <dgm:txPr/>
+    <dgm:style>
+      <a:lnRef idx="0">
+        <a:scrgbClr r="0" g="0" b="0"/>
+      </a:lnRef>
+      <a:fillRef idx="0">
+        <a:scrgbClr r="0" g="0" b="0"/>
+      </a:fillRef>
+      <a:effectRef idx="0">
+        <a:scrgbClr r="0" g="0" b="0"/>
+      </a:effectRef>
+      <a:fontRef idx="minor"/>
+    </dgm:style>
+  </dgm:styleLbl>
+</dgm:styleDef>
 </file>
 
 <file path=ppt/slideLayouts/slideLayout1.xml><?xml version="1.0" encoding="utf-8"?>
@@ -335,7 +7119,7 @@
           <a:p>
             <a:fld id="{C8A432C8-69A7-458B-9684-2BFA64B31948}" type="datetime2">
               <a:rPr lang="en-US" smtClean="0"/>
-              <a:t>Thursday, 13 November 14</a:t>
+              <a:t>Thursday, January 29, 2015</a:t>
             </a:fld>
             <a:endParaRPr lang="en-US"/>
           </a:p>
@@ -658,7 +7442,7 @@
           <a:p>
             <a:fld id="{EBDC1E59-17DD-41CE-97CA-624A472382D4}" type="datetime2">
               <a:rPr lang="en-US" smtClean="0"/>
-              <a:t>Thursday, 13 November 14</a:t>
+              <a:t>Thursday, January 29, 2015</a:t>
             </a:fld>
             <a:endParaRPr lang="en-US"/>
           </a:p>
@@ -937,7 +7721,7 @@
           <a:p>
             <a:fld id="{A80CB818-7379-467D-8E76-EF9D9074A26C}" type="datetime2">
               <a:rPr lang="en-US" smtClean="0"/>
-              <a:t>Thursday, 13 November 14</a:t>
+              <a:t>Thursday, January 29, 2015</a:t>
             </a:fld>
             <a:endParaRPr lang="en-US" dirty="0"/>
           </a:p>
@@ -1233,7 +8017,7 @@
           <a:p>
             <a:fld id="{A80CB818-7379-467D-8E76-EF9D9074A26C}" type="datetime2">
               <a:rPr lang="en-US" smtClean="0"/>
-              <a:t>Thursday, 13 November 14</a:t>
+              <a:t>Thursday, January 29, 2015</a:t>
             </a:fld>
             <a:endParaRPr lang="en-US" dirty="0"/>
           </a:p>
@@ -1564,7 +8348,7 @@
           <a:p>
             <a:fld id="{A80CB818-7379-467D-8E76-EF9D9074A26C}" type="datetime2">
               <a:rPr lang="en-US" smtClean="0"/>
-              <a:t>Thursday, 13 November 14</a:t>
+              <a:t>Thursday, January 29, 2015</a:t>
             </a:fld>
             <a:endParaRPr lang="en-US" dirty="0"/>
           </a:p>
@@ -1817,7 +8601,7 @@
           <a:p>
             <a:fld id="{8CC057FC-95B6-4D89-AFDA-ABA33EE921E5}" type="datetime2">
               <a:rPr lang="en-US" smtClean="0"/>
-              <a:t>Thursday, 13 November 14</a:t>
+              <a:t>Thursday, January 29, 2015</a:t>
             </a:fld>
             <a:endParaRPr lang="en-US"/>
           </a:p>
@@ -1998,7 +8782,7 @@
           <a:p>
             <a:fld id="{EC4549AC-EB31-477F-92A9-B1988E232878}" type="datetime2">
               <a:rPr lang="en-US" smtClean="0"/>
-              <a:t>Thursday, 13 November 14</a:t>
+              <a:t>Thursday, January 29, 2015</a:t>
             </a:fld>
             <a:endParaRPr lang="en-US"/>
           </a:p>
@@ -2169,7 +8953,7 @@
           <a:p>
             <a:fld id="{6396A3A3-94A6-4E5B-AF39-173ACA3E61CC}" type="datetime2">
               <a:rPr lang="en-US" smtClean="0"/>
-              <a:t>Thursday, 13 November 14</a:t>
+              <a:t>Thursday, January 29, 2015</a:t>
             </a:fld>
             <a:endParaRPr lang="en-US"/>
           </a:p>
@@ -2440,7 +9224,7 @@
           <a:p>
             <a:fld id="{A80CB818-7379-467D-8E76-EF9D9074A26C}" type="datetime2">
               <a:rPr lang="en-US" smtClean="0"/>
-              <a:t>Thursday, 13 November 14</a:t>
+              <a:t>Thursday, January 29, 2015</a:t>
             </a:fld>
             <a:endParaRPr lang="en-US" dirty="0"/>
           </a:p>
@@ -2749,7 +9533,7 @@
           <a:p>
             <a:fld id="{9933D019-A32C-4EAD-B8E6-DBDA699692FD}" type="datetime2">
               <a:rPr lang="en-US" smtClean="0"/>
-              <a:t>Thursday, 13 November 14</a:t>
+              <a:t>Thursday, January 29, 2015</a:t>
             </a:fld>
             <a:endParaRPr lang="en-US"/>
           </a:p>
@@ -3043,7 +9827,7 @@
           <a:p>
             <a:fld id="{CCEBA98F-560C-4997-81C4-81D4D9187EAB}" type="datetime2">
               <a:rPr lang="en-US" smtClean="0"/>
-              <a:t>Thursday, 13 November 14</a:t>
+              <a:t>Thursday, January 29, 2015</a:t>
             </a:fld>
             <a:endParaRPr lang="en-US"/>
           </a:p>
@@ -3475,7 +10259,7 @@
           <a:p>
             <a:fld id="{150972B2-CA5C-437D-87D0-8081271A9E4B}" type="datetime2">
               <a:rPr lang="en-US" smtClean="0"/>
-              <a:t>Thursday, 13 November 14</a:t>
+              <a:t>Thursday, January 29, 2015</a:t>
             </a:fld>
             <a:endParaRPr lang="en-US"/>
           </a:p>
@@ -3823,7 +10607,7 @@
           <a:p>
             <a:fld id="{79CD4847-11EF-4466-A8AD-85CDB7B49118}" type="datetime2">
               <a:rPr lang="en-US" smtClean="0"/>
-              <a:t>Thursday, 13 November 14</a:t>
+              <a:t>Thursday, January 29, 2015</a:t>
             </a:fld>
             <a:endParaRPr lang="en-US"/>
           </a:p>
@@ -3915,7 +10699,7 @@
           <a:p>
             <a:fld id="{F168457A-3AB9-4880-8A0C-9F8524491207}" type="datetime2">
               <a:rPr lang="en-US" smtClean="0"/>
-              <a:t>Thursday, 13 November 14</a:t>
+              <a:t>Thursday, January 29, 2015</a:t>
             </a:fld>
             <a:endParaRPr lang="en-US"/>
           </a:p>
@@ -4254,7 +11038,7 @@
           <a:p>
             <a:fld id="{3FE976D3-5B7F-4300-ABED-C91F1B2AE209}" type="datetime2">
               <a:rPr lang="en-US" smtClean="0"/>
-              <a:t>Thursday, 13 November 14</a:t>
+              <a:t>Thursday, January 29, 2015</a:t>
             </a:fld>
             <a:endParaRPr lang="en-US"/>
           </a:p>
@@ -4468,7 +11252,7 @@
           <a:p>
             <a:fld id="{A80CB818-7379-467D-8E76-EF9D9074A26C}" type="datetime2">
               <a:rPr lang="en-US" smtClean="0"/>
-              <a:t>Thursday, 13 November 14</a:t>
+              <a:t>Thursday, January 29, 2015</a:t>
             </a:fld>
             <a:endParaRPr lang="en-US" dirty="0"/>
           </a:p>
@@ -5408,6 +12192,13 @@
   <p:clrMapOvr>
     <a:masterClrMapping/>
   </p:clrMapOvr>
+  <p:timing>
+    <p:tnLst>
+      <p:par>
+        <p:cTn id="1" dur="indefinite" restart="never" nodeType="tmRoot"/>
+      </p:par>
+    </p:tnLst>
+  </p:timing>
 </p:sld>
 </file>
 
@@ -5458,6 +12249,706 @@
           </a:p>
         </p:txBody>
       </p:sp>
+      <p:graphicFrame>
+        <p:nvGraphicFramePr>
+          <p:cNvPr id="5" name="Content Placeholder 4"/>
+          <p:cNvGraphicFramePr>
+            <a:graphicFrameLocks noGrp="1"/>
+          </p:cNvGraphicFramePr>
+          <p:nvPr>
+            <p:ph idx="1"/>
+            <p:extLst>
+              <p:ext uri="{D42A27DB-BD31-4B8C-83A1-F6EECF244321}">
+                <p14:modId xmlns:p14="http://schemas.microsoft.com/office/powerpoint/2010/main" val="2739182039"/>
+              </p:ext>
+            </p:extLst>
+          </p:nvPr>
+        </p:nvGraphicFramePr>
+        <p:xfrm>
+          <a:off x="1114424" y="1406769"/>
+          <a:ext cx="7610476" cy="4859561"/>
+        </p:xfrm>
+        <a:graphic>
+          <a:graphicData uri="http://schemas.openxmlformats.org/drawingml/2006/diagram">
+            <dgm:relIds xmlns:dgm="http://schemas.openxmlformats.org/drawingml/2006/diagram" xmlns:r="http://schemas.openxmlformats.org/officeDocument/2006/relationships" r:dm="rId2" r:lo="rId3" r:qs="rId4" r:cs="rId5"/>
+          </a:graphicData>
+        </a:graphic>
+      </p:graphicFrame>
+      <p:sp>
+        <p:nvSpPr>
+          <p:cNvPr id="4" name="Rectangle 3"/>
+          <p:cNvSpPr/>
+          <p:nvPr/>
+        </p:nvSpPr>
+        <p:spPr>
+          <a:xfrm>
+            <a:off x="80212" y="604061"/>
+            <a:ext cx="6216314" cy="584776"/>
+          </a:xfrm>
+          <a:prstGeom prst="rect">
+            <a:avLst/>
+          </a:prstGeom>
+        </p:spPr>
+        <p:txBody>
+          <a:bodyPr wrap="square">
+            <a:spAutoFit/>
+          </a:bodyPr>
+          <a:lstStyle/>
+          <a:p>
+            <a:r>
+              <a:rPr lang="en-US" sz="3200" b="1" dirty="0" smtClean="0"/>
+              <a:t>	</a:t>
+            </a:r>
+            <a:r>
+              <a:rPr lang="en-US" sz="3200" dirty="0" smtClean="0"/>
+              <a:t>REST API</a:t>
+            </a:r>
+            <a:endParaRPr lang="en-US" sz="3200" b="1" dirty="0"/>
+          </a:p>
+        </p:txBody>
+      </p:sp>
+      <p:sp>
+        <p:nvSpPr>
+          <p:cNvPr id="6" name="TextBox 5"/>
+          <p:cNvSpPr txBox="1"/>
+          <p:nvPr/>
+        </p:nvSpPr>
+        <p:spPr>
+          <a:xfrm>
+            <a:off x="1390316" y="2753895"/>
+            <a:ext cx="184666" cy="369332"/>
+          </a:xfrm>
+          <a:prstGeom prst="rect">
+            <a:avLst/>
+          </a:prstGeom>
+          <a:noFill/>
+        </p:spPr>
+        <p:txBody>
+          <a:bodyPr wrap="none" rtlCol="0">
+            <a:spAutoFit/>
+          </a:bodyPr>
+          <a:lstStyle/>
+          <a:p>
+            <a:endParaRPr lang="en-US" dirty="0"/>
+          </a:p>
+        </p:txBody>
+      </p:sp>
+    </p:spTree>
+    <p:extLst>
+      <p:ext uri="{BB962C8B-B14F-4D97-AF65-F5344CB8AC3E}">
+        <p14:creationId xmlns:p14="http://schemas.microsoft.com/office/powerpoint/2010/main" val="3209223045"/>
+      </p:ext>
+    </p:extLst>
+  </p:cSld>
+  <p:clrMapOvr>
+    <a:masterClrMapping/>
+  </p:clrMapOvr>
+  <p:timing>
+    <p:tnLst>
+      <p:par>
+        <p:cTn id="1" dur="indefinite" restart="never" nodeType="tmRoot"/>
+      </p:par>
+    </p:tnLst>
+  </p:timing>
+</p:sld>
+</file>
+
+<file path=ppt/slides/slide11.xml><?xml version="1.0" encoding="utf-8"?>
+<p:sld xmlns:a="http://schemas.openxmlformats.org/drawingml/2006/main" xmlns:r="http://schemas.openxmlformats.org/officeDocument/2006/relationships" xmlns:p="http://schemas.openxmlformats.org/presentationml/2006/main">
+  <p:cSld>
+    <p:spTree>
+      <p:nvGrpSpPr>
+        <p:cNvPr id="1" name=""/>
+        <p:cNvGrpSpPr/>
+        <p:nvPr/>
+      </p:nvGrpSpPr>
+      <p:grpSpPr>
+        <a:xfrm>
+          <a:off x="0" y="0"/>
+          <a:ext cx="0" cy="0"/>
+          <a:chOff x="0" y="0"/>
+          <a:chExt cx="0" cy="0"/>
+        </a:xfrm>
+      </p:grpSpPr>
+      <p:sp>
+        <p:nvSpPr>
+          <p:cNvPr id="2" name="Title 1"/>
+          <p:cNvSpPr>
+            <a:spLocks noGrp="1"/>
+          </p:cNvSpPr>
+          <p:nvPr>
+            <p:ph type="title"/>
+          </p:nvPr>
+        </p:nvSpPr>
+        <p:spPr>
+          <a:xfrm flipV="1">
+            <a:off x="1015999" y="1169574"/>
+            <a:ext cx="7708902" cy="45719"/>
+          </a:xfrm>
+        </p:spPr>
+        <p:txBody>
+          <a:bodyPr>
+            <a:normAutofit fontScale="90000"/>
+          </a:bodyPr>
+          <a:lstStyle/>
+          <a:p>
+            <a:r>
+              <a:rPr lang="en-US" dirty="0" smtClean="0"/>
+              <a:t>  </a:t>
+            </a:r>
+            <a:endParaRPr lang="en-US" dirty="0"/>
+          </a:p>
+        </p:txBody>
+      </p:sp>
+      <p:sp>
+        <p:nvSpPr>
+          <p:cNvPr id="3" name="Content Placeholder 2"/>
+          <p:cNvSpPr>
+            <a:spLocks noGrp="1"/>
+          </p:cNvSpPr>
+          <p:nvPr>
+            <p:ph idx="1"/>
+          </p:nvPr>
+        </p:nvSpPr>
+        <p:spPr/>
+        <p:txBody>
+          <a:bodyPr>
+            <a:normAutofit/>
+          </a:bodyPr>
+          <a:lstStyle/>
+          <a:p>
+            <a:pPr>
+              <a:buAutoNum type="arabicPeriod"/>
+            </a:pPr>
+            <a:r>
+              <a:rPr lang="en-US" sz="1800" dirty="0" smtClean="0"/>
+              <a:t>Design </a:t>
+            </a:r>
+          </a:p>
+          <a:p>
+            <a:pPr marL="349250" lvl="1" indent="0">
+              <a:lnSpc>
+                <a:spcPct val="70000"/>
+              </a:lnSpc>
+              <a:buNone/>
+            </a:pPr>
+            <a:r>
+              <a:rPr lang="en-US" sz="1400" dirty="0" smtClean="0"/>
+              <a:t>-</a:t>
+            </a:r>
+            <a:r>
+              <a:rPr lang="en-US" sz="1400" dirty="0"/>
+              <a:t> </a:t>
+            </a:r>
+            <a:r>
+              <a:rPr lang="en-US" sz="1400" dirty="0" smtClean="0"/>
+              <a:t>Research</a:t>
+            </a:r>
+          </a:p>
+          <a:p>
+            <a:pPr marL="349250" lvl="1" indent="0">
+              <a:lnSpc>
+                <a:spcPct val="70000"/>
+              </a:lnSpc>
+              <a:buNone/>
+            </a:pPr>
+            <a:r>
+              <a:rPr lang="en-US" sz="1400" dirty="0" smtClean="0"/>
+              <a:t>- Architecture</a:t>
+            </a:r>
+          </a:p>
+          <a:p>
+            <a:pPr marL="349250" lvl="1" indent="0">
+              <a:lnSpc>
+                <a:spcPct val="70000"/>
+              </a:lnSpc>
+              <a:buNone/>
+            </a:pPr>
+            <a:r>
+              <a:rPr lang="en-US" sz="1400" dirty="0" smtClean="0"/>
+              <a:t>- Functionality</a:t>
+            </a:r>
+          </a:p>
+          <a:p>
+            <a:pPr>
+              <a:buAutoNum type="arabicPeriod"/>
+            </a:pPr>
+            <a:r>
+              <a:rPr lang="en-US" sz="1800" dirty="0" smtClean="0"/>
+              <a:t>Implementation</a:t>
+            </a:r>
+          </a:p>
+          <a:p>
+            <a:pPr marL="349250" lvl="1" indent="0">
+              <a:lnSpc>
+                <a:spcPct val="70000"/>
+              </a:lnSpc>
+              <a:buNone/>
+            </a:pPr>
+            <a:r>
+              <a:rPr lang="en-US" sz="1400" dirty="0" smtClean="0"/>
+              <a:t>- Use external libraries</a:t>
+            </a:r>
+            <a:endParaRPr lang="en-US" sz="1400" dirty="0"/>
+          </a:p>
+          <a:p>
+            <a:pPr marL="349250" lvl="1" indent="0">
+              <a:lnSpc>
+                <a:spcPct val="70000"/>
+              </a:lnSpc>
+              <a:buNone/>
+            </a:pPr>
+            <a:r>
+              <a:rPr lang="en-US" sz="1400" dirty="0" smtClean="0"/>
+              <a:t>- Use </a:t>
+            </a:r>
+            <a:r>
+              <a:rPr lang="en-US" sz="1400" dirty="0" err="1" smtClean="0"/>
+              <a:t>Kango</a:t>
+            </a:r>
+            <a:r>
+              <a:rPr lang="en-US" sz="1400" dirty="0" smtClean="0"/>
+              <a:t> Framework</a:t>
+            </a:r>
+            <a:endParaRPr lang="en-US" sz="1400" dirty="0"/>
+          </a:p>
+          <a:p>
+            <a:pPr marL="349250" lvl="1" indent="0">
+              <a:lnSpc>
+                <a:spcPct val="70000"/>
+              </a:lnSpc>
+              <a:buNone/>
+            </a:pPr>
+            <a:r>
+              <a:rPr lang="en-US" sz="1400" dirty="0" smtClean="0"/>
+              <a:t>- Implement components</a:t>
+            </a:r>
+          </a:p>
+          <a:p>
+            <a:pPr marL="349250" lvl="1" indent="0">
+              <a:lnSpc>
+                <a:spcPct val="70000"/>
+              </a:lnSpc>
+              <a:buNone/>
+            </a:pPr>
+            <a:r>
+              <a:rPr lang="en-US" sz="1400" dirty="0" smtClean="0"/>
+              <a:t>- Implement UI</a:t>
+            </a:r>
+            <a:endParaRPr lang="en-US" sz="1800" dirty="0" smtClean="0"/>
+          </a:p>
+          <a:p>
+            <a:pPr>
+              <a:buAutoNum type="arabicPeriod"/>
+            </a:pPr>
+            <a:r>
+              <a:rPr lang="en-US" sz="1800" dirty="0" smtClean="0"/>
+              <a:t>Test</a:t>
+            </a:r>
+          </a:p>
+          <a:p>
+            <a:pPr marL="0" indent="0">
+              <a:buNone/>
+            </a:pPr>
+            <a:r>
+              <a:rPr lang="en-US" sz="1800" dirty="0"/>
+              <a:t>	</a:t>
+            </a:r>
+          </a:p>
+        </p:txBody>
+      </p:sp>
+      <p:sp>
+        <p:nvSpPr>
+          <p:cNvPr id="4" name="Rectangle 3"/>
+          <p:cNvSpPr/>
+          <p:nvPr/>
+        </p:nvSpPr>
+        <p:spPr>
+          <a:xfrm>
+            <a:off x="80211" y="604061"/>
+            <a:ext cx="5721683" cy="584776"/>
+          </a:xfrm>
+          <a:prstGeom prst="rect">
+            <a:avLst/>
+          </a:prstGeom>
+        </p:spPr>
+        <p:txBody>
+          <a:bodyPr wrap="square">
+            <a:spAutoFit/>
+          </a:bodyPr>
+          <a:lstStyle/>
+          <a:p>
+            <a:r>
+              <a:rPr lang="en-US" sz="3200" b="1" smtClean="0"/>
+              <a:t>	</a:t>
+            </a:r>
+            <a:r>
+              <a:rPr lang="en-US" sz="3200" smtClean="0"/>
+              <a:t>Implementation </a:t>
+            </a:r>
+            <a:r>
+              <a:rPr lang="en-US" sz="3200" dirty="0" smtClean="0"/>
+              <a:t>flow</a:t>
+            </a:r>
+            <a:endParaRPr lang="en-US" sz="3200" b="1" dirty="0"/>
+          </a:p>
+        </p:txBody>
+      </p:sp>
+    </p:spTree>
+    <p:extLst>
+      <p:ext uri="{BB962C8B-B14F-4D97-AF65-F5344CB8AC3E}">
+        <p14:creationId xmlns:p14="http://schemas.microsoft.com/office/powerpoint/2010/main" val="986249530"/>
+      </p:ext>
+    </p:extLst>
+  </p:cSld>
+  <p:clrMapOvr>
+    <a:masterClrMapping/>
+  </p:clrMapOvr>
+  <p:timing>
+    <p:tnLst>
+      <p:par>
+        <p:cTn id="1" dur="indefinite" restart="never" nodeType="tmRoot"/>
+      </p:par>
+    </p:tnLst>
+  </p:timing>
+</p:sld>
+</file>
+
+<file path=ppt/slides/slide12.xml><?xml version="1.0" encoding="utf-8"?>
+<p:sld xmlns:a="http://schemas.openxmlformats.org/drawingml/2006/main" xmlns:r="http://schemas.openxmlformats.org/officeDocument/2006/relationships" xmlns:p="http://schemas.openxmlformats.org/presentationml/2006/main">
+  <p:cSld>
+    <p:spTree>
+      <p:nvGrpSpPr>
+        <p:cNvPr id="1" name=""/>
+        <p:cNvGrpSpPr/>
+        <p:nvPr/>
+      </p:nvGrpSpPr>
+      <p:grpSpPr>
+        <a:xfrm>
+          <a:off x="0" y="0"/>
+          <a:ext cx="0" cy="0"/>
+          <a:chOff x="0" y="0"/>
+          <a:chExt cx="0" cy="0"/>
+        </a:xfrm>
+      </p:grpSpPr>
+      <p:sp>
+        <p:nvSpPr>
+          <p:cNvPr id="2" name="Title 1"/>
+          <p:cNvSpPr>
+            <a:spLocks noGrp="1"/>
+          </p:cNvSpPr>
+          <p:nvPr>
+            <p:ph type="title"/>
+          </p:nvPr>
+        </p:nvSpPr>
+        <p:spPr>
+          <a:xfrm flipV="1">
+            <a:off x="1015999" y="1169574"/>
+            <a:ext cx="7708902" cy="45719"/>
+          </a:xfrm>
+        </p:spPr>
+        <p:txBody>
+          <a:bodyPr>
+            <a:normAutofit fontScale="90000"/>
+          </a:bodyPr>
+          <a:lstStyle/>
+          <a:p>
+            <a:r>
+              <a:rPr lang="en-US" dirty="0" smtClean="0"/>
+              <a:t>  </a:t>
+            </a:r>
+            <a:endParaRPr lang="en-US" dirty="0"/>
+          </a:p>
+        </p:txBody>
+      </p:sp>
+      <p:sp>
+        <p:nvSpPr>
+          <p:cNvPr id="3" name="Content Placeholder 2"/>
+          <p:cNvSpPr>
+            <a:spLocks noGrp="1"/>
+          </p:cNvSpPr>
+          <p:nvPr>
+            <p:ph idx="1"/>
+          </p:nvPr>
+        </p:nvSpPr>
+        <p:spPr>
+          <a:xfrm>
+            <a:off x="1015999" y="1781645"/>
+            <a:ext cx="7610476" cy="3670767"/>
+          </a:xfrm>
+        </p:spPr>
+        <p:txBody>
+          <a:bodyPr>
+            <a:normAutofit/>
+          </a:bodyPr>
+          <a:lstStyle/>
+          <a:p>
+            <a:pPr>
+              <a:buAutoNum type="arabicPeriod"/>
+            </a:pPr>
+            <a:r>
+              <a:rPr lang="en-US" sz="1800" dirty="0" smtClean="0"/>
+              <a:t>Extension Icon</a:t>
+            </a:r>
+          </a:p>
+          <a:p>
+            <a:pPr>
+              <a:buAutoNum type="arabicPeriod"/>
+            </a:pPr>
+            <a:endParaRPr lang="en-US" sz="1800" dirty="0"/>
+          </a:p>
+          <a:p>
+            <a:pPr>
+              <a:buAutoNum type="arabicPeriod"/>
+            </a:pPr>
+            <a:endParaRPr lang="en-US" sz="1800" dirty="0" smtClean="0"/>
+          </a:p>
+          <a:p>
+            <a:pPr>
+              <a:buAutoNum type="arabicPeriod"/>
+            </a:pPr>
+            <a:r>
+              <a:rPr lang="en-US" sz="1800" dirty="0" smtClean="0"/>
+              <a:t>Viewer UI</a:t>
+            </a:r>
+            <a:endParaRPr lang="en-US" sz="1800" dirty="0"/>
+          </a:p>
+          <a:p>
+            <a:pPr>
+              <a:buAutoNum type="arabicPeriod"/>
+            </a:pPr>
+            <a:endParaRPr lang="en-US" sz="1800" dirty="0" smtClean="0"/>
+          </a:p>
+        </p:txBody>
+      </p:sp>
+      <p:sp>
+        <p:nvSpPr>
+          <p:cNvPr id="4" name="Rectangle 3"/>
+          <p:cNvSpPr/>
+          <p:nvPr/>
+        </p:nvSpPr>
+        <p:spPr>
+          <a:xfrm>
+            <a:off x="80211" y="604061"/>
+            <a:ext cx="5721683" cy="584776"/>
+          </a:xfrm>
+          <a:prstGeom prst="rect">
+            <a:avLst/>
+          </a:prstGeom>
+        </p:spPr>
+        <p:txBody>
+          <a:bodyPr wrap="square">
+            <a:spAutoFit/>
+          </a:bodyPr>
+          <a:lstStyle/>
+          <a:p>
+            <a:r>
+              <a:rPr lang="en-US" sz="3200" b="1" dirty="0" smtClean="0"/>
+              <a:t>	</a:t>
+            </a:r>
+            <a:r>
+              <a:rPr lang="en-US" sz="3200" dirty="0" smtClean="0"/>
+              <a:t>UI Design</a:t>
+            </a:r>
+            <a:endParaRPr lang="en-US" sz="3200" b="1" dirty="0"/>
+          </a:p>
+        </p:txBody>
+      </p:sp>
+      <p:pic>
+        <p:nvPicPr>
+          <p:cNvPr id="1026" name="Picture 2"/>
+          <p:cNvPicPr>
+            <a:picLocks noChangeAspect="1" noChangeArrowheads="1"/>
+          </p:cNvPicPr>
+          <p:nvPr/>
+        </p:nvPicPr>
+        <p:blipFill>
+          <a:blip r:embed="rId2">
+            <a:extLst>
+              <a:ext uri="{28A0092B-C50C-407E-A947-70E740481C1C}">
+                <a14:useLocalDpi xmlns:a14="http://schemas.microsoft.com/office/drawing/2010/main" val="0"/>
+              </a:ext>
+            </a:extLst>
+          </a:blip>
+          <a:srcRect/>
+          <a:stretch>
+            <a:fillRect/>
+          </a:stretch>
+        </p:blipFill>
+        <p:spPr bwMode="auto">
+          <a:xfrm>
+            <a:off x="4970061" y="1781645"/>
+            <a:ext cx="590550" cy="466725"/>
+          </a:xfrm>
+          <a:prstGeom prst="rect">
+            <a:avLst/>
+          </a:prstGeom>
+          <a:noFill/>
+          <a:ln>
+            <a:noFill/>
+          </a:ln>
+          <a:effectLst/>
+          <a:extLst>
+            <a:ext uri="{909E8E84-426E-40DD-AFC4-6F175D3DCCD1}">
+              <a14:hiddenFill xmlns:a14="http://schemas.microsoft.com/office/drawing/2010/main">
+                <a:solidFill>
+                  <a:schemeClr val="accent1"/>
+                </a:solidFill>
+              </a14:hiddenFill>
+            </a:ext>
+            <a:ext uri="{91240B29-F687-4F45-9708-019B960494DF}">
+              <a14:hiddenLine xmlns:a14="http://schemas.microsoft.com/office/drawing/2010/main" w="9525">
+                <a:solidFill>
+                  <a:schemeClr val="tx1"/>
+                </a:solidFill>
+                <a:miter lim="800000"/>
+                <a:headEnd/>
+                <a:tailEnd/>
+              </a14:hiddenLine>
+            </a:ext>
+            <a:ext uri="{AF507438-7753-43E0-B8FC-AC1667EBCBE1}">
+              <a14:hiddenEffects xmlns:a14="http://schemas.microsoft.com/office/drawing/2010/main">
+                <a:effectLst>
+                  <a:outerShdw dist="35921" dir="2700000" algn="ctr" rotWithShape="0">
+                    <a:schemeClr val="bg2"/>
+                  </a:outerShdw>
+                </a:effectLst>
+              </a14:hiddenEffects>
+            </a:ext>
+          </a:extLst>
+        </p:spPr>
+      </p:pic>
+      <p:pic>
+        <p:nvPicPr>
+          <p:cNvPr id="1027" name="Picture 3"/>
+          <p:cNvPicPr>
+            <a:picLocks noChangeAspect="1" noChangeArrowheads="1"/>
+          </p:cNvPicPr>
+          <p:nvPr/>
+        </p:nvPicPr>
+        <p:blipFill>
+          <a:blip r:embed="rId3" cstate="email">
+            <a:extLst>
+              <a:ext uri="{28A0092B-C50C-407E-A947-70E740481C1C}">
+                <a14:useLocalDpi xmlns:a14="http://schemas.microsoft.com/office/drawing/2010/main" val="0"/>
+              </a:ext>
+            </a:extLst>
+          </a:blip>
+          <a:srcRect/>
+          <a:stretch>
+            <a:fillRect/>
+          </a:stretch>
+        </p:blipFill>
+        <p:spPr bwMode="auto">
+          <a:xfrm>
+            <a:off x="3347226" y="2662813"/>
+            <a:ext cx="4601020" cy="3416440"/>
+          </a:xfrm>
+          <a:prstGeom prst="rect">
+            <a:avLst/>
+          </a:prstGeom>
+          <a:noFill/>
+          <a:ln>
+            <a:noFill/>
+          </a:ln>
+          <a:effectLst/>
+          <a:extLst>
+            <a:ext uri="{909E8E84-426E-40DD-AFC4-6F175D3DCCD1}">
+              <a14:hiddenFill xmlns:a14="http://schemas.microsoft.com/office/drawing/2010/main">
+                <a:solidFill>
+                  <a:schemeClr val="accent1"/>
+                </a:solidFill>
+              </a14:hiddenFill>
+            </a:ext>
+            <a:ext uri="{91240B29-F687-4F45-9708-019B960494DF}">
+              <a14:hiddenLine xmlns:a14="http://schemas.microsoft.com/office/drawing/2010/main" w="9525">
+                <a:solidFill>
+                  <a:schemeClr val="tx1"/>
+                </a:solidFill>
+                <a:miter lim="800000"/>
+                <a:headEnd/>
+                <a:tailEnd/>
+              </a14:hiddenLine>
+            </a:ext>
+            <a:ext uri="{AF507438-7753-43E0-B8FC-AC1667EBCBE1}">
+              <a14:hiddenEffects xmlns:a14="http://schemas.microsoft.com/office/drawing/2010/main">
+                <a:effectLst>
+                  <a:outerShdw dist="35921" dir="2700000" algn="ctr" rotWithShape="0">
+                    <a:schemeClr val="bg2"/>
+                  </a:outerShdw>
+                </a:effectLst>
+              </a14:hiddenEffects>
+            </a:ext>
+          </a:extLst>
+        </p:spPr>
+      </p:pic>
+    </p:spTree>
+    <p:extLst>
+      <p:ext uri="{BB962C8B-B14F-4D97-AF65-F5344CB8AC3E}">
+        <p14:creationId xmlns:p14="http://schemas.microsoft.com/office/powerpoint/2010/main" val="2972705044"/>
+      </p:ext>
+    </p:extLst>
+  </p:cSld>
+  <p:clrMapOvr>
+    <a:masterClrMapping/>
+  </p:clrMapOvr>
+  <p:timing>
+    <p:tnLst>
+      <p:par>
+        <p:cTn id="1" dur="indefinite" restart="never" nodeType="tmRoot"/>
+      </p:par>
+    </p:tnLst>
+  </p:timing>
+</p:sld>
+</file>
+
+<file path=ppt/slides/slide13.xml><?xml version="1.0" encoding="utf-8"?>
+<p:sld xmlns:a="http://schemas.openxmlformats.org/drawingml/2006/main" xmlns:r="http://schemas.openxmlformats.org/officeDocument/2006/relationships" xmlns:p="http://schemas.openxmlformats.org/presentationml/2006/main">
+  <p:cSld>
+    <p:spTree>
+      <p:nvGrpSpPr>
+        <p:cNvPr id="1" name=""/>
+        <p:cNvGrpSpPr/>
+        <p:nvPr/>
+      </p:nvGrpSpPr>
+      <p:grpSpPr>
+        <a:xfrm>
+          <a:off x="0" y="0"/>
+          <a:ext cx="0" cy="0"/>
+          <a:chOff x="0" y="0"/>
+          <a:chExt cx="0" cy="0"/>
+        </a:xfrm>
+      </p:grpSpPr>
+      <p:sp>
+        <p:nvSpPr>
+          <p:cNvPr id="2" name="Title 1"/>
+          <p:cNvSpPr>
+            <a:spLocks noGrp="1"/>
+          </p:cNvSpPr>
+          <p:nvPr>
+            <p:ph type="title"/>
+          </p:nvPr>
+        </p:nvSpPr>
+        <p:spPr>
+          <a:xfrm flipV="1">
+            <a:off x="1015999" y="1169574"/>
+            <a:ext cx="7708902" cy="45719"/>
+          </a:xfrm>
+        </p:spPr>
+        <p:txBody>
+          <a:bodyPr>
+            <a:normAutofit fontScale="90000"/>
+          </a:bodyPr>
+          <a:lstStyle/>
+          <a:p>
+            <a:r>
+              <a:rPr lang="en-US" dirty="0" smtClean="0"/>
+              <a:t>  </a:t>
+            </a:r>
+            <a:endParaRPr lang="en-US" dirty="0"/>
+          </a:p>
+        </p:txBody>
+      </p:sp>
       <p:sp>
         <p:nvSpPr>
           <p:cNvPr id="3" name="Content Placeholder 2"/>
@@ -5528,7 +13019,7 @@
                 <a:latin typeface="Segoe UI" panose="020B0502040204020203" pitchFamily="34" charset="0"/>
                 <a:cs typeface="Segoe UI" panose="020B0502040204020203" pitchFamily="34" charset="0"/>
               </a:rPr>
-              <a:t>microformat</a:t>
+              <a:t>microformats</a:t>
             </a:r>
             <a:r>
               <a:rPr lang="en-US" sz="1800" dirty="0" smtClean="0">
@@ -5590,11 +13081,18 @@
               <a:buNone/>
             </a:pPr>
             <a:r>
+              <a:rPr lang="en-US" sz="1800" dirty="0" smtClean="0">
+                <a:latin typeface="Segoe UI" panose="020B0502040204020203" pitchFamily="34" charset="0"/>
+                <a:cs typeface="Segoe UI" panose="020B0502040204020203" pitchFamily="34" charset="0"/>
+              </a:rPr>
+              <a:t>Visualize </a:t>
+            </a:r>
+            <a:r>
               <a:rPr lang="en-US" sz="1800" dirty="0">
                 <a:latin typeface="Segoe UI" panose="020B0502040204020203" pitchFamily="34" charset="0"/>
                 <a:cs typeface="Segoe UI" panose="020B0502040204020203" pitchFamily="34" charset="0"/>
               </a:rPr>
-              <a:t>Save parsed </a:t>
+              <a:t>parsed </a:t>
             </a:r>
             <a:r>
               <a:rPr lang="en-US" sz="1800" dirty="0" smtClean="0">
@@ -5622,7 +13120,7 @@
                 <a:latin typeface="Segoe UI" panose="020B0502040204020203" pitchFamily="34" charset="0"/>
                 <a:cs typeface="Segoe UI" panose="020B0502040204020203" pitchFamily="34" charset="0"/>
               </a:rPr>
-              <a:t>Optional</a:t>
+              <a:t>Future work</a:t>
             </a:r>
             <a:endParaRPr lang="en-US" sz="1800" b="1" dirty="0">
               <a:latin typeface="Segoe UI" panose="020B0502040204020203" pitchFamily="34" charset="0"/>
@@ -5654,14 +13152,14 @@
                 <a:latin typeface="Segoe UI" panose="020B0502040204020203" pitchFamily="34" charset="0"/>
                 <a:cs typeface="Segoe UI" panose="020B0502040204020203" pitchFamily="34" charset="0"/>
               </a:rPr>
-              <a:t>Save option (save as CSV or/and N-</a:t>
-            </a:r>
-            <a:r>
-              <a:rPr lang="en-US" sz="1800" dirty="0" err="1" smtClean="0">
+              <a:t>Save option (save as CSV or/and </a:t>
+            </a:r>
+            <a:r>
+              <a:rPr lang="en-US" sz="1800" dirty="0" smtClean="0">
                 <a:latin typeface="Segoe UI" panose="020B0502040204020203" pitchFamily="34" charset="0"/>
                 <a:cs typeface="Segoe UI" panose="020B0502040204020203" pitchFamily="34" charset="0"/>
               </a:rPr>
-              <a:t>trigles</a:t>
+              <a:t>N-triples</a:t>
             </a:r>
             <a:r>
               <a:rPr lang="en-US" sz="1800" dirty="0" smtClean="0">
@@ -5728,10 +13226,130 @@
   <p:timing>
     <p:tnLst>
       <p:par>
-        <p:cTn xmlns:p14="http://schemas.microsoft.com/office/powerpoint/2010/main" id="1" dur="indefinite" restart="never" nodeType="tmRoot"/>
+        <p:cTn id="1" dur="indefinite" restart="never" nodeType="tmRoot"/>
       </p:par>
     </p:tnLst>
   </p:timing>
+</p:sld>
+</file>
+
+<file path=ppt/slides/slide14.xml><?xml version="1.0" encoding="utf-8"?>
+<p:sld xmlns:a="http://schemas.openxmlformats.org/drawingml/2006/main" xmlns:r="http://schemas.openxmlformats.org/officeDocument/2006/relationships" xmlns:p="http://schemas.openxmlformats.org/presentationml/2006/main">
+  <p:cSld>
+    <p:spTree>
+      <p:nvGrpSpPr>
+        <p:cNvPr id="1" name=""/>
+        <p:cNvGrpSpPr/>
+        <p:nvPr/>
+      </p:nvGrpSpPr>
+      <p:grpSpPr>
+        <a:xfrm>
+          <a:off x="0" y="0"/>
+          <a:ext cx="0" cy="0"/>
+          <a:chOff x="0" y="0"/>
+          <a:chExt cx="0" cy="0"/>
+        </a:xfrm>
+      </p:grpSpPr>
+      <p:sp>
+        <p:nvSpPr>
+          <p:cNvPr id="3" name="Content Placeholder 2"/>
+          <p:cNvSpPr>
+            <a:spLocks noGrp="1"/>
+          </p:cNvSpPr>
+          <p:nvPr>
+            <p:ph idx="1"/>
+          </p:nvPr>
+        </p:nvSpPr>
+        <p:spPr>
+          <a:xfrm>
+            <a:off x="3647549" y="2572378"/>
+            <a:ext cx="1979527" cy="834013"/>
+          </a:xfrm>
+        </p:spPr>
+        <p:txBody>
+          <a:bodyPr>
+            <a:normAutofit/>
+          </a:bodyPr>
+          <a:lstStyle/>
+          <a:p>
+            <a:r>
+              <a:rPr lang="en-US" sz="3200" dirty="0" smtClean="0"/>
+              <a:t>DEMO</a:t>
+            </a:r>
+            <a:endParaRPr lang="en-US" sz="3200" dirty="0"/>
+          </a:p>
+        </p:txBody>
+      </p:sp>
+    </p:spTree>
+    <p:extLst>
+      <p:ext uri="{BB962C8B-B14F-4D97-AF65-F5344CB8AC3E}">
+        <p14:creationId xmlns:p14="http://schemas.microsoft.com/office/powerpoint/2010/main" val="674050210"/>
+      </p:ext>
+    </p:extLst>
+  </p:cSld>
+  <p:clrMapOvr>
+    <a:masterClrMapping/>
+  </p:clrMapOvr>
+</p:sld>
+</file>
+
+<file path=ppt/slides/slide15.xml><?xml version="1.0" encoding="utf-8"?>
+<p:sld xmlns:a="http://schemas.openxmlformats.org/drawingml/2006/main" xmlns:r="http://schemas.openxmlformats.org/officeDocument/2006/relationships" xmlns:p="http://schemas.openxmlformats.org/presentationml/2006/main">
+  <p:cSld>
+    <p:spTree>
+      <p:nvGrpSpPr>
+        <p:cNvPr id="1" name=""/>
+        <p:cNvGrpSpPr/>
+        <p:nvPr/>
+      </p:nvGrpSpPr>
+      <p:grpSpPr>
+        <a:xfrm>
+          <a:off x="0" y="0"/>
+          <a:ext cx="0" cy="0"/>
+          <a:chOff x="0" y="0"/>
+          <a:chExt cx="0" cy="0"/>
+        </a:xfrm>
+      </p:grpSpPr>
+      <p:sp>
+        <p:nvSpPr>
+          <p:cNvPr id="3" name="Content Placeholder 2"/>
+          <p:cNvSpPr>
+            <a:spLocks noGrp="1"/>
+          </p:cNvSpPr>
+          <p:nvPr>
+            <p:ph idx="1"/>
+          </p:nvPr>
+        </p:nvSpPr>
+        <p:spPr>
+          <a:xfrm>
+            <a:off x="3214546" y="2856820"/>
+            <a:ext cx="2713998" cy="770636"/>
+          </a:xfrm>
+        </p:spPr>
+        <p:txBody>
+          <a:bodyPr>
+            <a:normAutofit/>
+          </a:bodyPr>
+          <a:lstStyle/>
+          <a:p>
+            <a:r>
+              <a:rPr lang="en-US" sz="3200" dirty="0" smtClean="0"/>
+              <a:t>Thank you!</a:t>
+            </a:r>
+            <a:endParaRPr lang="en-US" sz="3200" dirty="0"/>
+          </a:p>
+        </p:txBody>
+      </p:sp>
+    </p:spTree>
+    <p:extLst>
+      <p:ext uri="{BB962C8B-B14F-4D97-AF65-F5344CB8AC3E}">
+        <p14:creationId xmlns:p14="http://schemas.microsoft.com/office/powerpoint/2010/main" val="2995530097"/>
+      </p:ext>
+    </p:extLst>
+  </p:cSld>
+  <p:clrMapOvr>
+    <a:masterClrMapping/>
+  </p:clrMapOvr>
 </p:sld>
 </file>
 
@@ -5852,6 +13470,13 @@
   <p:clrMapOvr>
     <a:masterClrMapping/>
   </p:clrMapOvr>
+  <p:timing>
+    <p:tnLst>
+      <p:par>
+        <p:cTn id="1" dur="indefinite" restart="never" nodeType="tmRoot"/>
+      </p:par>
+    </p:tnLst>
+  </p:timing>
 </p:sld>
 </file>
 
@@ -6086,7 +13711,7 @@
   <p:timing>
     <p:tnLst>
       <p:par>
-        <p:cTn xmlns:p14="http://schemas.microsoft.com/office/powerpoint/2010/main" id="1" dur="indefinite" restart="never" nodeType="tmRoot"/>
+        <p:cTn id="1" dur="indefinite" restart="never" nodeType="tmRoot"/>
       </p:par>
     </p:tnLst>
   </p:timing>
@@ -6242,7 +13867,7 @@
   <p:timing>
     <p:tnLst>
       <p:par>
-        <p:cTn xmlns:p14="http://schemas.microsoft.com/office/powerpoint/2010/main" id="1" dur="indefinite" restart="never" nodeType="tmRoot"/>
+        <p:cTn id="1" dur="indefinite" restart="never" nodeType="tmRoot"/>
       </p:par>
     </p:tnLst>
   </p:timing>
@@ -6452,25 +14077,6 @@
             <a:pPr marL="0" indent="0">
               <a:buNone/>
             </a:pPr>
-            <a:r>
-              <a:rPr lang="en-US" sz="1800" dirty="0" smtClean="0">
-                <a:latin typeface="Segoe UI" panose="020B0502040204020203" pitchFamily="34" charset="0"/>
-                <a:cs typeface="Segoe UI" panose="020B0502040204020203" pitchFamily="34" charset="0"/>
-              </a:rPr>
-              <a:t>-Save </a:t>
-            </a:r>
-            <a:r>
-              <a:rPr lang="en-US" sz="1800" dirty="0">
-                <a:latin typeface="Segoe UI" panose="020B0502040204020203" pitchFamily="34" charset="0"/>
-                <a:cs typeface="Segoe UI" panose="020B0502040204020203" pitchFamily="34" charset="0"/>
-              </a:rPr>
-              <a:t>parsed metadata</a:t>
-            </a:r>
-          </a:p>
-          <a:p>
-            <a:pPr marL="0" indent="0">
-              <a:buNone/>
-            </a:pPr>
             <a:endParaRPr lang="en-US" sz="1800" dirty="0"/>
           </a:p>
         </p:txBody>
@@ -6517,7 +14123,7 @@
   <p:timing>
     <p:tnLst>
       <p:par>
-        <p:cTn xmlns:p14="http://schemas.microsoft.com/office/powerpoint/2010/main" id="1" dur="indefinite" restart="never" nodeType="tmRoot"/>
+        <p:cTn id="1" dur="indefinite" restart="never" nodeType="tmRoot"/>
       </p:par>
     </p:tnLst>
   </p:timing>
@@ -6747,7 +14353,7 @@
   <p:timing>
     <p:tnLst>
       <p:par>
-        <p:cTn xmlns:p14="http://schemas.microsoft.com/office/powerpoint/2010/main" id="1" dur="indefinite" restart="never" nodeType="tmRoot"/>
+        <p:cTn id="1" dur="indefinite" restart="never" nodeType="tmRoot"/>
       </p:par>
     </p:tnLst>
   </p:timing>
@@ -6904,7 +14510,7 @@
   <p:timing>
     <p:tnLst>
       <p:par>
-        <p:cTn xmlns:p14="http://schemas.microsoft.com/office/powerpoint/2010/main" id="1" dur="indefinite" restart="never" nodeType="tmRoot"/>
+        <p:cTn id="1" dur="indefinite" restart="never" nodeType="tmRoot"/>
       </p:par>
     </p:tnLst>
   </p:timing>
@@ -6971,7 +14577,7 @@
         <p:spPr/>
         <p:txBody>
           <a:bodyPr>
-            <a:normAutofit/>
+            <a:normAutofit lnSpcReduction="10000"/>
           </a:bodyPr>
           <a:lstStyle/>
           <a:p>
@@ -7108,33 +14714,44 @@
               <a:buChar char="-"/>
             </a:pPr>
             <a:r>
+              <a:rPr lang="en-US" sz="1800" dirty="0" smtClean="0">
+                <a:latin typeface="Segoe UI" panose="020B0502040204020203" pitchFamily="34" charset="0"/>
+                <a:cs typeface="Segoe UI" panose="020B0502040204020203" pitchFamily="34" charset="0"/>
+              </a:rPr>
+              <a:t>jsbeautify.js </a:t>
+            </a:r>
+            <a:r>
               <a:rPr lang="en-US" sz="1800" dirty="0">
                 <a:latin typeface="Segoe UI" panose="020B0502040204020203" pitchFamily="34" charset="0"/>
                 <a:cs typeface="Segoe UI" panose="020B0502040204020203" pitchFamily="34" charset="0"/>
               </a:rPr>
-              <a:t>green-turtle - an implementation of </a:t>
-            </a:r>
-            <a:r>
-              <a:rPr lang="en-US" sz="1800" dirty="0" err="1">
+              <a:t>–  </a:t>
+            </a:r>
+            <a:r>
+              <a:rPr lang="en-US" sz="1800" dirty="0" smtClean="0">
                 <a:latin typeface="Segoe UI" panose="020B0502040204020203" pitchFamily="34" charset="0"/>
                 <a:cs typeface="Segoe UI" panose="020B0502040204020203" pitchFamily="34" charset="0"/>
               </a:rPr>
-              <a:t>RDFa</a:t>
+              <a:t>Beautify JavaScript </a:t>
             </a:r>
             <a:r>
               <a:rPr lang="en-US" sz="1800" dirty="0">
                 <a:latin typeface="Segoe UI" panose="020B0502040204020203" pitchFamily="34" charset="0"/>
                 <a:cs typeface="Segoe UI" panose="020B0502040204020203" pitchFamily="34" charset="0"/>
               </a:rPr>
-              <a:t> 1.1 for </a:t>
+              <a:t>and HTML, make JSON/JSONP </a:t>
             </a:r>
             <a:r>
               <a:rPr lang="en-US" sz="1800" dirty="0" smtClean="0">
                 <a:latin typeface="Segoe UI" panose="020B0502040204020203" pitchFamily="34" charset="0"/>
                 <a:cs typeface="Segoe UI" panose="020B0502040204020203" pitchFamily="34" charset="0"/>
               </a:rPr>
-              <a:t>browsers</a:t>
-            </a:r>
+              <a:t>readable</a:t>
+            </a:r>
+            <a:endParaRPr lang="en-US" sz="1800" dirty="0">
+              <a:latin typeface="Segoe UI" panose="020B0502040204020203" pitchFamily="34" charset="0"/>
+              <a:cs typeface="Segoe UI" panose="020B0502040204020203" pitchFamily="34" charset="0"/>
+            </a:endParaRPr>
           </a:p>
           <a:p>
             <a:pPr>
@@ -7142,21 +14759,14 @@
               <a:buChar char="-"/>
             </a:pPr>
             <a:r>
-              <a:rPr lang="en-US" sz="1800" dirty="0" err="1">
-                <a:latin typeface="Segoe UI" panose="020B0502040204020203" pitchFamily="34" charset="0"/>
-                <a:cs typeface="Segoe UI" panose="020B0502040204020203" pitchFamily="34" charset="0"/>
-              </a:rPr>
-              <a:t>m</a:t>
-            </a:r>
-            <a:r>
               <a:rPr lang="en-US" sz="1800" dirty="0" err="1" smtClean="0">
                 <a:latin typeface="Segoe UI" panose="020B0502040204020203" pitchFamily="34" charset="0"/>
                 <a:cs typeface="Segoe UI" panose="020B0502040204020203" pitchFamily="34" charset="0"/>
               </a:rPr>
-              <a:t>icroformat</a:t>
-            </a:r>
-            <a:r>
-              <a:rPr lang="en-US" sz="1800" dirty="0">
+              <a:t>microformat</a:t>
+            </a:r>
+            <a:r>
+              <a:rPr lang="en-US" sz="1800" dirty="0" smtClean="0">
                 <a:latin typeface="Segoe UI" panose="020B0502040204020203" pitchFamily="34" charset="0"/>
                 <a:cs typeface="Segoe UI" panose="020B0502040204020203" pitchFamily="34" charset="0"/>
               </a:rPr>
@@ -7358,7 +14968,7 @@
   <p:timing>
     <p:tnLst>
       <p:par>
-        <p:cTn xmlns:p14="http://schemas.microsoft.com/office/powerpoint/2010/main" id="1" dur="indefinite" restart="never" nodeType="tmRoot"/>
+        <p:cTn id="1" dur="indefinite" restart="never" nodeType="tmRoot"/>
       </p:par>
     </p:tnLst>
   </p:timing>
@@ -7412,163 +15022,31 @@
           </a:p>
         </p:txBody>
       </p:sp>
-      <p:sp>
-        <p:nvSpPr>
-          <p:cNvPr id="3" name="Content Placeholder 2"/>
-          <p:cNvSpPr>
-            <a:spLocks noGrp="1"/>
-          </p:cNvSpPr>
+      <p:graphicFrame>
+        <p:nvGraphicFramePr>
+          <p:cNvPr id="5" name="Content Placeholder 4"/>
+          <p:cNvGraphicFramePr>
+            <a:graphicFrameLocks noGrp="1"/>
+          </p:cNvGraphicFramePr>
           <p:nvPr>
             <p:ph idx="1"/>
+            <p:extLst>
+              <p:ext uri="{D42A27DB-BD31-4B8C-83A1-F6EECF244321}">
+                <p14:modId xmlns:p14="http://schemas.microsoft.com/office/powerpoint/2010/main" val="1021693564"/>
+              </p:ext>
+            </p:extLst>
           </p:nvPr>
-        </p:nvSpPr>
-        <p:spPr/>
-        <p:txBody>
-          <a:bodyPr>
-            <a:normAutofit/>
-          </a:bodyPr>
-          <a:lstStyle/>
-          <a:p>
-            <a:pPr>
-              <a:buAutoNum type="arabicPeriod"/>
-            </a:pPr>
-            <a:r>
-              <a:rPr lang="en-US" sz="1800" dirty="0" smtClean="0"/>
-              <a:t>Design </a:t>
-            </a:r>
-          </a:p>
-          <a:p>
-            <a:pPr marL="349250" lvl="1" indent="0">
-              <a:lnSpc>
-                <a:spcPct val="70000"/>
-              </a:lnSpc>
-              <a:buNone/>
-            </a:pPr>
-            <a:r>
-              <a:rPr lang="en-US" sz="1400" dirty="0" smtClean="0"/>
-              <a:t>-</a:t>
-            </a:r>
-            <a:r>
-              <a:rPr lang="en-US" sz="1400" dirty="0"/>
-              <a:t> </a:t>
-            </a:r>
-            <a:r>
-              <a:rPr lang="en-US" sz="1400" dirty="0" smtClean="0"/>
-              <a:t>Research</a:t>
-            </a:r>
-          </a:p>
-          <a:p>
-            <a:pPr marL="349250" lvl="1" indent="0">
-              <a:lnSpc>
-                <a:spcPct val="70000"/>
-              </a:lnSpc>
-              <a:buNone/>
-            </a:pPr>
-            <a:r>
-              <a:rPr lang="en-US" sz="1400" dirty="0" smtClean="0"/>
-              <a:t>- Architecture</a:t>
-            </a:r>
-          </a:p>
-          <a:p>
-            <a:pPr marL="349250" lvl="1" indent="0">
-              <a:lnSpc>
-                <a:spcPct val="70000"/>
-              </a:lnSpc>
-              <a:buNone/>
-            </a:pPr>
-            <a:r>
-              <a:rPr lang="en-US" sz="1400" dirty="0" smtClean="0"/>
-              <a:t>- Functionality</a:t>
-            </a:r>
-          </a:p>
-          <a:p>
-            <a:pPr>
-              <a:buAutoNum type="arabicPeriod"/>
-            </a:pPr>
-            <a:r>
-              <a:rPr lang="en-US" sz="1800" dirty="0" smtClean="0"/>
-              <a:t>Implementation</a:t>
-            </a:r>
-          </a:p>
-          <a:p>
-            <a:pPr marL="349250" lvl="1" indent="0">
-              <a:lnSpc>
-                <a:spcPct val="70000"/>
-              </a:lnSpc>
-              <a:buNone/>
-            </a:pPr>
-            <a:r>
-              <a:rPr lang="en-US" sz="1400" dirty="0" smtClean="0"/>
-              <a:t>- Use external libraries</a:t>
-            </a:r>
-            <a:endParaRPr lang="en-US" sz="1400" dirty="0"/>
-          </a:p>
-          <a:p>
-            <a:pPr marL="349250" lvl="1" indent="0">
-              <a:lnSpc>
-                <a:spcPct val="70000"/>
-              </a:lnSpc>
-              <a:buNone/>
-            </a:pPr>
-            <a:r>
-              <a:rPr lang="en-US" sz="1400" dirty="0" smtClean="0"/>
-              <a:t>- Use </a:t>
-            </a:r>
-            <a:r>
-              <a:rPr lang="en-US" sz="1400" dirty="0" err="1" smtClean="0"/>
-              <a:t>Kango</a:t>
-            </a:r>
-            <a:r>
-              <a:rPr lang="en-US" sz="1400" dirty="0" smtClean="0"/>
-              <a:t> Framework</a:t>
-            </a:r>
-            <a:endParaRPr lang="en-US" sz="1400" dirty="0"/>
-          </a:p>
-          <a:p>
-            <a:pPr marL="349250" lvl="1" indent="0">
-              <a:lnSpc>
-                <a:spcPct val="70000"/>
-              </a:lnSpc>
-              <a:buNone/>
-            </a:pPr>
-            <a:r>
-              <a:rPr lang="en-US" sz="1400" dirty="0" smtClean="0"/>
-              <a:t>- Implement components</a:t>
-            </a:r>
-          </a:p>
-          <a:p>
-            <a:pPr marL="349250" lvl="1" indent="0">
-              <a:lnSpc>
-                <a:spcPct val="70000"/>
-              </a:lnSpc>
-              <a:buNone/>
-            </a:pPr>
-            <a:r>
-              <a:rPr lang="en-US" sz="1400" dirty="0" smtClean="0"/>
-              <a:t>- Implement UI</a:t>
-            </a:r>
-            <a:endParaRPr lang="en-US" sz="1800" dirty="0" smtClean="0"/>
-          </a:p>
-          <a:p>
-            <a:pPr>
-              <a:buAutoNum type="arabicPeriod"/>
-            </a:pPr>
-            <a:r>
-              <a:rPr lang="en-US" sz="1800" dirty="0" smtClean="0"/>
-              <a:t>Test</a:t>
-            </a:r>
-          </a:p>
-          <a:p>
-            <a:pPr marL="0" indent="0">
-              <a:buNone/>
-            </a:pPr>
-            <a:r>
-              <a:rPr lang="en-US" sz="1800" dirty="0"/>
-              <a:t>	</a:t>
-            </a:r>
-          </a:p>
-        </p:txBody>
-      </p:sp>
+        </p:nvGraphicFramePr>
+        <p:xfrm>
+          <a:off x="1114424" y="1406769"/>
+          <a:ext cx="7610476" cy="4859561"/>
+        </p:xfrm>
+        <a:graphic>
+          <a:graphicData uri="http://schemas.openxmlformats.org/drawingml/2006/diagram">
+            <dgm:relIds xmlns:dgm="http://schemas.openxmlformats.org/drawingml/2006/diagram" xmlns:r="http://schemas.openxmlformats.org/officeDocument/2006/relationships" r:dm="rId2" r:lo="rId3" r:qs="rId4" r:cs="rId5"/>
+          </a:graphicData>
+        </a:graphic>
+      </p:graphicFrame>
       <p:sp>
         <p:nvSpPr>
           <p:cNvPr id="4" name="Rectangle 3"/>
@@ -7577,8 +15055,8 @@
         </p:nvSpPr>
         <p:spPr>
           <a:xfrm>
-            <a:off x="80211" y="604061"/>
-            <a:ext cx="5721683" cy="584776"/>
+            <a:off x="80212" y="604061"/>
+            <a:ext cx="6216314" cy="584776"/>
           </a:xfrm>
           <a:prstGeom prst="rect">
             <a:avLst/>
@@ -7591,25 +15069,47 @@
           <a:lstStyle/>
           <a:p>
             <a:r>
-              <a:rPr lang="en-US" sz="3200" b="1" smtClean="0"/>
+              <a:rPr lang="en-US" sz="3200" b="1" dirty="0" smtClean="0"/>
               <a:t>	</a:t>
             </a:r>
             <a:r>
-              <a:rPr lang="en-US" sz="3200" smtClean="0"/>
-              <a:t>Implementation </a:t>
-            </a:r>
-            <a:r>
               <a:rPr lang="en-US" sz="3200" dirty="0" smtClean="0"/>
-              <a:t>flow</a:t>
+              <a:t>REST API</a:t>
             </a:r>
             <a:endParaRPr lang="en-US" sz="3200" b="1" dirty="0"/>
+          </a:p>
+        </p:txBody>
+      </p:sp>
+      <p:sp>
+        <p:nvSpPr>
+          <p:cNvPr id="6" name="TextBox 5"/>
+          <p:cNvSpPr txBox="1"/>
+          <p:nvPr/>
+        </p:nvSpPr>
+        <p:spPr>
+          <a:xfrm>
+            <a:off x="1390316" y="2753895"/>
+            <a:ext cx="184666" cy="369332"/>
+          </a:xfrm>
+          <a:prstGeom prst="rect">
+            <a:avLst/>
+          </a:prstGeom>
+          <a:noFill/>
+        </p:spPr>
+        <p:txBody>
+          <a:bodyPr wrap="none" rtlCol="0">
+            <a:spAutoFit/>
+          </a:bodyPr>
+          <a:lstStyle/>
+          <a:p>
+            <a:endParaRPr lang="en-US" dirty="0"/>
           </a:p>
         </p:txBody>
       </p:sp>
     </p:spTree>
     <p:extLst>
       <p:ext uri="{BB962C8B-B14F-4D97-AF65-F5344CB8AC3E}">
-        <p14:creationId xmlns:p14="http://schemas.microsoft.com/office/powerpoint/2010/main" val="986249530"/>
+        <p14:creationId xmlns:p14="http://schemas.microsoft.com/office/powerpoint/2010/main" val="2315775611"/>
       </p:ext>
     </p:extLst>
   </p:cSld>
@@ -7619,7 +15119,7 @@
   <p:timing>
     <p:tnLst>
       <p:par>
-        <p:cTn xmlns:p14="http://schemas.microsoft.com/office/powerpoint/2010/main" id="1" dur="indefinite" restart="never" nodeType="tmRoot"/>
+        <p:cTn id="1" dur="indefinite" restart="never" nodeType="tmRoot"/>
       </p:par>
     </p:tnLst>
   </p:timing>

--- a/presentation/wedi_wade.pptx
+++ b/presentation/wedi_wade.pptx
@@ -2072,6 +2072,13 @@
         </dgm:presLayoutVars>
       </dgm:prSet>
       <dgm:spPr/>
+      <dgm:t>
+        <a:bodyPr/>
+        <a:lstStyle/>
+        <a:p>
+          <a:endParaRPr lang="en-US"/>
+        </a:p>
+      </dgm:t>
     </dgm:pt>
     <dgm:pt modelId="{CFAE93D6-7921-4DDC-A23A-AC26D1FC199F}" type="pres">
       <dgm:prSet presAssocID="{ED1F5969-663D-42BC-9AB0-3CBD123959F0}" presName="linNode" presStyleCnt="0"/>
@@ -2085,6 +2092,13 @@
         </dgm:presLayoutVars>
       </dgm:prSet>
       <dgm:spPr/>
+      <dgm:t>
+        <a:bodyPr/>
+        <a:lstStyle/>
+        <a:p>
+          <a:endParaRPr lang="en-US"/>
+        </a:p>
+      </dgm:t>
     </dgm:pt>
     <dgm:pt modelId="{A989CAA7-E4F9-4327-A766-52D2896CEFE2}" type="pres">
       <dgm:prSet presAssocID="{6DC7B96A-E318-4FA7-B1E5-7D55384E67E5}" presName="sp" presStyleCnt="0"/>
@@ -2102,6 +2116,13 @@
         </dgm:presLayoutVars>
       </dgm:prSet>
       <dgm:spPr/>
+      <dgm:t>
+        <a:bodyPr/>
+        <a:lstStyle/>
+        <a:p>
+          <a:endParaRPr lang="en-US"/>
+        </a:p>
+      </dgm:t>
     </dgm:pt>
     <dgm:pt modelId="{D24C75C4-4518-450D-88B6-472121D75422}" type="pres">
       <dgm:prSet presAssocID="{A905EE44-52A1-4558-B8AB-83B76B351C56}" presName="sp" presStyleCnt="0"/>
@@ -2119,6 +2140,13 @@
         </dgm:presLayoutVars>
       </dgm:prSet>
       <dgm:spPr/>
+      <dgm:t>
+        <a:bodyPr/>
+        <a:lstStyle/>
+        <a:p>
+          <a:endParaRPr lang="en-US"/>
+        </a:p>
+      </dgm:t>
     </dgm:pt>
     <dgm:pt modelId="{8148B8F6-4555-422E-B245-41FEB4A31618}" type="pres">
       <dgm:prSet presAssocID="{8983733E-15D3-4581-9188-590CF7DFDF38}" presName="sp" presStyleCnt="0"/>
@@ -2136,6 +2164,13 @@
         </dgm:presLayoutVars>
       </dgm:prSet>
       <dgm:spPr/>
+      <dgm:t>
+        <a:bodyPr/>
+        <a:lstStyle/>
+        <a:p>
+          <a:endParaRPr lang="en-US"/>
+        </a:p>
+      </dgm:t>
     </dgm:pt>
     <dgm:pt modelId="{FBD69C21-BA7A-47B4-970F-23C568E8DDBB}" type="pres">
       <dgm:prSet presAssocID="{C7484DD5-6018-4BDC-8D94-31D726F206A8}" presName="sp" presStyleCnt="0"/>
@@ -2153,6 +2188,13 @@
         </dgm:presLayoutVars>
       </dgm:prSet>
       <dgm:spPr/>
+      <dgm:t>
+        <a:bodyPr/>
+        <a:lstStyle/>
+        <a:p>
+          <a:endParaRPr lang="en-US"/>
+        </a:p>
+      </dgm:t>
     </dgm:pt>
     <dgm:pt modelId="{D49D4D53-A0B9-41D8-A98A-B81D0A0BA326}" type="pres">
       <dgm:prSet presAssocID="{F4C93373-8064-4114-AA39-410CFB070DE7}" presName="descendantText" presStyleLbl="alignAccFollowNode1" presStyleIdx="0" presStyleCnt="1" custScaleY="295022">
@@ -2941,6 +2983,13 @@
         </dgm:presLayoutVars>
       </dgm:prSet>
       <dgm:spPr/>
+      <dgm:t>
+        <a:bodyPr/>
+        <a:lstStyle/>
+        <a:p>
+          <a:endParaRPr lang="en-US"/>
+        </a:p>
+      </dgm:t>
     </dgm:pt>
     <dgm:pt modelId="{E4FA2293-8FDB-4303-AC74-4FF7B1862BD1}" type="pres">
       <dgm:prSet presAssocID="{EFE587F7-10FC-47EB-893F-9CF2450C0878}" presName="linNode" presStyleCnt="0"/>
@@ -2954,6 +3003,13 @@
         </dgm:presLayoutVars>
       </dgm:prSet>
       <dgm:spPr/>
+      <dgm:t>
+        <a:bodyPr/>
+        <a:lstStyle/>
+        <a:p>
+          <a:endParaRPr lang="en-US"/>
+        </a:p>
+      </dgm:t>
     </dgm:pt>
     <dgm:pt modelId="{9DD1BE67-738F-4822-9F77-F754FCDE55C5}" type="pres">
       <dgm:prSet presAssocID="{FC2D358F-C2F0-4996-A310-25B60A5C8879}" presName="sp" presStyleCnt="0"/>
@@ -2971,6 +3027,13 @@
         </dgm:presLayoutVars>
       </dgm:prSet>
       <dgm:spPr/>
+      <dgm:t>
+        <a:bodyPr/>
+        <a:lstStyle/>
+        <a:p>
+          <a:endParaRPr lang="en-US"/>
+        </a:p>
+      </dgm:t>
     </dgm:pt>
     <dgm:pt modelId="{E499D2F3-9190-4EA3-8D91-7D128992369A}" type="pres">
       <dgm:prSet presAssocID="{AD338EC0-9D5B-49E4-B474-008185B5F714}" presName="sp" presStyleCnt="0"/>
@@ -2988,6 +3051,13 @@
         </dgm:presLayoutVars>
       </dgm:prSet>
       <dgm:spPr/>
+      <dgm:t>
+        <a:bodyPr/>
+        <a:lstStyle/>
+        <a:p>
+          <a:endParaRPr lang="en-US"/>
+        </a:p>
+      </dgm:t>
     </dgm:pt>
     <dgm:pt modelId="{4980C328-376B-4444-953B-B449558BE948}" type="pres">
       <dgm:prSet presAssocID="{2B4F7021-C775-472E-B4AC-D95B39D1B58A}" presName="sp" presStyleCnt="0"/>
@@ -3005,6 +3075,13 @@
         </dgm:presLayoutVars>
       </dgm:prSet>
       <dgm:spPr/>
+      <dgm:t>
+        <a:bodyPr/>
+        <a:lstStyle/>
+        <a:p>
+          <a:endParaRPr lang="en-US"/>
+        </a:p>
+      </dgm:t>
     </dgm:pt>
     <dgm:pt modelId="{E4B8D8F6-A6F8-4AFD-B808-3D74C570E9B8}" type="pres">
       <dgm:prSet presAssocID="{796C6F3D-85FF-431E-B693-FE5B25F5A01C}" presName="descendantText" presStyleLbl="alignAccFollowNode1" presStyleIdx="0" presStyleCnt="1" custScaleX="143186" custScaleY="525226">
@@ -3037,9 +3114,9 @@
     <dgm:cxn modelId="{566746D8-AFA5-4394-AF5D-D8AE21D17E24}" srcId="{796C6F3D-85FF-431E-B693-FE5B25F5A01C}" destId="{F7A9C7AF-4AF5-46AB-B677-52EC8ED63C0C}" srcOrd="1" destOrd="0" parTransId="{5A228936-5F98-4EF7-9C99-46C3D4EC5C34}" sibTransId="{C6AFB9D6-43A0-4C29-96FB-8365623310C3}"/>
     <dgm:cxn modelId="{E368D4CD-CCC4-428A-9EBD-1B8614745BAE}" type="presOf" srcId="{38AC03CB-9735-462A-B4C0-48C990F179B0}" destId="{E4B8D8F6-A6F8-4AFD-B808-3D74C570E9B8}" srcOrd="0" destOrd="5" presId="urn:microsoft.com/office/officeart/2005/8/layout/vList5"/>
     <dgm:cxn modelId="{E4FE45C0-91EB-4D31-8CD3-491404EF2A6F}" srcId="{38AC03CB-9735-462A-B4C0-48C990F179B0}" destId="{9E4D539F-E41A-4B09-8D9D-80128CDC35C5}" srcOrd="1" destOrd="0" parTransId="{125E81EA-3EF3-4A2E-A9D8-972EC0942588}" sibTransId="{2D5ECCA8-4CDB-4F94-92F5-E9097CD6D436}"/>
-    <dgm:cxn modelId="{5EAE88B1-7FA6-42CD-8EE7-8B887FFA862A}" type="presOf" srcId="{907B7CD8-847D-4067-9A07-05D79B56BF4F}" destId="{E4B8D8F6-A6F8-4AFD-B808-3D74C570E9B8}" srcOrd="0" destOrd="2" presId="urn:microsoft.com/office/officeart/2005/8/layout/vList5"/>
     <dgm:cxn modelId="{B40FECC4-45B2-4F90-80E0-46170A5A0C4B}" type="presOf" srcId="{B4D8C2EB-657B-4873-9225-3535DE7B6DB6}" destId="{7C44955F-EB0C-40F9-8B38-3CE1DDD7EAEC}" srcOrd="0" destOrd="0" presId="urn:microsoft.com/office/officeart/2005/8/layout/vList5"/>
     <dgm:cxn modelId="{25886237-2BD9-4E11-910F-A29AFE8A0E91}" type="presOf" srcId="{CDD015F5-8B00-4200-82C8-8AA33BEB5D6E}" destId="{E4B8D8F6-A6F8-4AFD-B808-3D74C570E9B8}" srcOrd="0" destOrd="9" presId="urn:microsoft.com/office/officeart/2005/8/layout/vList5"/>
+    <dgm:cxn modelId="{5EAE88B1-7FA6-42CD-8EE7-8B887FFA862A}" type="presOf" srcId="{907B7CD8-847D-4067-9A07-05D79B56BF4F}" destId="{E4B8D8F6-A6F8-4AFD-B808-3D74C570E9B8}" srcOrd="0" destOrd="2" presId="urn:microsoft.com/office/officeart/2005/8/layout/vList5"/>
     <dgm:cxn modelId="{4E4675AB-19D5-47A2-A427-79F8CE8A5517}" srcId="{796C6F3D-85FF-431E-B693-FE5B25F5A01C}" destId="{068BD4E6-C4B3-4BB7-9AB0-17BB6A2761CE}" srcOrd="5" destOrd="0" parTransId="{3265876E-BEAA-48AC-A7A0-876D7D71E0E6}" sibTransId="{72C14AD5-BD16-4B83-927C-E65B023BF452}"/>
     <dgm:cxn modelId="{60957B63-4286-4381-B972-F3440D969AEC}" type="presOf" srcId="{ED6D938F-4FD7-4F03-B534-CED55803F63F}" destId="{E4B8D8F6-A6F8-4AFD-B808-3D74C570E9B8}" srcOrd="0" destOrd="8" presId="urn:microsoft.com/office/officeart/2005/8/layout/vList5"/>
     <dgm:cxn modelId="{F3136043-88E3-4397-8AC5-618A8ABACC5B}" srcId="{F7A9C7AF-4AF5-46AB-B677-52EC8ED63C0C}" destId="{907B7CD8-847D-4067-9A07-05D79B56BF4F}" srcOrd="0" destOrd="0" parTransId="{51244509-CC85-40AD-8D18-2F25FF932E63}" sibTransId="{AD4D2327-773A-4137-9C11-F517B4460624}"/>
@@ -11845,7 +11922,7 @@
         </p:spPr>
         <p:txBody>
           <a:bodyPr>
-            <a:normAutofit fontScale="55000" lnSpcReduction="20000"/>
+            <a:normAutofit/>
           </a:bodyPr>
           <a:lstStyle/>
           <a:p>
@@ -11855,13 +11932,14 @@
               </a:lnSpc>
             </a:pPr>
             <a:r>
-              <a:rPr lang="en-US" sz="2500" dirty="0" smtClean="0"/>
+              <a:rPr lang="en-US" dirty="0" smtClean="0"/>
               <a:t>Professor:				</a:t>
             </a:r>
             <a:r>
-              <a:rPr lang="en-US" sz="2500" dirty="0"/>
-              <a:t>Students:</a:t>
-            </a:r>
+              <a:rPr lang="en-US" dirty="0" smtClean="0"/>
+              <a:t>Student:</a:t>
+            </a:r>
+            <a:endParaRPr lang="en-US" dirty="0"/>
           </a:p>
           <a:p>
             <a:pPr>
@@ -11870,34 +11948,30 @@
               </a:lnSpc>
             </a:pPr>
             <a:r>
-              <a:rPr lang="en-US" sz="2500" dirty="0" smtClean="0"/>
+              <a:rPr lang="en-US" dirty="0" smtClean="0"/>
               <a:t>Dr. </a:t>
             </a:r>
             <a:r>
-              <a:rPr lang="en-US" sz="2500" dirty="0" err="1" smtClean="0"/>
+              <a:rPr lang="en-US" dirty="0" err="1" smtClean="0"/>
               <a:t>Buraga</a:t>
             </a:r>
             <a:r>
-              <a:rPr lang="en-US" sz="2500" dirty="0" smtClean="0"/>
-              <a:t> Sabin				</a:t>
-            </a:r>
-            <a:r>
-              <a:rPr lang="en-US" sz="2500" dirty="0" err="1" smtClean="0"/>
-              <a:t>Butnariu</a:t>
-            </a:r>
-            <a:r>
-              <a:rPr lang="en-US" sz="2500" dirty="0" smtClean="0"/>
-              <a:t> </a:t>
-            </a:r>
-            <a:r>
-              <a:rPr lang="en-US" sz="2500" dirty="0"/>
-              <a:t>V. </a:t>
-            </a:r>
-            <a:r>
-              <a:rPr lang="en-US" sz="2500" dirty="0" err="1"/>
-              <a:t>Vasile-Raducu</a:t>
-            </a:r>
-            <a:endParaRPr lang="en-US" sz="2500" dirty="0"/>
+              <a:rPr lang="en-US" dirty="0" smtClean="0"/>
+              <a:t> Sabin			</a:t>
+            </a:r>
+            <a:r>
+              <a:rPr lang="en-US" dirty="0" err="1" smtClean="0"/>
+              <a:t>Deaconu</a:t>
+            </a:r>
+            <a:r>
+              <a:rPr lang="en-US" dirty="0" smtClean="0"/>
+              <a:t> C. </a:t>
+            </a:r>
+            <a:r>
+              <a:rPr lang="en-US" dirty="0" err="1" smtClean="0"/>
+              <a:t>Mihai</a:t>
+            </a:r>
+            <a:endParaRPr lang="en-US" dirty="0" smtClean="0"/>
           </a:p>
           <a:p>
             <a:pPr>
@@ -11912,58 +11986,6 @@
             <a:r>
               <a:rPr lang="en-US" sz="2500" dirty="0" smtClean="0"/>
               <a:t>				</a:t>
-            </a:r>
-            <a:r>
-              <a:rPr lang="en-US" sz="2500" dirty="0" err="1" smtClean="0"/>
-              <a:t>Deaconu</a:t>
-            </a:r>
-            <a:r>
-              <a:rPr lang="en-US" sz="2500" dirty="0" smtClean="0"/>
-              <a:t> </a:t>
-            </a:r>
-            <a:r>
-              <a:rPr lang="en-US" sz="2500" dirty="0"/>
-              <a:t>C. </a:t>
-            </a:r>
-            <a:r>
-              <a:rPr lang="en-US" sz="2500" dirty="0" err="1"/>
-              <a:t>Mihai</a:t>
-            </a:r>
-            <a:endParaRPr lang="en-US" sz="2500" dirty="0"/>
-          </a:p>
-          <a:p>
-            <a:pPr>
-              <a:lnSpc>
-                <a:spcPct val="90000"/>
-              </a:lnSpc>
-            </a:pPr>
-            <a:r>
-              <a:rPr lang="en-US" sz="2500" dirty="0"/>
-              <a:t>	</a:t>
-            </a:r>
-            <a:r>
-              <a:rPr lang="en-US" sz="2500" dirty="0" smtClean="0"/>
-              <a:t>				</a:t>
-            </a:r>
-            <a:r>
-              <a:rPr lang="en-US" sz="2500" dirty="0" err="1" smtClean="0"/>
-              <a:t>Sfirnaciuc</a:t>
-            </a:r>
-            <a:r>
-              <a:rPr lang="en-US" sz="2500" dirty="0" smtClean="0"/>
-              <a:t> </a:t>
-            </a:r>
-            <a:r>
-              <a:rPr lang="en-US" sz="2500" dirty="0"/>
-              <a:t>D. Daniel-</a:t>
-            </a:r>
-            <a:r>
-              <a:rPr lang="en-US" sz="2500" dirty="0" err="1" smtClean="0"/>
-              <a:t>Ionut</a:t>
-            </a:r>
-            <a:r>
-              <a:rPr lang="en-US" sz="2000" dirty="0" smtClean="0"/>
-              <a:t>		</a:t>
             </a:r>
             <a:endParaRPr lang="en-US" sz="2000" dirty="0"/>
           </a:p>
@@ -13152,21 +13174,7 @@
                 <a:latin typeface="Segoe UI" panose="020B0502040204020203" pitchFamily="34" charset="0"/>
                 <a:cs typeface="Segoe UI" panose="020B0502040204020203" pitchFamily="34" charset="0"/>
               </a:rPr>
-              <a:t>Save option (save as CSV or/and </a:t>
-            </a:r>
-            <a:r>
-              <a:rPr lang="en-US" sz="1800" dirty="0" smtClean="0">
-                <a:latin typeface="Segoe UI" panose="020B0502040204020203" pitchFamily="34" charset="0"/>
-                <a:cs typeface="Segoe UI" panose="020B0502040204020203" pitchFamily="34" charset="0"/>
-              </a:rPr>
-              <a:t>N-triples</a:t>
-            </a:r>
-            <a:r>
-              <a:rPr lang="en-US" sz="1800" dirty="0" smtClean="0">
-                <a:latin typeface="Segoe UI" panose="020B0502040204020203" pitchFamily="34" charset="0"/>
-                <a:cs typeface="Segoe UI" panose="020B0502040204020203" pitchFamily="34" charset="0"/>
-              </a:rPr>
-              <a:t>)</a:t>
+              <a:t>Save option (save as CSV or/and N-triples)</a:t>
             </a:r>
             <a:endParaRPr lang="en-US" sz="1800" dirty="0">
               <a:latin typeface="Segoe UI" panose="020B0502040204020203" pitchFamily="34" charset="0"/>
@@ -14055,18 +14063,18 @@
               <a:buNone/>
             </a:pPr>
             <a:r>
-              <a:rPr lang="en-US" sz="1800" dirty="0" smtClean="0">
+              <a:rPr lang="en-US" sz="1800" smtClean="0">
                 <a:latin typeface="Segoe UI" panose="020B0502040204020203" pitchFamily="34" charset="0"/>
                 <a:cs typeface="Segoe UI" panose="020B0502040204020203" pitchFamily="34" charset="0"/>
               </a:rPr>
               <a:t>-</a:t>
             </a:r>
             <a:r>
-              <a:rPr lang="en-US" sz="1800" dirty="0" err="1" smtClean="0">
+              <a:rPr lang="en-US" sz="1800" smtClean="0">
                 <a:latin typeface="Segoe UI" panose="020B0502040204020203" pitchFamily="34" charset="0"/>
                 <a:cs typeface="Segoe UI" panose="020B0502040204020203" pitchFamily="34" charset="0"/>
               </a:rPr>
-              <a:t>Visualiser</a:t>
+              <a:t>Visualizer</a:t>
             </a:r>
             <a:endParaRPr lang="en-US" sz="1800" dirty="0">
               <a:latin typeface="Segoe UI" panose="020B0502040204020203" pitchFamily="34" charset="0"/>
@@ -14770,14 +14778,7 @@
                 <a:latin typeface="Segoe UI" panose="020B0502040204020203" pitchFamily="34" charset="0"/>
                 <a:cs typeface="Segoe UI" panose="020B0502040204020203" pitchFamily="34" charset="0"/>
               </a:rPr>
-              <a:t>-shiv </a:t>
-            </a:r>
-            <a:r>
-              <a:rPr lang="en-US" sz="1800" dirty="0" smtClean="0">
-                <a:latin typeface="Segoe UI" panose="020B0502040204020203" pitchFamily="34" charset="0"/>
-                <a:cs typeface="Segoe UI" panose="020B0502040204020203" pitchFamily="34" charset="0"/>
-              </a:rPr>
-              <a:t>-</a:t>
+              <a:t>-shiv -</a:t>
             </a:r>
             <a:r>
               <a:rPr lang="en-US" sz="1800" dirty="0">
